--- a/presentation/Ed Brown _ DA9_ City Cemetary.pptx
+++ b/presentation/Ed Brown _ DA9_ City Cemetary.pptx
@@ -1,36 +1,36 @@
 
 <file path=ppt/presentation.xml><?xml version="1.0" encoding="utf-8"?>
-<p:presentation xmlns:a="http://schemas.openxmlformats.org/drawingml/2006/main" xmlns:r="http://schemas.openxmlformats.org/officeDocument/2006/relationships" xmlns:mc="http://schemas.openxmlformats.org/markup-compatibility/2006" xmlns:mv="urn:schemas-microsoft-com:mac:vml" xmlns:p="http://schemas.openxmlformats.org/presentationml/2006/main" xmlns:c="http://schemas.openxmlformats.org/drawingml/2006/chart" xmlns:dgm="http://schemas.openxmlformats.org/drawingml/2006/diagram" xmlns:o="urn:schemas-microsoft-com:office:office" xmlns:v="urn:schemas-microsoft-com:vml" xmlns:pvml="urn:schemas-microsoft-com:office:powerpoint" xmlns:com="http://schemas.openxmlformats.org/drawingml/2006/compatibility" xmlns:p14="http://schemas.microsoft.com/office/powerpoint/2010/main" xmlns:p15="http://schemas.microsoft.com/office/powerpoint/2012/main" xmlns:ahyp="http://schemas.microsoft.com/office/drawing/2018/hyperlinkcolor" autoCompressPictures="0" embedTrueTypeFonts="1" strictFirstAndLastChars="0" saveSubsetFonts="1">
+<p:presentation xmlns:a="http://schemas.openxmlformats.org/drawingml/2006/main" xmlns:r="http://schemas.openxmlformats.org/officeDocument/2006/relationships" xmlns:p="http://schemas.openxmlformats.org/presentationml/2006/main" strictFirstAndLastChars="0" embedTrueTypeFonts="1" saveSubsetFonts="1" autoCompressPictures="0">
   <p:sldMasterIdLst>
-    <p:sldMasterId id="2147483659" r:id="rId4"/>
+    <p:sldMasterId id="2147483659" r:id="rId1"/>
   </p:sldMasterIdLst>
   <p:notesMasterIdLst>
-    <p:notesMasterId r:id="rId5"/>
+    <p:notesMasterId r:id="rId9"/>
   </p:notesMasterIdLst>
   <p:sldIdLst>
-    <p:sldId id="256" r:id="rId6"/>
-    <p:sldId id="257" r:id="rId7"/>
-    <p:sldId id="258" r:id="rId8"/>
-    <p:sldId id="259" r:id="rId9"/>
-    <p:sldId id="260" r:id="rId10"/>
-    <p:sldId id="261" r:id="rId11"/>
-    <p:sldId id="262" r:id="rId12"/>
+    <p:sldId id="256" r:id="rId2"/>
+    <p:sldId id="257" r:id="rId3"/>
+    <p:sldId id="258" r:id="rId4"/>
+    <p:sldId id="259" r:id="rId5"/>
+    <p:sldId id="260" r:id="rId6"/>
+    <p:sldId id="261" r:id="rId7"/>
+    <p:sldId id="262" r:id="rId8"/>
   </p:sldIdLst>
-  <p:sldSz cy="5143500" cx="9144000"/>
+  <p:sldSz cx="9144000" cy="5143500" type="screen16x9"/>
   <p:notesSz cx="6858000" cy="9144000"/>
   <p:embeddedFontLst>
     <p:embeddedFont>
-      <p:font typeface="Average"/>
-      <p:regular r:id="rId13"/>
+      <p:font typeface="Average" panose="020B0604020202020204" charset="0"/>
+      <p:regular r:id="rId10"/>
     </p:embeddedFont>
     <p:embeddedFont>
-      <p:font typeface="Oswald"/>
-      <p:regular r:id="rId14"/>
-      <p:bold r:id="rId15"/>
+      <p:font typeface="Oswald" panose="00000500000000000000" pitchFamily="2" charset="0"/>
+      <p:regular r:id="rId11"/>
+      <p:bold r:id="rId12"/>
     </p:embeddedFont>
   </p:embeddedFontLst>
   <p:defaultTextStyle>
-    <a:defPPr lvl="0" marR="0" rtl="0" algn="l">
+    <a:defPPr marR="0" lvl="0" algn="l" rtl="0">
       <a:lnSpc>
         <a:spcPct val="100000"/>
       </a:lnSpc>
@@ -41,7 +41,7 @@
         <a:spcPts val="0"/>
       </a:spcAft>
     </a:defPPr>
-    <a:lvl1pPr lvl="0" marR="0" rtl="0" algn="l">
+    <a:lvl1pPr marR="0" lvl="0" algn="l" rtl="0">
       <a:lnSpc>
         <a:spcPct val="100000"/>
       </a:lnSpc>
@@ -55,7 +55,7 @@
         <a:srgbClr val="000000"/>
       </a:buClr>
       <a:buFont typeface="Arial"/>
-      <a:defRPr b="0" i="0" sz="1400" u="none" cap="none" strike="noStrike">
+      <a:defRPr sz="1400" b="0" i="0" u="none" strike="noStrike" cap="none">
         <a:solidFill>
           <a:srgbClr val="000000"/>
         </a:solidFill>
@@ -65,7 +65,7 @@
         <a:sym typeface="Arial"/>
       </a:defRPr>
     </a:lvl1pPr>
-    <a:lvl2pPr lvl="1" marR="0" rtl="0" algn="l">
+    <a:lvl2pPr marR="0" lvl="1" algn="l" rtl="0">
       <a:lnSpc>
         <a:spcPct val="100000"/>
       </a:lnSpc>
@@ -79,7 +79,7 @@
         <a:srgbClr val="000000"/>
       </a:buClr>
       <a:buFont typeface="Arial"/>
-      <a:defRPr b="0" i="0" sz="1400" u="none" cap="none" strike="noStrike">
+      <a:defRPr sz="1400" b="0" i="0" u="none" strike="noStrike" cap="none">
         <a:solidFill>
           <a:srgbClr val="000000"/>
         </a:solidFill>
@@ -89,7 +89,7 @@
         <a:sym typeface="Arial"/>
       </a:defRPr>
     </a:lvl2pPr>
-    <a:lvl3pPr lvl="2" marR="0" rtl="0" algn="l">
+    <a:lvl3pPr marR="0" lvl="2" algn="l" rtl="0">
       <a:lnSpc>
         <a:spcPct val="100000"/>
       </a:lnSpc>
@@ -103,7 +103,7 @@
         <a:srgbClr val="000000"/>
       </a:buClr>
       <a:buFont typeface="Arial"/>
-      <a:defRPr b="0" i="0" sz="1400" u="none" cap="none" strike="noStrike">
+      <a:defRPr sz="1400" b="0" i="0" u="none" strike="noStrike" cap="none">
         <a:solidFill>
           <a:srgbClr val="000000"/>
         </a:solidFill>
@@ -113,7 +113,7 @@
         <a:sym typeface="Arial"/>
       </a:defRPr>
     </a:lvl3pPr>
-    <a:lvl4pPr lvl="3" marR="0" rtl="0" algn="l">
+    <a:lvl4pPr marR="0" lvl="3" algn="l" rtl="0">
       <a:lnSpc>
         <a:spcPct val="100000"/>
       </a:lnSpc>
@@ -127,7 +127,7 @@
         <a:srgbClr val="000000"/>
       </a:buClr>
       <a:buFont typeface="Arial"/>
-      <a:defRPr b="0" i="0" sz="1400" u="none" cap="none" strike="noStrike">
+      <a:defRPr sz="1400" b="0" i="0" u="none" strike="noStrike" cap="none">
         <a:solidFill>
           <a:srgbClr val="000000"/>
         </a:solidFill>
@@ -137,7 +137,7 @@
         <a:sym typeface="Arial"/>
       </a:defRPr>
     </a:lvl4pPr>
-    <a:lvl5pPr lvl="4" marR="0" rtl="0" algn="l">
+    <a:lvl5pPr marR="0" lvl="4" algn="l" rtl="0">
       <a:lnSpc>
         <a:spcPct val="100000"/>
       </a:lnSpc>
@@ -151,7 +151,7 @@
         <a:srgbClr val="000000"/>
       </a:buClr>
       <a:buFont typeface="Arial"/>
-      <a:defRPr b="0" i="0" sz="1400" u="none" cap="none" strike="noStrike">
+      <a:defRPr sz="1400" b="0" i="0" u="none" strike="noStrike" cap="none">
         <a:solidFill>
           <a:srgbClr val="000000"/>
         </a:solidFill>
@@ -161,7 +161,7 @@
         <a:sym typeface="Arial"/>
       </a:defRPr>
     </a:lvl5pPr>
-    <a:lvl6pPr lvl="5" marR="0" rtl="0" algn="l">
+    <a:lvl6pPr marR="0" lvl="5" algn="l" rtl="0">
       <a:lnSpc>
         <a:spcPct val="100000"/>
       </a:lnSpc>
@@ -175,7 +175,7 @@
         <a:srgbClr val="000000"/>
       </a:buClr>
       <a:buFont typeface="Arial"/>
-      <a:defRPr b="0" i="0" sz="1400" u="none" cap="none" strike="noStrike">
+      <a:defRPr sz="1400" b="0" i="0" u="none" strike="noStrike" cap="none">
         <a:solidFill>
           <a:srgbClr val="000000"/>
         </a:solidFill>
@@ -185,7 +185,7 @@
         <a:sym typeface="Arial"/>
       </a:defRPr>
     </a:lvl6pPr>
-    <a:lvl7pPr lvl="6" marR="0" rtl="0" algn="l">
+    <a:lvl7pPr marR="0" lvl="6" algn="l" rtl="0">
       <a:lnSpc>
         <a:spcPct val="100000"/>
       </a:lnSpc>
@@ -199,7 +199,7 @@
         <a:srgbClr val="000000"/>
       </a:buClr>
       <a:buFont typeface="Arial"/>
-      <a:defRPr b="0" i="0" sz="1400" u="none" cap="none" strike="noStrike">
+      <a:defRPr sz="1400" b="0" i="0" u="none" strike="noStrike" cap="none">
         <a:solidFill>
           <a:srgbClr val="000000"/>
         </a:solidFill>
@@ -209,7 +209,7 @@
         <a:sym typeface="Arial"/>
       </a:defRPr>
     </a:lvl7pPr>
-    <a:lvl8pPr lvl="7" marR="0" rtl="0" algn="l">
+    <a:lvl8pPr marR="0" lvl="7" algn="l" rtl="0">
       <a:lnSpc>
         <a:spcPct val="100000"/>
       </a:lnSpc>
@@ -223,7 +223,7 @@
         <a:srgbClr val="000000"/>
       </a:buClr>
       <a:buFont typeface="Arial"/>
-      <a:defRPr b="0" i="0" sz="1400" u="none" cap="none" strike="noStrike">
+      <a:defRPr sz="1400" b="0" i="0" u="none" strike="noStrike" cap="none">
         <a:solidFill>
           <a:srgbClr val="000000"/>
         </a:solidFill>
@@ -233,7 +233,7 @@
         <a:sym typeface="Arial"/>
       </a:defRPr>
     </a:lvl8pPr>
-    <a:lvl9pPr lvl="8" marR="0" rtl="0" algn="l">
+    <a:lvl9pPr marR="0" lvl="8" algn="l" rtl="0">
       <a:lnSpc>
         <a:spcPct val="100000"/>
       </a:lnSpc>
@@ -247,7 +247,7 @@
         <a:srgbClr val="000000"/>
       </a:buClr>
       <a:buFont typeface="Arial"/>
-      <a:defRPr b="0" i="0" sz="1400" u="none" cap="none" strike="noStrike">
+      <a:defRPr sz="1400" b="0" i="0" u="none" strike="noStrike" cap="none">
         <a:solidFill>
           <a:srgbClr val="000000"/>
         </a:solidFill>
@@ -260,7 +260,7 @@
   </p:defaultTextStyle>
   <p:extLst>
     <p:ext uri="{EFAFB233-063F-42B5-8137-9DF3F51BA10A}">
-      <p15:sldGuideLst>
+      <p15:sldGuideLst xmlns:p15="http://schemas.microsoft.com/office/powerpoint/2012/main">
         <p15:guide id="1" orient="horz" pos="1620">
           <p15:clr>
             <a:srgbClr val="747775"/>
@@ -278,11 +278,16 @@
 </file>
 
 <file path=ppt/notesMasters/notesMaster1.xml><?xml version="1.0" encoding="utf-8"?>
-<p:notesMaster xmlns:a="http://schemas.openxmlformats.org/drawingml/2006/main" xmlns:r="http://schemas.openxmlformats.org/officeDocument/2006/relationships" xmlns:mc="http://schemas.openxmlformats.org/markup-compatibility/2006" xmlns:mv="urn:schemas-microsoft-com:mac:vml" xmlns:p="http://schemas.openxmlformats.org/presentationml/2006/main" xmlns:c="http://schemas.openxmlformats.org/drawingml/2006/chart" xmlns:dgm="http://schemas.openxmlformats.org/drawingml/2006/diagram" xmlns:o="urn:schemas-microsoft-com:office:office" xmlns:v="urn:schemas-microsoft-com:vml" xmlns:pvml="urn:schemas-microsoft-com:office:powerpoint" xmlns:com="http://schemas.openxmlformats.org/drawingml/2006/compatibility" xmlns:p14="http://schemas.microsoft.com/office/powerpoint/2010/main" xmlns:p15="http://schemas.microsoft.com/office/powerpoint/2012/main" xmlns:ahyp="http://schemas.microsoft.com/office/drawing/2018/hyperlinkcolor">
+<p:notesMaster xmlns:a="http://schemas.openxmlformats.org/drawingml/2006/main" xmlns:r="http://schemas.openxmlformats.org/officeDocument/2006/relationships" xmlns:p="http://schemas.openxmlformats.org/presentationml/2006/main">
   <p:cSld>
+    <p:bg>
+      <p:bgRef idx="1001">
+        <a:schemeClr val="bg1"/>
+      </p:bgRef>
+    </p:bg>
     <p:spTree>
       <p:nvGrpSpPr>
-        <p:cNvPr id="2" name="Shape 2"/>
+        <p:cNvPr id="1" name="Shape 2"/>
         <p:cNvGrpSpPr/>
         <p:nvPr/>
       </p:nvGrpSpPr>
@@ -297,9 +302,11 @@
       <p:sp>
         <p:nvSpPr>
           <p:cNvPr id="3" name="Google Shape;3;n"/>
-          <p:cNvSpPr/>
+          <p:cNvSpPr>
+            <a:spLocks noGrp="1" noRot="1" noChangeAspect="1"/>
+          </p:cNvSpPr>
           <p:nvPr>
-            <p:ph idx="2" type="sldImg"/>
+            <p:ph type="sldImg" idx="2"/>
           </p:nvPr>
         </p:nvSpPr>
         <p:spPr>
@@ -308,9 +315,13 @@
             <a:ext cx="6096075" cy="3429000"/>
           </a:xfrm>
           <a:custGeom>
-            <a:rect b="b" l="l" r="r" t="t"/>
+            <a:avLst/>
+            <a:gdLst/>
+            <a:ahLst/>
+            <a:cxnLst/>
+            <a:rect l="l" t="t" r="r" b="b"/>
             <a:pathLst>
-              <a:path extrusionOk="0" h="120000" w="120000">
+              <a:path w="120000" h="120000" extrusionOk="0">
                 <a:moveTo>
                   <a:pt x="0" y="0"/>
                 </a:moveTo>
@@ -328,23 +339,25 @@
             </a:pathLst>
           </a:custGeom>
           <a:noFill/>
-          <a:ln cap="flat" cmpd="sng" w="9525">
+          <a:ln w="9525" cap="flat" cmpd="sng">
             <a:solidFill>
               <a:srgbClr val="000000"/>
             </a:solidFill>
             <a:prstDash val="solid"/>
             <a:round/>
-            <a:headEnd len="sm" w="sm" type="none"/>
-            <a:tailEnd len="sm" w="sm" type="none"/>
+            <a:headEnd type="none" w="sm" len="sm"/>
+            <a:tailEnd type="none" w="sm" len="sm"/>
           </a:ln>
         </p:spPr>
       </p:sp>
       <p:sp>
         <p:nvSpPr>
           <p:cNvPr id="4" name="Google Shape;4;n"/>
-          <p:cNvSpPr txBox="1"/>
+          <p:cNvSpPr txBox="1">
+            <a:spLocks noGrp="1"/>
+          </p:cNvSpPr>
           <p:nvPr>
-            <p:ph idx="1" type="body"/>
+            <p:ph type="body" idx="1"/>
           </p:nvPr>
         </p:nvSpPr>
         <p:spPr>
@@ -361,11 +374,11 @@
           </a:ln>
         </p:spPr>
         <p:txBody>
-          <a:bodyPr anchorCtr="0" anchor="t" bIns="91425" lIns="91425" spcFirstLastPara="1" rIns="91425" wrap="square" tIns="91425">
+          <a:bodyPr spcFirstLastPara="1" wrap="square" lIns="91425" tIns="91425" rIns="91425" bIns="91425" anchor="t" anchorCtr="0">
             <a:noAutofit/>
           </a:bodyPr>
           <a:lstStyle>
-            <a:lvl1pPr indent="-298450" lvl="0" marL="457200">
+            <a:lvl1pPr marL="457200" lvl="0" indent="-298450">
               <a:spcBef>
                 <a:spcPts val="0"/>
               </a:spcBef>
@@ -376,7 +389,7 @@
               <a:buChar char="●"/>
               <a:defRPr sz="1100"/>
             </a:lvl1pPr>
-            <a:lvl2pPr indent="-298450" lvl="1" marL="914400">
+            <a:lvl2pPr marL="914400" lvl="1" indent="-298450">
               <a:spcBef>
                 <a:spcPts val="0"/>
               </a:spcBef>
@@ -387,7 +400,7 @@
               <a:buChar char="○"/>
               <a:defRPr sz="1100"/>
             </a:lvl2pPr>
-            <a:lvl3pPr indent="-298450" lvl="2" marL="1371600">
+            <a:lvl3pPr marL="1371600" lvl="2" indent="-298450">
               <a:spcBef>
                 <a:spcPts val="0"/>
               </a:spcBef>
@@ -398,7 +411,7 @@
               <a:buChar char="■"/>
               <a:defRPr sz="1100"/>
             </a:lvl3pPr>
-            <a:lvl4pPr indent="-298450" lvl="3" marL="1828800">
+            <a:lvl4pPr marL="1828800" lvl="3" indent="-298450">
               <a:spcBef>
                 <a:spcPts val="0"/>
               </a:spcBef>
@@ -409,7 +422,7 @@
               <a:buChar char="●"/>
               <a:defRPr sz="1100"/>
             </a:lvl4pPr>
-            <a:lvl5pPr indent="-298450" lvl="4" marL="2286000">
+            <a:lvl5pPr marL="2286000" lvl="4" indent="-298450">
               <a:spcBef>
                 <a:spcPts val="0"/>
               </a:spcBef>
@@ -420,7 +433,7 @@
               <a:buChar char="○"/>
               <a:defRPr sz="1100"/>
             </a:lvl5pPr>
-            <a:lvl6pPr indent="-298450" lvl="5" marL="2743200">
+            <a:lvl6pPr marL="2743200" lvl="5" indent="-298450">
               <a:spcBef>
                 <a:spcPts val="0"/>
               </a:spcBef>
@@ -431,7 +444,7 @@
               <a:buChar char="■"/>
               <a:defRPr sz="1100"/>
             </a:lvl6pPr>
-            <a:lvl7pPr indent="-298450" lvl="6" marL="3200400">
+            <a:lvl7pPr marL="3200400" lvl="6" indent="-298450">
               <a:spcBef>
                 <a:spcPts val="0"/>
               </a:spcBef>
@@ -442,7 +455,7 @@
               <a:buChar char="●"/>
               <a:defRPr sz="1100"/>
             </a:lvl7pPr>
-            <a:lvl8pPr indent="-298450" lvl="7" marL="3657600">
+            <a:lvl8pPr marL="3657600" lvl="7" indent="-298450">
               <a:spcBef>
                 <a:spcPts val="0"/>
               </a:spcBef>
@@ -453,7 +466,7 @@
               <a:buChar char="○"/>
               <a:defRPr sz="1100"/>
             </a:lvl8pPr>
-            <a:lvl9pPr indent="-298450" lvl="8" marL="4114800">
+            <a:lvl9pPr marL="4114800" lvl="8" indent="-298450">
               <a:spcBef>
                 <a:spcPts val="0"/>
               </a:spcBef>
@@ -465,14 +478,16 @@
               <a:defRPr sz="1100"/>
             </a:lvl9pPr>
           </a:lstStyle>
-          <a:p/>
+          <a:p>
+            <a:endParaRPr/>
+          </a:p>
         </p:txBody>
       </p:sp>
     </p:spTree>
   </p:cSld>
-  <p:clrMap accent1="accent1" accent2="accent2" accent3="accent3" accent4="accent4" accent5="accent5" accent6="accent6" bg1="lt1" bg2="dk2" tx1="dk1" tx2="lt2" folHlink="folHlink" hlink="hlink"/>
+  <p:clrMap bg1="lt1" tx1="dk1" bg2="dk2" tx2="lt2" accent1="accent1" accent2="accent2" accent3="accent3" accent4="accent4" accent5="accent5" accent6="accent6" hlink="hlink" folHlink="folHlink"/>
   <p:notesStyle>
-    <a:defPPr lvl="0" marR="0" rtl="0" algn="l">
+    <a:defPPr marR="0" lvl="0" algn="l" rtl="0">
       <a:lnSpc>
         <a:spcPct val="100000"/>
       </a:lnSpc>
@@ -483,7 +498,7 @@
         <a:spcPts val="0"/>
       </a:spcAft>
     </a:defPPr>
-    <a:lvl1pPr lvl="0" marR="0" rtl="0" algn="l">
+    <a:lvl1pPr marR="0" lvl="0" algn="l" rtl="0">
       <a:lnSpc>
         <a:spcPct val="100000"/>
       </a:lnSpc>
@@ -497,7 +512,7 @@
         <a:srgbClr val="000000"/>
       </a:buClr>
       <a:buFont typeface="Arial"/>
-      <a:defRPr b="0" i="0" sz="1400" u="none" cap="none" strike="noStrike">
+      <a:defRPr sz="1400" b="0" i="0" u="none" strike="noStrike" cap="none">
         <a:solidFill>
           <a:srgbClr val="000000"/>
         </a:solidFill>
@@ -507,7 +522,7 @@
         <a:sym typeface="Arial"/>
       </a:defRPr>
     </a:lvl1pPr>
-    <a:lvl2pPr lvl="1" marR="0" rtl="0" algn="l">
+    <a:lvl2pPr marR="0" lvl="1" algn="l" rtl="0">
       <a:lnSpc>
         <a:spcPct val="100000"/>
       </a:lnSpc>
@@ -521,7 +536,7 @@
         <a:srgbClr val="000000"/>
       </a:buClr>
       <a:buFont typeface="Arial"/>
-      <a:defRPr b="0" i="0" sz="1400" u="none" cap="none" strike="noStrike">
+      <a:defRPr sz="1400" b="0" i="0" u="none" strike="noStrike" cap="none">
         <a:solidFill>
           <a:srgbClr val="000000"/>
         </a:solidFill>
@@ -531,7 +546,7 @@
         <a:sym typeface="Arial"/>
       </a:defRPr>
     </a:lvl2pPr>
-    <a:lvl3pPr lvl="2" marR="0" rtl="0" algn="l">
+    <a:lvl3pPr marR="0" lvl="2" algn="l" rtl="0">
       <a:lnSpc>
         <a:spcPct val="100000"/>
       </a:lnSpc>
@@ -545,7 +560,7 @@
         <a:srgbClr val="000000"/>
       </a:buClr>
       <a:buFont typeface="Arial"/>
-      <a:defRPr b="0" i="0" sz="1400" u="none" cap="none" strike="noStrike">
+      <a:defRPr sz="1400" b="0" i="0" u="none" strike="noStrike" cap="none">
         <a:solidFill>
           <a:srgbClr val="000000"/>
         </a:solidFill>
@@ -555,7 +570,7 @@
         <a:sym typeface="Arial"/>
       </a:defRPr>
     </a:lvl3pPr>
-    <a:lvl4pPr lvl="3" marR="0" rtl="0" algn="l">
+    <a:lvl4pPr marR="0" lvl="3" algn="l" rtl="0">
       <a:lnSpc>
         <a:spcPct val="100000"/>
       </a:lnSpc>
@@ -569,7 +584,7 @@
         <a:srgbClr val="000000"/>
       </a:buClr>
       <a:buFont typeface="Arial"/>
-      <a:defRPr b="0" i="0" sz="1400" u="none" cap="none" strike="noStrike">
+      <a:defRPr sz="1400" b="0" i="0" u="none" strike="noStrike" cap="none">
         <a:solidFill>
           <a:srgbClr val="000000"/>
         </a:solidFill>
@@ -579,7 +594,7 @@
         <a:sym typeface="Arial"/>
       </a:defRPr>
     </a:lvl4pPr>
-    <a:lvl5pPr lvl="4" marR="0" rtl="0" algn="l">
+    <a:lvl5pPr marR="0" lvl="4" algn="l" rtl="0">
       <a:lnSpc>
         <a:spcPct val="100000"/>
       </a:lnSpc>
@@ -593,7 +608,7 @@
         <a:srgbClr val="000000"/>
       </a:buClr>
       <a:buFont typeface="Arial"/>
-      <a:defRPr b="0" i="0" sz="1400" u="none" cap="none" strike="noStrike">
+      <a:defRPr sz="1400" b="0" i="0" u="none" strike="noStrike" cap="none">
         <a:solidFill>
           <a:srgbClr val="000000"/>
         </a:solidFill>
@@ -603,7 +618,7 @@
         <a:sym typeface="Arial"/>
       </a:defRPr>
     </a:lvl5pPr>
-    <a:lvl6pPr lvl="5" marR="0" rtl="0" algn="l">
+    <a:lvl6pPr marR="0" lvl="5" algn="l" rtl="0">
       <a:lnSpc>
         <a:spcPct val="100000"/>
       </a:lnSpc>
@@ -617,7 +632,7 @@
         <a:srgbClr val="000000"/>
       </a:buClr>
       <a:buFont typeface="Arial"/>
-      <a:defRPr b="0" i="0" sz="1400" u="none" cap="none" strike="noStrike">
+      <a:defRPr sz="1400" b="0" i="0" u="none" strike="noStrike" cap="none">
         <a:solidFill>
           <a:srgbClr val="000000"/>
         </a:solidFill>
@@ -627,7 +642,7 @@
         <a:sym typeface="Arial"/>
       </a:defRPr>
     </a:lvl6pPr>
-    <a:lvl7pPr lvl="6" marR="0" rtl="0" algn="l">
+    <a:lvl7pPr marR="0" lvl="6" algn="l" rtl="0">
       <a:lnSpc>
         <a:spcPct val="100000"/>
       </a:lnSpc>
@@ -641,7 +656,7 @@
         <a:srgbClr val="000000"/>
       </a:buClr>
       <a:buFont typeface="Arial"/>
-      <a:defRPr b="0" i="0" sz="1400" u="none" cap="none" strike="noStrike">
+      <a:defRPr sz="1400" b="0" i="0" u="none" strike="noStrike" cap="none">
         <a:solidFill>
           <a:srgbClr val="000000"/>
         </a:solidFill>
@@ -651,7 +666,7 @@
         <a:sym typeface="Arial"/>
       </a:defRPr>
     </a:lvl7pPr>
-    <a:lvl8pPr lvl="7" marR="0" rtl="0" algn="l">
+    <a:lvl8pPr marR="0" lvl="7" algn="l" rtl="0">
       <a:lnSpc>
         <a:spcPct val="100000"/>
       </a:lnSpc>
@@ -665,7 +680,7 @@
         <a:srgbClr val="000000"/>
       </a:buClr>
       <a:buFont typeface="Arial"/>
-      <a:defRPr b="0" i="0" sz="1400" u="none" cap="none" strike="noStrike">
+      <a:defRPr sz="1400" b="0" i="0" u="none" strike="noStrike" cap="none">
         <a:solidFill>
           <a:srgbClr val="000000"/>
         </a:solidFill>
@@ -675,7 +690,7 @@
         <a:sym typeface="Arial"/>
       </a:defRPr>
     </a:lvl8pPr>
-    <a:lvl9pPr lvl="8" marR="0" rtl="0" algn="l">
+    <a:lvl9pPr marR="0" lvl="8" algn="l" rtl="0">
       <a:lnSpc>
         <a:spcPct val="100000"/>
       </a:lnSpc>
@@ -689,7 +704,7 @@
         <a:srgbClr val="000000"/>
       </a:buClr>
       <a:buFont typeface="Arial"/>
-      <a:defRPr b="0" i="0" sz="1400" u="none" cap="none" strike="noStrike">
+      <a:defRPr sz="1400" b="0" i="0" u="none" strike="noStrike" cap="none">
         <a:solidFill>
           <a:srgbClr val="000000"/>
         </a:solidFill>
@@ -704,11 +719,11 @@
 </file>
 
 <file path=ppt/notesSlides/notesSlide1.xml><?xml version="1.0" encoding="utf-8"?>
-<p:notes xmlns:a="http://schemas.openxmlformats.org/drawingml/2006/main" xmlns:r="http://schemas.openxmlformats.org/officeDocument/2006/relationships" xmlns:mc="http://schemas.openxmlformats.org/markup-compatibility/2006" xmlns:mv="urn:schemas-microsoft-com:mac:vml" xmlns:p="http://schemas.openxmlformats.org/presentationml/2006/main" xmlns:c="http://schemas.openxmlformats.org/drawingml/2006/chart" xmlns:dgm="http://schemas.openxmlformats.org/drawingml/2006/diagram" xmlns:o="urn:schemas-microsoft-com:office:office" xmlns:v="urn:schemas-microsoft-com:vml" xmlns:pvml="urn:schemas-microsoft-com:office:powerpoint" xmlns:com="http://schemas.openxmlformats.org/drawingml/2006/compatibility" xmlns:p14="http://schemas.microsoft.com/office/powerpoint/2010/main" xmlns:p15="http://schemas.microsoft.com/office/powerpoint/2012/main" xmlns:ahyp="http://schemas.microsoft.com/office/drawing/2018/hyperlinkcolor" showMasterPhAnim="0" showMasterSp="0">
+<p:notes xmlns:a="http://schemas.openxmlformats.org/drawingml/2006/main" xmlns:r="http://schemas.openxmlformats.org/officeDocument/2006/relationships" xmlns:p="http://schemas.openxmlformats.org/presentationml/2006/main" showMasterSp="0" showMasterPhAnim="0">
   <p:cSld>
     <p:spTree>
       <p:nvGrpSpPr>
-        <p:cNvPr id="55" name="Shape 55"/>
+        <p:cNvPr id="1" name="Shape 55"/>
         <p:cNvGrpSpPr/>
         <p:nvPr/>
       </p:nvGrpSpPr>
@@ -723,20 +738,26 @@
       <p:sp>
         <p:nvSpPr>
           <p:cNvPr id="56" name="Google Shape;56;p:notes"/>
-          <p:cNvSpPr/>
+          <p:cNvSpPr>
+            <a:spLocks noGrp="1" noRot="1" noChangeAspect="1"/>
+          </p:cNvSpPr>
           <p:nvPr>
-            <p:ph idx="2" type="sldImg"/>
+            <p:ph type="sldImg" idx="2"/>
           </p:nvPr>
         </p:nvSpPr>
         <p:spPr>
           <a:xfrm>
-            <a:off x="381300" y="685800"/>
-            <a:ext cx="6096075" cy="3429000"/>
+            <a:off x="381000" y="685800"/>
+            <a:ext cx="6096000" cy="3429000"/>
           </a:xfrm>
           <a:custGeom>
-            <a:rect b="b" l="l" r="r" t="t"/>
+            <a:avLst/>
+            <a:gdLst/>
+            <a:ahLst/>
+            <a:cxnLst/>
+            <a:rect l="l" t="t" r="r" b="b"/>
             <a:pathLst>
-              <a:path extrusionOk="0" h="120000" w="120000">
+              <a:path w="120000" h="120000" extrusionOk="0">
                 <a:moveTo>
                   <a:pt x="0" y="0"/>
                 </a:moveTo>
@@ -758,9 +779,11 @@
       <p:sp>
         <p:nvSpPr>
           <p:cNvPr id="57" name="Google Shape;57;p:notes"/>
-          <p:cNvSpPr txBox="1"/>
+          <p:cNvSpPr txBox="1">
+            <a:spLocks noGrp="1"/>
+          </p:cNvSpPr>
           <p:nvPr>
-            <p:ph idx="1" type="body"/>
+            <p:ph type="body" idx="1"/>
           </p:nvPr>
         </p:nvSpPr>
         <p:spPr>
@@ -773,12 +796,12 @@
           </a:prstGeom>
         </p:spPr>
         <p:txBody>
-          <a:bodyPr anchorCtr="0" anchor="t" bIns="91425" lIns="91425" spcFirstLastPara="1" rIns="91425" wrap="square" tIns="91425">
+          <a:bodyPr spcFirstLastPara="1" wrap="square" lIns="91425" tIns="91425" rIns="91425" bIns="91425" anchor="t" anchorCtr="0">
             <a:noAutofit/>
           </a:bodyPr>
           <a:lstStyle/>
           <a:p>
-            <a:pPr indent="0" lvl="0" marL="0" rtl="0" algn="l">
+            <a:pPr marL="0" lvl="0" indent="0" algn="l" rtl="0">
               <a:spcBef>
                 <a:spcPts val="0"/>
               </a:spcBef>
@@ -787,9 +810,6 @@
               </a:spcAft>
               <a:buNone/>
             </a:pPr>
-            <a:r>
-              <a:t/>
-            </a:r>
             <a:endParaRPr/>
           </a:p>
         </p:txBody>
@@ -803,11 +823,11 @@
 </file>
 
 <file path=ppt/notesSlides/notesSlide2.xml><?xml version="1.0" encoding="utf-8"?>
-<p:notes xmlns:a="http://schemas.openxmlformats.org/drawingml/2006/main" xmlns:r="http://schemas.openxmlformats.org/officeDocument/2006/relationships" xmlns:mc="http://schemas.openxmlformats.org/markup-compatibility/2006" xmlns:mv="urn:schemas-microsoft-com:mac:vml" xmlns:p="http://schemas.openxmlformats.org/presentationml/2006/main" xmlns:c="http://schemas.openxmlformats.org/drawingml/2006/chart" xmlns:dgm="http://schemas.openxmlformats.org/drawingml/2006/diagram" xmlns:o="urn:schemas-microsoft-com:office:office" xmlns:v="urn:schemas-microsoft-com:vml" xmlns:pvml="urn:schemas-microsoft-com:office:powerpoint" xmlns:com="http://schemas.openxmlformats.org/drawingml/2006/compatibility" xmlns:p14="http://schemas.microsoft.com/office/powerpoint/2010/main" xmlns:p15="http://schemas.microsoft.com/office/powerpoint/2012/main" xmlns:ahyp="http://schemas.microsoft.com/office/drawing/2018/hyperlinkcolor" showMasterPhAnim="0" showMasterSp="0">
+<p:notes xmlns:a="http://schemas.openxmlformats.org/drawingml/2006/main" xmlns:r="http://schemas.openxmlformats.org/officeDocument/2006/relationships" xmlns:p="http://schemas.openxmlformats.org/presentationml/2006/main" showMasterSp="0" showMasterPhAnim="0">
   <p:cSld>
     <p:spTree>
       <p:nvGrpSpPr>
-        <p:cNvPr id="63" name="Shape 63"/>
+        <p:cNvPr id="1" name="Shape 63"/>
         <p:cNvGrpSpPr/>
         <p:nvPr/>
       </p:nvGrpSpPr>
@@ -822,20 +842,26 @@
       <p:sp>
         <p:nvSpPr>
           <p:cNvPr id="64" name="Google Shape;64;g24cc7d8d711_0_52:notes"/>
-          <p:cNvSpPr/>
+          <p:cNvSpPr>
+            <a:spLocks noGrp="1" noRot="1" noChangeAspect="1"/>
+          </p:cNvSpPr>
           <p:nvPr>
-            <p:ph idx="2" type="sldImg"/>
+            <p:ph type="sldImg" idx="2"/>
           </p:nvPr>
         </p:nvSpPr>
         <p:spPr>
           <a:xfrm>
-            <a:off x="381300" y="685800"/>
+            <a:off x="381000" y="685800"/>
             <a:ext cx="6096000" cy="3429000"/>
           </a:xfrm>
           <a:custGeom>
-            <a:rect b="b" l="l" r="r" t="t"/>
+            <a:avLst/>
+            <a:gdLst/>
+            <a:ahLst/>
+            <a:cxnLst/>
+            <a:rect l="l" t="t" r="r" b="b"/>
             <a:pathLst>
-              <a:path extrusionOk="0" h="120000" w="120000">
+              <a:path w="120000" h="120000" extrusionOk="0">
                 <a:moveTo>
                   <a:pt x="0" y="0"/>
                 </a:moveTo>
@@ -857,9 +883,11 @@
       <p:sp>
         <p:nvSpPr>
           <p:cNvPr id="65" name="Google Shape;65;g24cc7d8d711_0_52:notes"/>
-          <p:cNvSpPr txBox="1"/>
+          <p:cNvSpPr txBox="1">
+            <a:spLocks noGrp="1"/>
+          </p:cNvSpPr>
           <p:nvPr>
-            <p:ph idx="1" type="body"/>
+            <p:ph type="body" idx="1"/>
           </p:nvPr>
         </p:nvSpPr>
         <p:spPr>
@@ -872,12 +900,12 @@
           </a:prstGeom>
         </p:spPr>
         <p:txBody>
-          <a:bodyPr anchorCtr="0" anchor="t" bIns="91425" lIns="91425" spcFirstLastPara="1" rIns="91425" wrap="square" tIns="91425">
+          <a:bodyPr spcFirstLastPara="1" wrap="square" lIns="91425" tIns="91425" rIns="91425" bIns="91425" anchor="t" anchorCtr="0">
             <a:noAutofit/>
           </a:bodyPr>
           <a:lstStyle/>
           <a:p>
-            <a:pPr indent="0" lvl="0" marL="0" rtl="0" algn="l">
+            <a:pPr marL="0" lvl="0" indent="0" algn="l" rtl="0">
               <a:spcBef>
                 <a:spcPts val="0"/>
               </a:spcBef>
@@ -886,9 +914,6 @@
               </a:spcAft>
               <a:buNone/>
             </a:pPr>
-            <a:r>
-              <a:t/>
-            </a:r>
             <a:endParaRPr/>
           </a:p>
         </p:txBody>
@@ -902,11 +927,11 @@
 </file>
 
 <file path=ppt/notesSlides/notesSlide3.xml><?xml version="1.0" encoding="utf-8"?>
-<p:notes xmlns:a="http://schemas.openxmlformats.org/drawingml/2006/main" xmlns:r="http://schemas.openxmlformats.org/officeDocument/2006/relationships" xmlns:mc="http://schemas.openxmlformats.org/markup-compatibility/2006" xmlns:mv="urn:schemas-microsoft-com:mac:vml" xmlns:p="http://schemas.openxmlformats.org/presentationml/2006/main" xmlns:c="http://schemas.openxmlformats.org/drawingml/2006/chart" xmlns:dgm="http://schemas.openxmlformats.org/drawingml/2006/diagram" xmlns:o="urn:schemas-microsoft-com:office:office" xmlns:v="urn:schemas-microsoft-com:vml" xmlns:pvml="urn:schemas-microsoft-com:office:powerpoint" xmlns:com="http://schemas.openxmlformats.org/drawingml/2006/compatibility" xmlns:p14="http://schemas.microsoft.com/office/powerpoint/2010/main" xmlns:p15="http://schemas.microsoft.com/office/powerpoint/2012/main" xmlns:ahyp="http://schemas.microsoft.com/office/drawing/2018/hyperlinkcolor" showMasterPhAnim="0" showMasterSp="0">
+<p:notes xmlns:a="http://schemas.openxmlformats.org/drawingml/2006/main" xmlns:r="http://schemas.openxmlformats.org/officeDocument/2006/relationships" xmlns:p="http://schemas.openxmlformats.org/presentationml/2006/main" showMasterSp="0" showMasterPhAnim="0">
   <p:cSld>
     <p:spTree>
       <p:nvGrpSpPr>
-        <p:cNvPr id="70" name="Shape 70"/>
+        <p:cNvPr id="1" name="Shape 70"/>
         <p:cNvGrpSpPr/>
         <p:nvPr/>
       </p:nvGrpSpPr>
@@ -921,20 +946,26 @@
       <p:sp>
         <p:nvSpPr>
           <p:cNvPr id="71" name="Google Shape;71;g24cc7d8d711_0_59:notes"/>
-          <p:cNvSpPr/>
+          <p:cNvSpPr>
+            <a:spLocks noGrp="1" noRot="1" noChangeAspect="1"/>
+          </p:cNvSpPr>
           <p:nvPr>
-            <p:ph idx="2" type="sldImg"/>
+            <p:ph type="sldImg" idx="2"/>
           </p:nvPr>
         </p:nvSpPr>
         <p:spPr>
           <a:xfrm>
-            <a:off x="381300" y="685800"/>
+            <a:off x="381000" y="685800"/>
             <a:ext cx="6096000" cy="3429000"/>
           </a:xfrm>
           <a:custGeom>
-            <a:rect b="b" l="l" r="r" t="t"/>
+            <a:avLst/>
+            <a:gdLst/>
+            <a:ahLst/>
+            <a:cxnLst/>
+            <a:rect l="l" t="t" r="r" b="b"/>
             <a:pathLst>
-              <a:path extrusionOk="0" h="120000" w="120000">
+              <a:path w="120000" h="120000" extrusionOk="0">
                 <a:moveTo>
                   <a:pt x="0" y="0"/>
                 </a:moveTo>
@@ -956,9 +987,11 @@
       <p:sp>
         <p:nvSpPr>
           <p:cNvPr id="72" name="Google Shape;72;g24cc7d8d711_0_59:notes"/>
-          <p:cNvSpPr txBox="1"/>
+          <p:cNvSpPr txBox="1">
+            <a:spLocks noGrp="1"/>
+          </p:cNvSpPr>
           <p:nvPr>
-            <p:ph idx="1" type="body"/>
+            <p:ph type="body" idx="1"/>
           </p:nvPr>
         </p:nvSpPr>
         <p:spPr>
@@ -971,12 +1004,12 @@
           </a:prstGeom>
         </p:spPr>
         <p:txBody>
-          <a:bodyPr anchorCtr="0" anchor="t" bIns="91425" lIns="91425" spcFirstLastPara="1" rIns="91425" wrap="square" tIns="91425">
+          <a:bodyPr spcFirstLastPara="1" wrap="square" lIns="91425" tIns="91425" rIns="91425" bIns="91425" anchor="t" anchorCtr="0">
             <a:noAutofit/>
           </a:bodyPr>
           <a:lstStyle/>
           <a:p>
-            <a:pPr indent="0" lvl="0" marL="0" rtl="0" algn="l">
+            <a:pPr marL="0" lvl="0" indent="0" algn="l" rtl="0">
               <a:spcBef>
                 <a:spcPts val="0"/>
               </a:spcBef>
@@ -985,9 +1018,6 @@
               </a:spcAft>
               <a:buNone/>
             </a:pPr>
-            <a:r>
-              <a:t/>
-            </a:r>
             <a:endParaRPr/>
           </a:p>
         </p:txBody>
@@ -1001,11 +1031,11 @@
 </file>
 
 <file path=ppt/notesSlides/notesSlide4.xml><?xml version="1.0" encoding="utf-8"?>
-<p:notes xmlns:a="http://schemas.openxmlformats.org/drawingml/2006/main" xmlns:r="http://schemas.openxmlformats.org/officeDocument/2006/relationships" xmlns:mc="http://schemas.openxmlformats.org/markup-compatibility/2006" xmlns:mv="urn:schemas-microsoft-com:mac:vml" xmlns:p="http://schemas.openxmlformats.org/presentationml/2006/main" xmlns:c="http://schemas.openxmlformats.org/drawingml/2006/chart" xmlns:dgm="http://schemas.openxmlformats.org/drawingml/2006/diagram" xmlns:o="urn:schemas-microsoft-com:office:office" xmlns:v="urn:schemas-microsoft-com:vml" xmlns:pvml="urn:schemas-microsoft-com:office:powerpoint" xmlns:com="http://schemas.openxmlformats.org/drawingml/2006/compatibility" xmlns:p14="http://schemas.microsoft.com/office/powerpoint/2010/main" xmlns:p15="http://schemas.microsoft.com/office/powerpoint/2012/main" xmlns:ahyp="http://schemas.microsoft.com/office/drawing/2018/hyperlinkcolor" showMasterPhAnim="0" showMasterSp="0">
+<p:notes xmlns:a="http://schemas.openxmlformats.org/drawingml/2006/main" xmlns:r="http://schemas.openxmlformats.org/officeDocument/2006/relationships" xmlns:p="http://schemas.openxmlformats.org/presentationml/2006/main" showMasterSp="0" showMasterPhAnim="0">
   <p:cSld>
     <p:spTree>
       <p:nvGrpSpPr>
-        <p:cNvPr id="78" name="Shape 78"/>
+        <p:cNvPr id="1" name="Shape 78"/>
         <p:cNvGrpSpPr/>
         <p:nvPr/>
       </p:nvGrpSpPr>
@@ -1020,20 +1050,26 @@
       <p:sp>
         <p:nvSpPr>
           <p:cNvPr id="79" name="Google Shape;79;g24cc7d8db07_0_3:notes"/>
-          <p:cNvSpPr/>
+          <p:cNvSpPr>
+            <a:spLocks noGrp="1" noRot="1" noChangeAspect="1"/>
+          </p:cNvSpPr>
           <p:nvPr>
-            <p:ph idx="2" type="sldImg"/>
+            <p:ph type="sldImg" idx="2"/>
           </p:nvPr>
         </p:nvSpPr>
         <p:spPr>
           <a:xfrm>
-            <a:off x="381300" y="685800"/>
+            <a:off x="381000" y="685800"/>
             <a:ext cx="6096000" cy="3429000"/>
           </a:xfrm>
           <a:custGeom>
-            <a:rect b="b" l="l" r="r" t="t"/>
+            <a:avLst/>
+            <a:gdLst/>
+            <a:ahLst/>
+            <a:cxnLst/>
+            <a:rect l="l" t="t" r="r" b="b"/>
             <a:pathLst>
-              <a:path extrusionOk="0" h="120000" w="120000">
+              <a:path w="120000" h="120000" extrusionOk="0">
                 <a:moveTo>
                   <a:pt x="0" y="0"/>
                 </a:moveTo>
@@ -1055,9 +1091,11 @@
       <p:sp>
         <p:nvSpPr>
           <p:cNvPr id="80" name="Google Shape;80;g24cc7d8db07_0_3:notes"/>
-          <p:cNvSpPr txBox="1"/>
+          <p:cNvSpPr txBox="1">
+            <a:spLocks noGrp="1"/>
+          </p:cNvSpPr>
           <p:nvPr>
-            <p:ph idx="1" type="body"/>
+            <p:ph type="body" idx="1"/>
           </p:nvPr>
         </p:nvSpPr>
         <p:spPr>
@@ -1070,12 +1108,12 @@
           </a:prstGeom>
         </p:spPr>
         <p:txBody>
-          <a:bodyPr anchorCtr="0" anchor="t" bIns="91425" lIns="91425" spcFirstLastPara="1" rIns="91425" wrap="square" tIns="91425">
+          <a:bodyPr spcFirstLastPara="1" wrap="square" lIns="91425" tIns="91425" rIns="91425" bIns="91425" anchor="t" anchorCtr="0">
             <a:noAutofit/>
           </a:bodyPr>
           <a:lstStyle/>
           <a:p>
-            <a:pPr indent="0" lvl="0" marL="0" rtl="0" algn="l">
+            <a:pPr marL="0" lvl="0" indent="0" algn="l" rtl="0">
               <a:spcBef>
                 <a:spcPts val="0"/>
               </a:spcBef>
@@ -1084,9 +1122,6 @@
               </a:spcAft>
               <a:buNone/>
             </a:pPr>
-            <a:r>
-              <a:t/>
-            </a:r>
             <a:endParaRPr/>
           </a:p>
         </p:txBody>
@@ -1100,11 +1135,11 @@
 </file>
 
 <file path=ppt/notesSlides/notesSlide5.xml><?xml version="1.0" encoding="utf-8"?>
-<p:notes xmlns:a="http://schemas.openxmlformats.org/drawingml/2006/main" xmlns:r="http://schemas.openxmlformats.org/officeDocument/2006/relationships" xmlns:mc="http://schemas.openxmlformats.org/markup-compatibility/2006" xmlns:mv="urn:schemas-microsoft-com:mac:vml" xmlns:p="http://schemas.openxmlformats.org/presentationml/2006/main" xmlns:c="http://schemas.openxmlformats.org/drawingml/2006/chart" xmlns:dgm="http://schemas.openxmlformats.org/drawingml/2006/diagram" xmlns:o="urn:schemas-microsoft-com:office:office" xmlns:v="urn:schemas-microsoft-com:vml" xmlns:pvml="urn:schemas-microsoft-com:office:powerpoint" xmlns:com="http://schemas.openxmlformats.org/drawingml/2006/compatibility" xmlns:p14="http://schemas.microsoft.com/office/powerpoint/2010/main" xmlns:p15="http://schemas.microsoft.com/office/powerpoint/2012/main" xmlns:ahyp="http://schemas.microsoft.com/office/drawing/2018/hyperlinkcolor" showMasterPhAnim="0" showMasterSp="0">
+<p:notes xmlns:a="http://schemas.openxmlformats.org/drawingml/2006/main" xmlns:r="http://schemas.openxmlformats.org/officeDocument/2006/relationships" xmlns:p="http://schemas.openxmlformats.org/presentationml/2006/main" showMasterSp="0" showMasterPhAnim="0">
   <p:cSld>
     <p:spTree>
       <p:nvGrpSpPr>
-        <p:cNvPr id="86" name="Shape 86"/>
+        <p:cNvPr id="1" name="Shape 86"/>
         <p:cNvGrpSpPr/>
         <p:nvPr/>
       </p:nvGrpSpPr>
@@ -1119,20 +1154,26 @@
       <p:sp>
         <p:nvSpPr>
           <p:cNvPr id="87" name="Google Shape;87;g24cc7d8db07_0_12:notes"/>
-          <p:cNvSpPr/>
+          <p:cNvSpPr>
+            <a:spLocks noGrp="1" noRot="1" noChangeAspect="1"/>
+          </p:cNvSpPr>
           <p:nvPr>
-            <p:ph idx="2" type="sldImg"/>
+            <p:ph type="sldImg" idx="2"/>
           </p:nvPr>
         </p:nvSpPr>
         <p:spPr>
           <a:xfrm>
-            <a:off x="381300" y="685800"/>
+            <a:off x="381000" y="685800"/>
             <a:ext cx="6096000" cy="3429000"/>
           </a:xfrm>
           <a:custGeom>
-            <a:rect b="b" l="l" r="r" t="t"/>
+            <a:avLst/>
+            <a:gdLst/>
+            <a:ahLst/>
+            <a:cxnLst/>
+            <a:rect l="l" t="t" r="r" b="b"/>
             <a:pathLst>
-              <a:path extrusionOk="0" h="120000" w="120000">
+              <a:path w="120000" h="120000" extrusionOk="0">
                 <a:moveTo>
                   <a:pt x="0" y="0"/>
                 </a:moveTo>
@@ -1154,9 +1195,11 @@
       <p:sp>
         <p:nvSpPr>
           <p:cNvPr id="88" name="Google Shape;88;g24cc7d8db07_0_12:notes"/>
-          <p:cNvSpPr txBox="1"/>
+          <p:cNvSpPr txBox="1">
+            <a:spLocks noGrp="1"/>
+          </p:cNvSpPr>
           <p:nvPr>
-            <p:ph idx="1" type="body"/>
+            <p:ph type="body" idx="1"/>
           </p:nvPr>
         </p:nvSpPr>
         <p:spPr>
@@ -1169,12 +1212,12 @@
           </a:prstGeom>
         </p:spPr>
         <p:txBody>
-          <a:bodyPr anchorCtr="0" anchor="t" bIns="91425" lIns="91425" spcFirstLastPara="1" rIns="91425" wrap="square" tIns="91425">
+          <a:bodyPr spcFirstLastPara="1" wrap="square" lIns="91425" tIns="91425" rIns="91425" bIns="91425" anchor="t" anchorCtr="0">
             <a:noAutofit/>
           </a:bodyPr>
           <a:lstStyle/>
           <a:p>
-            <a:pPr indent="0" lvl="0" marL="0" rtl="0" algn="l">
+            <a:pPr marL="0" lvl="0" indent="0" algn="l" rtl="0">
               <a:spcBef>
                 <a:spcPts val="0"/>
               </a:spcBef>
@@ -1183,9 +1226,6 @@
               </a:spcAft>
               <a:buNone/>
             </a:pPr>
-            <a:r>
-              <a:t/>
-            </a:r>
             <a:endParaRPr/>
           </a:p>
         </p:txBody>
@@ -1199,11 +1239,11 @@
 </file>
 
 <file path=ppt/notesSlides/notesSlide6.xml><?xml version="1.0" encoding="utf-8"?>
-<p:notes xmlns:a="http://schemas.openxmlformats.org/drawingml/2006/main" xmlns:r="http://schemas.openxmlformats.org/officeDocument/2006/relationships" xmlns:mc="http://schemas.openxmlformats.org/markup-compatibility/2006" xmlns:mv="urn:schemas-microsoft-com:mac:vml" xmlns:p="http://schemas.openxmlformats.org/presentationml/2006/main" xmlns:c="http://schemas.openxmlformats.org/drawingml/2006/chart" xmlns:dgm="http://schemas.openxmlformats.org/drawingml/2006/diagram" xmlns:o="urn:schemas-microsoft-com:office:office" xmlns:v="urn:schemas-microsoft-com:vml" xmlns:pvml="urn:schemas-microsoft-com:office:powerpoint" xmlns:com="http://schemas.openxmlformats.org/drawingml/2006/compatibility" xmlns:p14="http://schemas.microsoft.com/office/powerpoint/2010/main" xmlns:p15="http://schemas.microsoft.com/office/powerpoint/2012/main" xmlns:ahyp="http://schemas.microsoft.com/office/drawing/2018/hyperlinkcolor" showMasterPhAnim="0" showMasterSp="0">
+<p:notes xmlns:a="http://schemas.openxmlformats.org/drawingml/2006/main" xmlns:r="http://schemas.openxmlformats.org/officeDocument/2006/relationships" xmlns:p="http://schemas.openxmlformats.org/presentationml/2006/main" showMasterSp="0" showMasterPhAnim="0">
   <p:cSld>
     <p:spTree>
       <p:nvGrpSpPr>
-        <p:cNvPr id="95" name="Shape 95"/>
+        <p:cNvPr id="1" name="Shape 95"/>
         <p:cNvGrpSpPr/>
         <p:nvPr/>
       </p:nvGrpSpPr>
@@ -1218,20 +1258,26 @@
       <p:sp>
         <p:nvSpPr>
           <p:cNvPr id="96" name="Google Shape;96;g24cc7d8db07_0_24:notes"/>
-          <p:cNvSpPr/>
+          <p:cNvSpPr>
+            <a:spLocks noGrp="1" noRot="1" noChangeAspect="1"/>
+          </p:cNvSpPr>
           <p:nvPr>
-            <p:ph idx="2" type="sldImg"/>
+            <p:ph type="sldImg" idx="2"/>
           </p:nvPr>
         </p:nvSpPr>
         <p:spPr>
           <a:xfrm>
-            <a:off x="381300" y="685800"/>
+            <a:off x="381000" y="685800"/>
             <a:ext cx="6096000" cy="3429000"/>
           </a:xfrm>
           <a:custGeom>
-            <a:rect b="b" l="l" r="r" t="t"/>
+            <a:avLst/>
+            <a:gdLst/>
+            <a:ahLst/>
+            <a:cxnLst/>
+            <a:rect l="l" t="t" r="r" b="b"/>
             <a:pathLst>
-              <a:path extrusionOk="0" h="120000" w="120000">
+              <a:path w="120000" h="120000" extrusionOk="0">
                 <a:moveTo>
                   <a:pt x="0" y="0"/>
                 </a:moveTo>
@@ -1253,9 +1299,11 @@
       <p:sp>
         <p:nvSpPr>
           <p:cNvPr id="97" name="Google Shape;97;g24cc7d8db07_0_24:notes"/>
-          <p:cNvSpPr txBox="1"/>
+          <p:cNvSpPr txBox="1">
+            <a:spLocks noGrp="1"/>
+          </p:cNvSpPr>
           <p:nvPr>
-            <p:ph idx="1" type="body"/>
+            <p:ph type="body" idx="1"/>
           </p:nvPr>
         </p:nvSpPr>
         <p:spPr>
@@ -1268,12 +1316,12 @@
           </a:prstGeom>
         </p:spPr>
         <p:txBody>
-          <a:bodyPr anchorCtr="0" anchor="t" bIns="91425" lIns="91425" spcFirstLastPara="1" rIns="91425" wrap="square" tIns="91425">
+          <a:bodyPr spcFirstLastPara="1" wrap="square" lIns="91425" tIns="91425" rIns="91425" bIns="91425" anchor="t" anchorCtr="0">
             <a:noAutofit/>
           </a:bodyPr>
           <a:lstStyle/>
           <a:p>
-            <a:pPr indent="0" lvl="0" marL="0" rtl="0" algn="l">
+            <a:pPr marL="0" lvl="0" indent="0" algn="l" rtl="0">
               <a:spcBef>
                 <a:spcPts val="0"/>
               </a:spcBef>
@@ -1282,9 +1330,6 @@
               </a:spcAft>
               <a:buNone/>
             </a:pPr>
-            <a:r>
-              <a:t/>
-            </a:r>
             <a:endParaRPr/>
           </a:p>
         </p:txBody>
@@ -1298,11 +1343,11 @@
 </file>
 
 <file path=ppt/notesSlides/notesSlide7.xml><?xml version="1.0" encoding="utf-8"?>
-<p:notes xmlns:a="http://schemas.openxmlformats.org/drawingml/2006/main" xmlns:r="http://schemas.openxmlformats.org/officeDocument/2006/relationships" xmlns:mc="http://schemas.openxmlformats.org/markup-compatibility/2006" xmlns:mv="urn:schemas-microsoft-com:mac:vml" xmlns:p="http://schemas.openxmlformats.org/presentationml/2006/main" xmlns:c="http://schemas.openxmlformats.org/drawingml/2006/chart" xmlns:dgm="http://schemas.openxmlformats.org/drawingml/2006/diagram" xmlns:o="urn:schemas-microsoft-com:office:office" xmlns:v="urn:schemas-microsoft-com:vml" xmlns:pvml="urn:schemas-microsoft-com:office:powerpoint" xmlns:com="http://schemas.openxmlformats.org/drawingml/2006/compatibility" xmlns:p14="http://schemas.microsoft.com/office/powerpoint/2010/main" xmlns:p15="http://schemas.microsoft.com/office/powerpoint/2012/main" xmlns:ahyp="http://schemas.microsoft.com/office/drawing/2018/hyperlinkcolor" showMasterPhAnim="0" showMasterSp="0">
+<p:notes xmlns:a="http://schemas.openxmlformats.org/drawingml/2006/main" xmlns:r="http://schemas.openxmlformats.org/officeDocument/2006/relationships" xmlns:p="http://schemas.openxmlformats.org/presentationml/2006/main" showMasterSp="0" showMasterPhAnim="0">
   <p:cSld>
     <p:spTree>
       <p:nvGrpSpPr>
-        <p:cNvPr id="105" name="Shape 105"/>
+        <p:cNvPr id="1" name="Shape 105"/>
         <p:cNvGrpSpPr/>
         <p:nvPr/>
       </p:nvGrpSpPr>
@@ -1317,9 +1362,11 @@
       <p:sp>
         <p:nvSpPr>
           <p:cNvPr id="106" name="Google Shape;106;g24cc7d8db07_0_35:notes"/>
-          <p:cNvSpPr/>
+          <p:cNvSpPr>
+            <a:spLocks noGrp="1" noRot="1" noChangeAspect="1"/>
+          </p:cNvSpPr>
           <p:nvPr>
-            <p:ph idx="2" type="sldImg"/>
+            <p:ph type="sldImg" idx="2"/>
           </p:nvPr>
         </p:nvSpPr>
         <p:spPr>
@@ -1328,9 +1375,13 @@
             <a:ext cx="6096000" cy="3429000"/>
           </a:xfrm>
           <a:custGeom>
-            <a:rect b="b" l="l" r="r" t="t"/>
+            <a:avLst/>
+            <a:gdLst/>
+            <a:ahLst/>
+            <a:cxnLst/>
+            <a:rect l="l" t="t" r="r" b="b"/>
             <a:pathLst>
-              <a:path extrusionOk="0" h="120000" w="120000">
+              <a:path w="120000" h="120000" extrusionOk="0">
                 <a:moveTo>
                   <a:pt x="0" y="0"/>
                 </a:moveTo>
@@ -1352,9 +1403,11 @@
       <p:sp>
         <p:nvSpPr>
           <p:cNvPr id="107" name="Google Shape;107;g24cc7d8db07_0_35:notes"/>
-          <p:cNvSpPr txBox="1"/>
+          <p:cNvSpPr txBox="1">
+            <a:spLocks noGrp="1"/>
+          </p:cNvSpPr>
           <p:nvPr>
-            <p:ph idx="1" type="body"/>
+            <p:ph type="body" idx="1"/>
           </p:nvPr>
         </p:nvSpPr>
         <p:spPr>
@@ -1367,12 +1420,12 @@
           </a:prstGeom>
         </p:spPr>
         <p:txBody>
-          <a:bodyPr anchorCtr="0" anchor="t" bIns="91425" lIns="91425" spcFirstLastPara="1" rIns="91425" wrap="square" tIns="91425">
+          <a:bodyPr spcFirstLastPara="1" wrap="square" lIns="91425" tIns="91425" rIns="91425" bIns="91425" anchor="t" anchorCtr="0">
             <a:noAutofit/>
           </a:bodyPr>
           <a:lstStyle/>
           <a:p>
-            <a:pPr indent="0" lvl="0" marL="0" rtl="0" algn="l">
+            <a:pPr marL="0" lvl="0" indent="0" algn="l" rtl="0">
               <a:spcBef>
                 <a:spcPts val="0"/>
               </a:spcBef>
@@ -1381,9 +1434,6 @@
               </a:spcAft>
               <a:buNone/>
             </a:pPr>
-            <a:r>
-              <a:t/>
-            </a:r>
             <a:endParaRPr/>
           </a:p>
         </p:txBody>
@@ -1397,11 +1447,11 @@
 </file>
 
 <file path=ppt/slideLayouts/slideLayout1.xml><?xml version="1.0" encoding="utf-8"?>
-<p:sldLayout xmlns:a="http://schemas.openxmlformats.org/drawingml/2006/main" xmlns:r="http://schemas.openxmlformats.org/officeDocument/2006/relationships" xmlns:mc="http://schemas.openxmlformats.org/markup-compatibility/2006" xmlns:mv="urn:schemas-microsoft-com:mac:vml" xmlns:p="http://schemas.openxmlformats.org/presentationml/2006/main" xmlns:c="http://schemas.openxmlformats.org/drawingml/2006/chart" xmlns:dgm="http://schemas.openxmlformats.org/drawingml/2006/diagram" xmlns:o="urn:schemas-microsoft-com:office:office" xmlns:v="urn:schemas-microsoft-com:vml" xmlns:pvml="urn:schemas-microsoft-com:office:powerpoint" xmlns:com="http://schemas.openxmlformats.org/drawingml/2006/compatibility" xmlns:p14="http://schemas.microsoft.com/office/powerpoint/2010/main" xmlns:p15="http://schemas.microsoft.com/office/powerpoint/2012/main" xmlns:ahyp="http://schemas.microsoft.com/office/drawing/2018/hyperlinkcolor" matchingName="Title slide" type="title">
+<p:sldLayout xmlns:a="http://schemas.openxmlformats.org/drawingml/2006/main" xmlns:r="http://schemas.openxmlformats.org/officeDocument/2006/relationships" xmlns:p="http://schemas.openxmlformats.org/presentationml/2006/main" matchingName="Title slide" type="title">
   <p:cSld name="TITLE">
     <p:spTree>
       <p:nvGrpSpPr>
-        <p:cNvPr id="9" name="Shape 9"/>
+        <p:cNvPr id="1" name="Shape 9"/>
         <p:cNvGrpSpPr/>
         <p:nvPr/>
       </p:nvGrpSpPr>
@@ -1449,12 +1499,12 @@
             </a:ln>
           </p:spPr>
           <p:txBody>
-            <a:bodyPr anchorCtr="0" anchor="ctr" bIns="91425" lIns="91425" spcFirstLastPara="1" rIns="91425" wrap="square" tIns="91425">
+            <a:bodyPr spcFirstLastPara="1" wrap="square" lIns="91425" tIns="91425" rIns="91425" bIns="91425" anchor="ctr" anchorCtr="0">
               <a:noAutofit/>
             </a:bodyPr>
             <a:lstStyle/>
             <a:p>
-              <a:pPr indent="0" lvl="0" marL="0" rtl="0" algn="l">
+              <a:pPr marL="0" lvl="0" indent="0" algn="l" rtl="0">
                 <a:spcBef>
                   <a:spcPts val="0"/>
                 </a:spcBef>
@@ -1463,9 +1513,6 @@
                 </a:spcAft>
                 <a:buNone/>
               </a:pPr>
-              <a:r>
-                <a:t/>
-              </a:r>
               <a:endParaRPr/>
             </a:p>
           </p:txBody>
@@ -1492,12 +1539,12 @@
             </a:ln>
           </p:spPr>
           <p:txBody>
-            <a:bodyPr anchorCtr="0" anchor="ctr" bIns="91425" lIns="91425" spcFirstLastPara="1" rIns="91425" wrap="square" tIns="91425">
+            <a:bodyPr spcFirstLastPara="1" wrap="square" lIns="91425" tIns="91425" rIns="91425" bIns="91425" anchor="ctr" anchorCtr="0">
               <a:noAutofit/>
             </a:bodyPr>
             <a:lstStyle/>
             <a:p>
-              <a:pPr indent="0" lvl="0" marL="0" rtl="0" algn="l">
+              <a:pPr marL="0" lvl="0" indent="0" algn="l" rtl="0">
                 <a:spcBef>
                   <a:spcPts val="0"/>
                 </a:spcBef>
@@ -1506,9 +1553,6 @@
                 </a:spcAft>
                 <a:buNone/>
               </a:pPr>
-              <a:r>
-                <a:t/>
-              </a:r>
               <a:endParaRPr/>
             </a:p>
           </p:txBody>
@@ -1535,12 +1579,12 @@
             </a:ln>
           </p:spPr>
           <p:txBody>
-            <a:bodyPr anchorCtr="0" anchor="ctr" bIns="91425" lIns="91425" spcFirstLastPara="1" rIns="91425" wrap="square" tIns="91425">
+            <a:bodyPr spcFirstLastPara="1" wrap="square" lIns="91425" tIns="91425" rIns="91425" bIns="91425" anchor="ctr" anchorCtr="0">
               <a:noAutofit/>
             </a:bodyPr>
             <a:lstStyle/>
             <a:p>
-              <a:pPr indent="0" lvl="0" marL="0" rtl="0" algn="l">
+              <a:pPr marL="0" lvl="0" indent="0" algn="l" rtl="0">
                 <a:spcBef>
                   <a:spcPts val="0"/>
                 </a:spcBef>
@@ -1549,9 +1593,6 @@
                 </a:spcAft>
                 <a:buNone/>
               </a:pPr>
-              <a:r>
-                <a:t/>
-              </a:r>
               <a:endParaRPr/>
             </a:p>
           </p:txBody>
@@ -1560,7 +1601,9 @@
       <p:sp>
         <p:nvSpPr>
           <p:cNvPr id="14" name="Google Shape;14;p2"/>
-          <p:cNvSpPr txBox="1"/>
+          <p:cNvSpPr txBox="1">
+            <a:spLocks noGrp="1"/>
+          </p:cNvSpPr>
           <p:nvPr>
             <p:ph type="ctrTitle"/>
           </p:nvPr>
@@ -1575,7 +1618,7 @@
           </a:prstGeom>
         </p:spPr>
         <p:txBody>
-          <a:bodyPr anchorCtr="0" anchor="b" bIns="91425" lIns="91425" spcFirstLastPara="1" rIns="91425" wrap="square" tIns="91425">
+          <a:bodyPr spcFirstLastPara="1" wrap="square" lIns="91425" tIns="91425" rIns="91425" bIns="91425" anchor="b" anchorCtr="0">
             <a:normAutofit/>
           </a:bodyPr>
           <a:lstStyle>
@@ -1679,15 +1722,19 @@
               <a:defRPr sz="4800"/>
             </a:lvl9pPr>
           </a:lstStyle>
-          <a:p/>
+          <a:p>
+            <a:endParaRPr/>
+          </a:p>
         </p:txBody>
       </p:sp>
       <p:sp>
         <p:nvSpPr>
           <p:cNvPr id="15" name="Google Shape;15;p2"/>
-          <p:cNvSpPr txBox="1"/>
+          <p:cNvSpPr txBox="1">
+            <a:spLocks noGrp="1"/>
+          </p:cNvSpPr>
           <p:nvPr>
-            <p:ph idx="1" type="subTitle"/>
+            <p:ph type="subTitle" idx="1"/>
           </p:nvPr>
         </p:nvSpPr>
         <p:spPr>
@@ -1700,7 +1747,7 @@
           </a:prstGeom>
         </p:spPr>
         <p:txBody>
-          <a:bodyPr anchorCtr="0" anchor="t" bIns="91425" lIns="91425" spcFirstLastPara="1" rIns="91425" wrap="square" tIns="91425">
+          <a:bodyPr spcFirstLastPara="1" wrap="square" lIns="91425" tIns="91425" rIns="91425" bIns="91425" anchor="t" anchorCtr="0">
             <a:normAutofit/>
           </a:bodyPr>
           <a:lstStyle>
@@ -1831,15 +1878,19 @@
               <a:defRPr sz="2100"/>
             </a:lvl9pPr>
           </a:lstStyle>
-          <a:p/>
+          <a:p>
+            <a:endParaRPr/>
+          </a:p>
         </p:txBody>
       </p:sp>
       <p:sp>
         <p:nvSpPr>
           <p:cNvPr id="16" name="Google Shape;16;p2"/>
-          <p:cNvSpPr txBox="1"/>
+          <p:cNvSpPr txBox="1">
+            <a:spLocks noGrp="1"/>
+          </p:cNvSpPr>
           <p:nvPr>
-            <p:ph idx="12" type="sldNum"/>
+            <p:ph type="sldNum" idx="12"/>
           </p:nvPr>
         </p:nvSpPr>
         <p:spPr>
@@ -1852,7 +1903,7 @@
           </a:prstGeom>
         </p:spPr>
         <p:txBody>
-          <a:bodyPr anchorCtr="0" anchor="ctr" bIns="91425" lIns="91425" spcFirstLastPara="1" rIns="91425" wrap="square" tIns="91425">
+          <a:bodyPr spcFirstLastPara="1" wrap="square" lIns="91425" tIns="91425" rIns="91425" bIns="91425" anchor="ctr" anchorCtr="0">
             <a:normAutofit/>
           </a:bodyPr>
           <a:lstStyle>
@@ -1894,7 +1945,7 @@
             </a:lvl9pPr>
           </a:lstStyle>
           <a:p>
-            <a:pPr indent="0" lvl="0" marL="0" rtl="0" algn="r">
+            <a:pPr marL="0" lvl="0" indent="0" algn="r" rtl="0">
               <a:spcBef>
                 <a:spcPts val="0"/>
               </a:spcBef>
@@ -1920,11 +1971,11 @@
 </file>
 
 <file path=ppt/slideLayouts/slideLayout10.xml><?xml version="1.0" encoding="utf-8"?>
-<p:sldLayout xmlns:a="http://schemas.openxmlformats.org/drawingml/2006/main" xmlns:r="http://schemas.openxmlformats.org/officeDocument/2006/relationships" xmlns:mc="http://schemas.openxmlformats.org/markup-compatibility/2006" xmlns:mv="urn:schemas-microsoft-com:mac:vml" xmlns:p="http://schemas.openxmlformats.org/presentationml/2006/main" xmlns:c="http://schemas.openxmlformats.org/drawingml/2006/chart" xmlns:dgm="http://schemas.openxmlformats.org/drawingml/2006/diagram" xmlns:o="urn:schemas-microsoft-com:office:office" xmlns:v="urn:schemas-microsoft-com:vml" xmlns:pvml="urn:schemas-microsoft-com:office:powerpoint" xmlns:com="http://schemas.openxmlformats.org/drawingml/2006/compatibility" xmlns:p14="http://schemas.microsoft.com/office/powerpoint/2010/main" xmlns:p15="http://schemas.microsoft.com/office/powerpoint/2012/main" xmlns:ahyp="http://schemas.microsoft.com/office/drawing/2018/hyperlinkcolor" matchingName="Big number">
+<p:sldLayout xmlns:a="http://schemas.openxmlformats.org/drawingml/2006/main" xmlns:r="http://schemas.openxmlformats.org/officeDocument/2006/relationships" xmlns:p="http://schemas.openxmlformats.org/presentationml/2006/main" matchingName="Big number">
   <p:cSld name="BIG_NUMBER">
     <p:spTree>
       <p:nvGrpSpPr>
-        <p:cNvPr id="49" name="Shape 49"/>
+        <p:cNvPr id="1" name="Shape 49"/>
         <p:cNvGrpSpPr/>
         <p:nvPr/>
       </p:nvGrpSpPr>
@@ -1939,9 +1990,11 @@
       <p:sp>
         <p:nvSpPr>
           <p:cNvPr id="50" name="Google Shape;50;p11"/>
-          <p:cNvSpPr txBox="1"/>
+          <p:cNvSpPr txBox="1">
+            <a:spLocks noGrp="1"/>
+          </p:cNvSpPr>
           <p:nvPr>
-            <p:ph hasCustomPrompt="1" type="title"/>
+            <p:ph type="title" hasCustomPrompt="1"/>
           </p:nvPr>
         </p:nvSpPr>
         <p:spPr>
@@ -1954,7 +2007,7 @@
           </a:prstGeom>
         </p:spPr>
         <p:txBody>
-          <a:bodyPr anchorCtr="0" anchor="b" bIns="91425" lIns="91425" spcFirstLastPara="1" rIns="91425" wrap="square" tIns="91425">
+          <a:bodyPr spcFirstLastPara="1" wrap="square" lIns="91425" tIns="91425" rIns="91425" bIns="91425" anchor="b" anchorCtr="0">
             <a:normAutofit/>
           </a:bodyPr>
           <a:lstStyle>
@@ -2068,9 +2121,11 @@
       <p:sp>
         <p:nvSpPr>
           <p:cNvPr id="51" name="Google Shape;51;p11"/>
-          <p:cNvSpPr txBox="1"/>
+          <p:cNvSpPr txBox="1">
+            <a:spLocks noGrp="1"/>
+          </p:cNvSpPr>
           <p:nvPr>
-            <p:ph idx="1" type="body"/>
+            <p:ph type="body" idx="1"/>
           </p:nvPr>
         </p:nvSpPr>
         <p:spPr>
@@ -2083,11 +2138,11 @@
           </a:prstGeom>
         </p:spPr>
         <p:txBody>
-          <a:bodyPr anchorCtr="0" anchor="t" bIns="91425" lIns="91425" spcFirstLastPara="1" rIns="91425" wrap="square" tIns="91425">
+          <a:bodyPr spcFirstLastPara="1" wrap="square" lIns="91425" tIns="91425" rIns="91425" bIns="91425" anchor="t" anchorCtr="0">
             <a:normAutofit/>
           </a:bodyPr>
           <a:lstStyle>
-            <a:lvl1pPr indent="-342900" lvl="0" marL="457200" algn="ctr">
+            <a:lvl1pPr marL="457200" lvl="0" indent="-342900" algn="ctr">
               <a:spcBef>
                 <a:spcPts val="0"/>
               </a:spcBef>
@@ -2098,7 +2153,7 @@
               <a:buChar char="●"/>
               <a:defRPr/>
             </a:lvl1pPr>
-            <a:lvl2pPr indent="-317500" lvl="1" marL="914400" algn="ctr">
+            <a:lvl2pPr marL="914400" lvl="1" indent="-317500" algn="ctr">
               <a:spcBef>
                 <a:spcPts val="0"/>
               </a:spcBef>
@@ -2109,7 +2164,7 @@
               <a:buChar char="○"/>
               <a:defRPr/>
             </a:lvl2pPr>
-            <a:lvl3pPr indent="-317500" lvl="2" marL="1371600" algn="ctr">
+            <a:lvl3pPr marL="1371600" lvl="2" indent="-317500" algn="ctr">
               <a:spcBef>
                 <a:spcPts val="0"/>
               </a:spcBef>
@@ -2120,7 +2175,7 @@
               <a:buChar char="■"/>
               <a:defRPr/>
             </a:lvl3pPr>
-            <a:lvl4pPr indent="-317500" lvl="3" marL="1828800" algn="ctr">
+            <a:lvl4pPr marL="1828800" lvl="3" indent="-317500" algn="ctr">
               <a:spcBef>
                 <a:spcPts val="0"/>
               </a:spcBef>
@@ -2131,7 +2186,7 @@
               <a:buChar char="●"/>
               <a:defRPr/>
             </a:lvl4pPr>
-            <a:lvl5pPr indent="-317500" lvl="4" marL="2286000" algn="ctr">
+            <a:lvl5pPr marL="2286000" lvl="4" indent="-317500" algn="ctr">
               <a:spcBef>
                 <a:spcPts val="0"/>
               </a:spcBef>
@@ -2142,7 +2197,7 @@
               <a:buChar char="○"/>
               <a:defRPr/>
             </a:lvl5pPr>
-            <a:lvl6pPr indent="-317500" lvl="5" marL="2743200" algn="ctr">
+            <a:lvl6pPr marL="2743200" lvl="5" indent="-317500" algn="ctr">
               <a:spcBef>
                 <a:spcPts val="0"/>
               </a:spcBef>
@@ -2153,7 +2208,7 @@
               <a:buChar char="■"/>
               <a:defRPr/>
             </a:lvl6pPr>
-            <a:lvl7pPr indent="-317500" lvl="6" marL="3200400" algn="ctr">
+            <a:lvl7pPr marL="3200400" lvl="6" indent="-317500" algn="ctr">
               <a:spcBef>
                 <a:spcPts val="0"/>
               </a:spcBef>
@@ -2164,7 +2219,7 @@
               <a:buChar char="●"/>
               <a:defRPr/>
             </a:lvl7pPr>
-            <a:lvl8pPr indent="-317500" lvl="7" marL="3657600" algn="ctr">
+            <a:lvl8pPr marL="3657600" lvl="7" indent="-317500" algn="ctr">
               <a:spcBef>
                 <a:spcPts val="0"/>
               </a:spcBef>
@@ -2175,7 +2230,7 @@
               <a:buChar char="○"/>
               <a:defRPr/>
             </a:lvl8pPr>
-            <a:lvl9pPr indent="-317500" lvl="8" marL="4114800" algn="ctr">
+            <a:lvl9pPr marL="4114800" lvl="8" indent="-317500" algn="ctr">
               <a:spcBef>
                 <a:spcPts val="0"/>
               </a:spcBef>
@@ -2187,15 +2242,19 @@
               <a:defRPr/>
             </a:lvl9pPr>
           </a:lstStyle>
-          <a:p/>
+          <a:p>
+            <a:endParaRPr/>
+          </a:p>
         </p:txBody>
       </p:sp>
       <p:sp>
         <p:nvSpPr>
           <p:cNvPr id="52" name="Google Shape;52;p11"/>
-          <p:cNvSpPr txBox="1"/>
+          <p:cNvSpPr txBox="1">
+            <a:spLocks noGrp="1"/>
+          </p:cNvSpPr>
           <p:nvPr>
-            <p:ph idx="12" type="sldNum"/>
+            <p:ph type="sldNum" idx="12"/>
           </p:nvPr>
         </p:nvSpPr>
         <p:spPr>
@@ -2208,7 +2267,7 @@
           </a:prstGeom>
         </p:spPr>
         <p:txBody>
-          <a:bodyPr anchorCtr="0" anchor="ctr" bIns="91425" lIns="91425" spcFirstLastPara="1" rIns="91425" wrap="square" tIns="91425">
+          <a:bodyPr spcFirstLastPara="1" wrap="square" lIns="91425" tIns="91425" rIns="91425" bIns="91425" anchor="ctr" anchorCtr="0">
             <a:normAutofit/>
           </a:bodyPr>
           <a:lstStyle>
@@ -2250,7 +2309,7 @@
             </a:lvl9pPr>
           </a:lstStyle>
           <a:p>
-            <a:pPr indent="0" lvl="0" marL="0" rtl="0" algn="r">
+            <a:pPr marL="0" lvl="0" indent="0" algn="r" rtl="0">
               <a:spcBef>
                 <a:spcPts val="0"/>
               </a:spcBef>
@@ -2276,11 +2335,11 @@
 </file>
 
 <file path=ppt/slideLayouts/slideLayout11.xml><?xml version="1.0" encoding="utf-8"?>
-<p:sldLayout xmlns:a="http://schemas.openxmlformats.org/drawingml/2006/main" xmlns:r="http://schemas.openxmlformats.org/officeDocument/2006/relationships" xmlns:mc="http://schemas.openxmlformats.org/markup-compatibility/2006" xmlns:mv="urn:schemas-microsoft-com:mac:vml" xmlns:p="http://schemas.openxmlformats.org/presentationml/2006/main" xmlns:c="http://schemas.openxmlformats.org/drawingml/2006/chart" xmlns:dgm="http://schemas.openxmlformats.org/drawingml/2006/diagram" xmlns:o="urn:schemas-microsoft-com:office:office" xmlns:v="urn:schemas-microsoft-com:vml" xmlns:pvml="urn:schemas-microsoft-com:office:powerpoint" xmlns:com="http://schemas.openxmlformats.org/drawingml/2006/compatibility" xmlns:p14="http://schemas.microsoft.com/office/powerpoint/2010/main" xmlns:p15="http://schemas.microsoft.com/office/powerpoint/2012/main" xmlns:ahyp="http://schemas.microsoft.com/office/drawing/2018/hyperlinkcolor" matchingName="Blank" type="blank">
+<p:sldLayout xmlns:a="http://schemas.openxmlformats.org/drawingml/2006/main" xmlns:r="http://schemas.openxmlformats.org/officeDocument/2006/relationships" xmlns:p="http://schemas.openxmlformats.org/presentationml/2006/main" matchingName="Blank" type="blank">
   <p:cSld name="BLANK">
     <p:spTree>
       <p:nvGrpSpPr>
-        <p:cNvPr id="53" name="Shape 53"/>
+        <p:cNvPr id="1" name="Shape 53"/>
         <p:cNvGrpSpPr/>
         <p:nvPr/>
       </p:nvGrpSpPr>
@@ -2295,9 +2354,11 @@
       <p:sp>
         <p:nvSpPr>
           <p:cNvPr id="54" name="Google Shape;54;p12"/>
-          <p:cNvSpPr txBox="1"/>
+          <p:cNvSpPr txBox="1">
+            <a:spLocks noGrp="1"/>
+          </p:cNvSpPr>
           <p:nvPr>
-            <p:ph idx="12" type="sldNum"/>
+            <p:ph type="sldNum" idx="12"/>
           </p:nvPr>
         </p:nvSpPr>
         <p:spPr>
@@ -2310,7 +2371,7 @@
           </a:prstGeom>
         </p:spPr>
         <p:txBody>
-          <a:bodyPr anchorCtr="0" anchor="ctr" bIns="91425" lIns="91425" spcFirstLastPara="1" rIns="91425" wrap="square" tIns="91425">
+          <a:bodyPr spcFirstLastPara="1" wrap="square" lIns="91425" tIns="91425" rIns="91425" bIns="91425" anchor="ctr" anchorCtr="0">
             <a:normAutofit/>
           </a:bodyPr>
           <a:lstStyle>
@@ -2352,7 +2413,7 @@
             </a:lvl9pPr>
           </a:lstStyle>
           <a:p>
-            <a:pPr indent="0" lvl="0" marL="0" rtl="0" algn="r">
+            <a:pPr marL="0" lvl="0" indent="0" algn="r" rtl="0">
               <a:spcBef>
                 <a:spcPts val="0"/>
               </a:spcBef>
@@ -2378,11 +2439,11 @@
 </file>
 
 <file path=ppt/slideLayouts/slideLayout2.xml><?xml version="1.0" encoding="utf-8"?>
-<p:sldLayout xmlns:a="http://schemas.openxmlformats.org/drawingml/2006/main" xmlns:r="http://schemas.openxmlformats.org/officeDocument/2006/relationships" xmlns:mc="http://schemas.openxmlformats.org/markup-compatibility/2006" xmlns:mv="urn:schemas-microsoft-com:mac:vml" xmlns:p="http://schemas.openxmlformats.org/presentationml/2006/main" xmlns:c="http://schemas.openxmlformats.org/drawingml/2006/chart" xmlns:dgm="http://schemas.openxmlformats.org/drawingml/2006/diagram" xmlns:o="urn:schemas-microsoft-com:office:office" xmlns:v="urn:schemas-microsoft-com:vml" xmlns:pvml="urn:schemas-microsoft-com:office:powerpoint" xmlns:com="http://schemas.openxmlformats.org/drawingml/2006/compatibility" xmlns:p14="http://schemas.microsoft.com/office/powerpoint/2010/main" xmlns:p15="http://schemas.microsoft.com/office/powerpoint/2012/main" xmlns:ahyp="http://schemas.microsoft.com/office/drawing/2018/hyperlinkcolor" matchingName="Section header" type="secHead">
+<p:sldLayout xmlns:a="http://schemas.openxmlformats.org/drawingml/2006/main" xmlns:r="http://schemas.openxmlformats.org/officeDocument/2006/relationships" xmlns:p="http://schemas.openxmlformats.org/presentationml/2006/main" matchingName="Section header" type="secHead">
   <p:cSld name="SECTION_HEADER">
     <p:spTree>
       <p:nvGrpSpPr>
-        <p:cNvPr id="17" name="Shape 17"/>
+        <p:cNvPr id="1" name="Shape 17"/>
         <p:cNvGrpSpPr/>
         <p:nvPr/>
       </p:nvGrpSpPr>
@@ -2397,7 +2458,9 @@
       <p:sp>
         <p:nvSpPr>
           <p:cNvPr id="18" name="Google Shape;18;p3"/>
-          <p:cNvSpPr txBox="1"/>
+          <p:cNvSpPr txBox="1">
+            <a:spLocks noGrp="1"/>
+          </p:cNvSpPr>
           <p:nvPr>
             <p:ph type="title"/>
           </p:nvPr>
@@ -2412,7 +2475,7 @@
           </a:prstGeom>
         </p:spPr>
         <p:txBody>
-          <a:bodyPr anchorCtr="0" anchor="ctr" bIns="91425" lIns="91425" spcFirstLastPara="1" rIns="91425" wrap="square" tIns="91425">
+          <a:bodyPr spcFirstLastPara="1" wrap="square" lIns="91425" tIns="91425" rIns="91425" bIns="91425" anchor="ctr" anchorCtr="0">
             <a:normAutofit/>
           </a:bodyPr>
           <a:lstStyle>
@@ -2516,15 +2579,19 @@
               <a:defRPr sz="3600"/>
             </a:lvl9pPr>
           </a:lstStyle>
-          <a:p/>
+          <a:p>
+            <a:endParaRPr/>
+          </a:p>
         </p:txBody>
       </p:sp>
       <p:sp>
         <p:nvSpPr>
           <p:cNvPr id="19" name="Google Shape;19;p3"/>
-          <p:cNvSpPr txBox="1"/>
+          <p:cNvSpPr txBox="1">
+            <a:spLocks noGrp="1"/>
+          </p:cNvSpPr>
           <p:nvPr>
-            <p:ph idx="12" type="sldNum"/>
+            <p:ph type="sldNum" idx="12"/>
           </p:nvPr>
         </p:nvSpPr>
         <p:spPr>
@@ -2537,7 +2604,7 @@
           </a:prstGeom>
         </p:spPr>
         <p:txBody>
-          <a:bodyPr anchorCtr="0" anchor="ctr" bIns="91425" lIns="91425" spcFirstLastPara="1" rIns="91425" wrap="square" tIns="91425">
+          <a:bodyPr spcFirstLastPara="1" wrap="square" lIns="91425" tIns="91425" rIns="91425" bIns="91425" anchor="ctr" anchorCtr="0">
             <a:normAutofit/>
           </a:bodyPr>
           <a:lstStyle>
@@ -2579,7 +2646,7 @@
             </a:lvl9pPr>
           </a:lstStyle>
           <a:p>
-            <a:pPr indent="0" lvl="0" marL="0" rtl="0" algn="r">
+            <a:pPr marL="0" lvl="0" indent="0" algn="r" rtl="0">
               <a:spcBef>
                 <a:spcPts val="0"/>
               </a:spcBef>
@@ -2605,11 +2672,11 @@
 </file>
 
 <file path=ppt/slideLayouts/slideLayout3.xml><?xml version="1.0" encoding="utf-8"?>
-<p:sldLayout xmlns:a="http://schemas.openxmlformats.org/drawingml/2006/main" xmlns:r="http://schemas.openxmlformats.org/officeDocument/2006/relationships" xmlns:mc="http://schemas.openxmlformats.org/markup-compatibility/2006" xmlns:mv="urn:schemas-microsoft-com:mac:vml" xmlns:p="http://schemas.openxmlformats.org/presentationml/2006/main" xmlns:c="http://schemas.openxmlformats.org/drawingml/2006/chart" xmlns:dgm="http://schemas.openxmlformats.org/drawingml/2006/diagram" xmlns:o="urn:schemas-microsoft-com:office:office" xmlns:v="urn:schemas-microsoft-com:vml" xmlns:pvml="urn:schemas-microsoft-com:office:powerpoint" xmlns:com="http://schemas.openxmlformats.org/drawingml/2006/compatibility" xmlns:p14="http://schemas.microsoft.com/office/powerpoint/2010/main" xmlns:p15="http://schemas.microsoft.com/office/powerpoint/2012/main" xmlns:ahyp="http://schemas.microsoft.com/office/drawing/2018/hyperlinkcolor" matchingName="Title and body" type="tx">
+<p:sldLayout xmlns:a="http://schemas.openxmlformats.org/drawingml/2006/main" xmlns:r="http://schemas.openxmlformats.org/officeDocument/2006/relationships" xmlns:p="http://schemas.openxmlformats.org/presentationml/2006/main" matchingName="Title and body" type="tx">
   <p:cSld name="TITLE_AND_BODY">
     <p:spTree>
       <p:nvGrpSpPr>
-        <p:cNvPr id="20" name="Shape 20"/>
+        <p:cNvPr id="1" name="Shape 20"/>
         <p:cNvGrpSpPr/>
         <p:nvPr/>
       </p:nvGrpSpPr>
@@ -2624,7 +2691,9 @@
       <p:sp>
         <p:nvSpPr>
           <p:cNvPr id="21" name="Google Shape;21;p4"/>
-          <p:cNvSpPr txBox="1"/>
+          <p:cNvSpPr txBox="1">
+            <a:spLocks noGrp="1"/>
+          </p:cNvSpPr>
           <p:nvPr>
             <p:ph type="title"/>
           </p:nvPr>
@@ -2639,7 +2708,7 @@
           </a:prstGeom>
         </p:spPr>
         <p:txBody>
-          <a:bodyPr anchorCtr="0" anchor="t" bIns="91425" lIns="91425" spcFirstLastPara="1" rIns="91425" wrap="square" tIns="91425">
+          <a:bodyPr spcFirstLastPara="1" wrap="square" lIns="91425" tIns="91425" rIns="91425" bIns="91425" anchor="t" anchorCtr="0">
             <a:normAutofit/>
           </a:bodyPr>
           <a:lstStyle>
@@ -2743,15 +2812,19 @@
               <a:defRPr/>
             </a:lvl9pPr>
           </a:lstStyle>
-          <a:p/>
+          <a:p>
+            <a:endParaRPr/>
+          </a:p>
         </p:txBody>
       </p:sp>
       <p:sp>
         <p:nvSpPr>
           <p:cNvPr id="22" name="Google Shape;22;p4"/>
-          <p:cNvSpPr txBox="1"/>
+          <p:cNvSpPr txBox="1">
+            <a:spLocks noGrp="1"/>
+          </p:cNvSpPr>
           <p:nvPr>
-            <p:ph idx="1" type="body"/>
+            <p:ph type="body" idx="1"/>
           </p:nvPr>
         </p:nvSpPr>
         <p:spPr>
@@ -2764,11 +2837,11 @@
           </a:prstGeom>
         </p:spPr>
         <p:txBody>
-          <a:bodyPr anchorCtr="0" anchor="t" bIns="91425" lIns="91425" spcFirstLastPara="1" rIns="91425" wrap="square" tIns="91425">
+          <a:bodyPr spcFirstLastPara="1" wrap="square" lIns="91425" tIns="91425" rIns="91425" bIns="91425" anchor="t" anchorCtr="0">
             <a:normAutofit/>
           </a:bodyPr>
           <a:lstStyle>
-            <a:lvl1pPr indent="-342900" lvl="0" marL="457200">
+            <a:lvl1pPr marL="457200" lvl="0" indent="-342900">
               <a:spcBef>
                 <a:spcPts val="0"/>
               </a:spcBef>
@@ -2779,7 +2852,7 @@
               <a:buChar char="●"/>
               <a:defRPr/>
             </a:lvl1pPr>
-            <a:lvl2pPr indent="-317500" lvl="1" marL="914400">
+            <a:lvl2pPr marL="914400" lvl="1" indent="-317500">
               <a:spcBef>
                 <a:spcPts val="0"/>
               </a:spcBef>
@@ -2790,7 +2863,7 @@
               <a:buChar char="○"/>
               <a:defRPr/>
             </a:lvl2pPr>
-            <a:lvl3pPr indent="-317500" lvl="2" marL="1371600">
+            <a:lvl3pPr marL="1371600" lvl="2" indent="-317500">
               <a:spcBef>
                 <a:spcPts val="0"/>
               </a:spcBef>
@@ -2801,7 +2874,7 @@
               <a:buChar char="■"/>
               <a:defRPr/>
             </a:lvl3pPr>
-            <a:lvl4pPr indent="-317500" lvl="3" marL="1828800">
+            <a:lvl4pPr marL="1828800" lvl="3" indent="-317500">
               <a:spcBef>
                 <a:spcPts val="0"/>
               </a:spcBef>
@@ -2812,7 +2885,7 @@
               <a:buChar char="●"/>
               <a:defRPr/>
             </a:lvl4pPr>
-            <a:lvl5pPr indent="-317500" lvl="4" marL="2286000">
+            <a:lvl5pPr marL="2286000" lvl="4" indent="-317500">
               <a:spcBef>
                 <a:spcPts val="0"/>
               </a:spcBef>
@@ -2823,7 +2896,7 @@
               <a:buChar char="○"/>
               <a:defRPr/>
             </a:lvl5pPr>
-            <a:lvl6pPr indent="-317500" lvl="5" marL="2743200">
+            <a:lvl6pPr marL="2743200" lvl="5" indent="-317500">
               <a:spcBef>
                 <a:spcPts val="0"/>
               </a:spcBef>
@@ -2834,7 +2907,7 @@
               <a:buChar char="■"/>
               <a:defRPr/>
             </a:lvl6pPr>
-            <a:lvl7pPr indent="-317500" lvl="6" marL="3200400">
+            <a:lvl7pPr marL="3200400" lvl="6" indent="-317500">
               <a:spcBef>
                 <a:spcPts val="0"/>
               </a:spcBef>
@@ -2845,7 +2918,7 @@
               <a:buChar char="●"/>
               <a:defRPr/>
             </a:lvl7pPr>
-            <a:lvl8pPr indent="-317500" lvl="7" marL="3657600">
+            <a:lvl8pPr marL="3657600" lvl="7" indent="-317500">
               <a:spcBef>
                 <a:spcPts val="0"/>
               </a:spcBef>
@@ -2856,7 +2929,7 @@
               <a:buChar char="○"/>
               <a:defRPr/>
             </a:lvl8pPr>
-            <a:lvl9pPr indent="-317500" lvl="8" marL="4114800">
+            <a:lvl9pPr marL="4114800" lvl="8" indent="-317500">
               <a:spcBef>
                 <a:spcPts val="0"/>
               </a:spcBef>
@@ -2868,15 +2941,19 @@
               <a:defRPr/>
             </a:lvl9pPr>
           </a:lstStyle>
-          <a:p/>
+          <a:p>
+            <a:endParaRPr/>
+          </a:p>
         </p:txBody>
       </p:sp>
       <p:sp>
         <p:nvSpPr>
           <p:cNvPr id="23" name="Google Shape;23;p4"/>
-          <p:cNvSpPr txBox="1"/>
+          <p:cNvSpPr txBox="1">
+            <a:spLocks noGrp="1"/>
+          </p:cNvSpPr>
           <p:nvPr>
-            <p:ph idx="12" type="sldNum"/>
+            <p:ph type="sldNum" idx="12"/>
           </p:nvPr>
         </p:nvSpPr>
         <p:spPr>
@@ -2889,7 +2966,7 @@
           </a:prstGeom>
         </p:spPr>
         <p:txBody>
-          <a:bodyPr anchorCtr="0" anchor="ctr" bIns="91425" lIns="91425" spcFirstLastPara="1" rIns="91425" wrap="square" tIns="91425">
+          <a:bodyPr spcFirstLastPara="1" wrap="square" lIns="91425" tIns="91425" rIns="91425" bIns="91425" anchor="ctr" anchorCtr="0">
             <a:normAutofit/>
           </a:bodyPr>
           <a:lstStyle>
@@ -2931,7 +3008,7 @@
             </a:lvl9pPr>
           </a:lstStyle>
           <a:p>
-            <a:pPr indent="0" lvl="0" marL="0" rtl="0" algn="r">
+            <a:pPr marL="0" lvl="0" indent="0" algn="r" rtl="0">
               <a:spcBef>
                 <a:spcPts val="0"/>
               </a:spcBef>
@@ -2957,11 +3034,11 @@
 </file>
 
 <file path=ppt/slideLayouts/slideLayout4.xml><?xml version="1.0" encoding="utf-8"?>
-<p:sldLayout xmlns:a="http://schemas.openxmlformats.org/drawingml/2006/main" xmlns:r="http://schemas.openxmlformats.org/officeDocument/2006/relationships" xmlns:mc="http://schemas.openxmlformats.org/markup-compatibility/2006" xmlns:mv="urn:schemas-microsoft-com:mac:vml" xmlns:p="http://schemas.openxmlformats.org/presentationml/2006/main" xmlns:c="http://schemas.openxmlformats.org/drawingml/2006/chart" xmlns:dgm="http://schemas.openxmlformats.org/drawingml/2006/diagram" xmlns:o="urn:schemas-microsoft-com:office:office" xmlns:v="urn:schemas-microsoft-com:vml" xmlns:pvml="urn:schemas-microsoft-com:office:powerpoint" xmlns:com="http://schemas.openxmlformats.org/drawingml/2006/compatibility" xmlns:p14="http://schemas.microsoft.com/office/powerpoint/2010/main" xmlns:p15="http://schemas.microsoft.com/office/powerpoint/2012/main" xmlns:ahyp="http://schemas.microsoft.com/office/drawing/2018/hyperlinkcolor" matchingName="Title and two columns" type="twoColTx">
+<p:sldLayout xmlns:a="http://schemas.openxmlformats.org/drawingml/2006/main" xmlns:r="http://schemas.openxmlformats.org/officeDocument/2006/relationships" xmlns:p="http://schemas.openxmlformats.org/presentationml/2006/main" matchingName="Title and two columns" type="twoColTx">
   <p:cSld name="TITLE_AND_TWO_COLUMNS">
     <p:spTree>
       <p:nvGrpSpPr>
-        <p:cNvPr id="24" name="Shape 24"/>
+        <p:cNvPr id="1" name="Shape 24"/>
         <p:cNvGrpSpPr/>
         <p:nvPr/>
       </p:nvGrpSpPr>
@@ -2976,7 +3053,9 @@
       <p:sp>
         <p:nvSpPr>
           <p:cNvPr id="25" name="Google Shape;25;p5"/>
-          <p:cNvSpPr txBox="1"/>
+          <p:cNvSpPr txBox="1">
+            <a:spLocks noGrp="1"/>
+          </p:cNvSpPr>
           <p:nvPr>
             <p:ph type="title"/>
           </p:nvPr>
@@ -2991,7 +3070,7 @@
           </a:prstGeom>
         </p:spPr>
         <p:txBody>
-          <a:bodyPr anchorCtr="0" anchor="t" bIns="91425" lIns="91425" spcFirstLastPara="1" rIns="91425" wrap="square" tIns="91425">
+          <a:bodyPr spcFirstLastPara="1" wrap="square" lIns="91425" tIns="91425" rIns="91425" bIns="91425" anchor="t" anchorCtr="0">
             <a:normAutofit/>
           </a:bodyPr>
           <a:lstStyle>
@@ -3095,15 +3174,19 @@
               <a:defRPr/>
             </a:lvl9pPr>
           </a:lstStyle>
-          <a:p/>
+          <a:p>
+            <a:endParaRPr/>
+          </a:p>
         </p:txBody>
       </p:sp>
       <p:sp>
         <p:nvSpPr>
           <p:cNvPr id="26" name="Google Shape;26;p5"/>
-          <p:cNvSpPr txBox="1"/>
+          <p:cNvSpPr txBox="1">
+            <a:spLocks noGrp="1"/>
+          </p:cNvSpPr>
           <p:nvPr>
-            <p:ph idx="1" type="body"/>
+            <p:ph type="body" idx="1"/>
           </p:nvPr>
         </p:nvSpPr>
         <p:spPr>
@@ -3116,11 +3199,11 @@
           </a:prstGeom>
         </p:spPr>
         <p:txBody>
-          <a:bodyPr anchorCtr="0" anchor="t" bIns="91425" lIns="91425" spcFirstLastPara="1" rIns="91425" wrap="square" tIns="91425">
+          <a:bodyPr spcFirstLastPara="1" wrap="square" lIns="91425" tIns="91425" rIns="91425" bIns="91425" anchor="t" anchorCtr="0">
             <a:normAutofit/>
           </a:bodyPr>
           <a:lstStyle>
-            <a:lvl1pPr indent="-317500" lvl="0" marL="457200">
+            <a:lvl1pPr marL="457200" lvl="0" indent="-317500">
               <a:spcBef>
                 <a:spcPts val="0"/>
               </a:spcBef>
@@ -3131,7 +3214,7 @@
               <a:buChar char="●"/>
               <a:defRPr sz="1400"/>
             </a:lvl1pPr>
-            <a:lvl2pPr indent="-304800" lvl="1" marL="914400">
+            <a:lvl2pPr marL="914400" lvl="1" indent="-304800">
               <a:spcBef>
                 <a:spcPts val="0"/>
               </a:spcBef>
@@ -3142,7 +3225,7 @@
               <a:buChar char="○"/>
               <a:defRPr sz="1200"/>
             </a:lvl2pPr>
-            <a:lvl3pPr indent="-304800" lvl="2" marL="1371600">
+            <a:lvl3pPr marL="1371600" lvl="2" indent="-304800">
               <a:spcBef>
                 <a:spcPts val="0"/>
               </a:spcBef>
@@ -3153,7 +3236,7 @@
               <a:buChar char="■"/>
               <a:defRPr sz="1200"/>
             </a:lvl3pPr>
-            <a:lvl4pPr indent="-304800" lvl="3" marL="1828800">
+            <a:lvl4pPr marL="1828800" lvl="3" indent="-304800">
               <a:spcBef>
                 <a:spcPts val="0"/>
               </a:spcBef>
@@ -3164,7 +3247,7 @@
               <a:buChar char="●"/>
               <a:defRPr sz="1200"/>
             </a:lvl4pPr>
-            <a:lvl5pPr indent="-304800" lvl="4" marL="2286000">
+            <a:lvl5pPr marL="2286000" lvl="4" indent="-304800">
               <a:spcBef>
                 <a:spcPts val="0"/>
               </a:spcBef>
@@ -3175,7 +3258,7 @@
               <a:buChar char="○"/>
               <a:defRPr sz="1200"/>
             </a:lvl5pPr>
-            <a:lvl6pPr indent="-304800" lvl="5" marL="2743200">
+            <a:lvl6pPr marL="2743200" lvl="5" indent="-304800">
               <a:spcBef>
                 <a:spcPts val="0"/>
               </a:spcBef>
@@ -3186,7 +3269,7 @@
               <a:buChar char="■"/>
               <a:defRPr sz="1200"/>
             </a:lvl6pPr>
-            <a:lvl7pPr indent="-304800" lvl="6" marL="3200400">
+            <a:lvl7pPr marL="3200400" lvl="6" indent="-304800">
               <a:spcBef>
                 <a:spcPts val="0"/>
               </a:spcBef>
@@ -3197,7 +3280,7 @@
               <a:buChar char="●"/>
               <a:defRPr sz="1200"/>
             </a:lvl7pPr>
-            <a:lvl8pPr indent="-304800" lvl="7" marL="3657600">
+            <a:lvl8pPr marL="3657600" lvl="7" indent="-304800">
               <a:spcBef>
                 <a:spcPts val="0"/>
               </a:spcBef>
@@ -3208,7 +3291,7 @@
               <a:buChar char="○"/>
               <a:defRPr sz="1200"/>
             </a:lvl8pPr>
-            <a:lvl9pPr indent="-304800" lvl="8" marL="4114800">
+            <a:lvl9pPr marL="4114800" lvl="8" indent="-304800">
               <a:spcBef>
                 <a:spcPts val="0"/>
               </a:spcBef>
@@ -3220,15 +3303,19 @@
               <a:defRPr sz="1200"/>
             </a:lvl9pPr>
           </a:lstStyle>
-          <a:p/>
+          <a:p>
+            <a:endParaRPr/>
+          </a:p>
         </p:txBody>
       </p:sp>
       <p:sp>
         <p:nvSpPr>
           <p:cNvPr id="27" name="Google Shape;27;p5"/>
-          <p:cNvSpPr txBox="1"/>
+          <p:cNvSpPr txBox="1">
+            <a:spLocks noGrp="1"/>
+          </p:cNvSpPr>
           <p:nvPr>
-            <p:ph idx="2" type="body"/>
+            <p:ph type="body" idx="2"/>
           </p:nvPr>
         </p:nvSpPr>
         <p:spPr>
@@ -3241,11 +3328,11 @@
           </a:prstGeom>
         </p:spPr>
         <p:txBody>
-          <a:bodyPr anchorCtr="0" anchor="t" bIns="91425" lIns="91425" spcFirstLastPara="1" rIns="91425" wrap="square" tIns="91425">
+          <a:bodyPr spcFirstLastPara="1" wrap="square" lIns="91425" tIns="91425" rIns="91425" bIns="91425" anchor="t" anchorCtr="0">
             <a:normAutofit/>
           </a:bodyPr>
           <a:lstStyle>
-            <a:lvl1pPr indent="-317500" lvl="0" marL="457200">
+            <a:lvl1pPr marL="457200" lvl="0" indent="-317500">
               <a:spcBef>
                 <a:spcPts val="0"/>
               </a:spcBef>
@@ -3256,7 +3343,7 @@
               <a:buChar char="●"/>
               <a:defRPr sz="1400"/>
             </a:lvl1pPr>
-            <a:lvl2pPr indent="-304800" lvl="1" marL="914400">
+            <a:lvl2pPr marL="914400" lvl="1" indent="-304800">
               <a:spcBef>
                 <a:spcPts val="0"/>
               </a:spcBef>
@@ -3267,7 +3354,7 @@
               <a:buChar char="○"/>
               <a:defRPr sz="1200"/>
             </a:lvl2pPr>
-            <a:lvl3pPr indent="-304800" lvl="2" marL="1371600">
+            <a:lvl3pPr marL="1371600" lvl="2" indent="-304800">
               <a:spcBef>
                 <a:spcPts val="0"/>
               </a:spcBef>
@@ -3278,7 +3365,7 @@
               <a:buChar char="■"/>
               <a:defRPr sz="1200"/>
             </a:lvl3pPr>
-            <a:lvl4pPr indent="-304800" lvl="3" marL="1828800">
+            <a:lvl4pPr marL="1828800" lvl="3" indent="-304800">
               <a:spcBef>
                 <a:spcPts val="0"/>
               </a:spcBef>
@@ -3289,7 +3376,7 @@
               <a:buChar char="●"/>
               <a:defRPr sz="1200"/>
             </a:lvl4pPr>
-            <a:lvl5pPr indent="-304800" lvl="4" marL="2286000">
+            <a:lvl5pPr marL="2286000" lvl="4" indent="-304800">
               <a:spcBef>
                 <a:spcPts val="0"/>
               </a:spcBef>
@@ -3300,7 +3387,7 @@
               <a:buChar char="○"/>
               <a:defRPr sz="1200"/>
             </a:lvl5pPr>
-            <a:lvl6pPr indent="-304800" lvl="5" marL="2743200">
+            <a:lvl6pPr marL="2743200" lvl="5" indent="-304800">
               <a:spcBef>
                 <a:spcPts val="0"/>
               </a:spcBef>
@@ -3311,7 +3398,7 @@
               <a:buChar char="■"/>
               <a:defRPr sz="1200"/>
             </a:lvl6pPr>
-            <a:lvl7pPr indent="-304800" lvl="6" marL="3200400">
+            <a:lvl7pPr marL="3200400" lvl="6" indent="-304800">
               <a:spcBef>
                 <a:spcPts val="0"/>
               </a:spcBef>
@@ -3322,7 +3409,7 @@
               <a:buChar char="●"/>
               <a:defRPr sz="1200"/>
             </a:lvl7pPr>
-            <a:lvl8pPr indent="-304800" lvl="7" marL="3657600">
+            <a:lvl8pPr marL="3657600" lvl="7" indent="-304800">
               <a:spcBef>
                 <a:spcPts val="0"/>
               </a:spcBef>
@@ -3333,7 +3420,7 @@
               <a:buChar char="○"/>
               <a:defRPr sz="1200"/>
             </a:lvl8pPr>
-            <a:lvl9pPr indent="-304800" lvl="8" marL="4114800">
+            <a:lvl9pPr marL="4114800" lvl="8" indent="-304800">
               <a:spcBef>
                 <a:spcPts val="0"/>
               </a:spcBef>
@@ -3345,15 +3432,19 @@
               <a:defRPr sz="1200"/>
             </a:lvl9pPr>
           </a:lstStyle>
-          <a:p/>
+          <a:p>
+            <a:endParaRPr/>
+          </a:p>
         </p:txBody>
       </p:sp>
       <p:sp>
         <p:nvSpPr>
           <p:cNvPr id="28" name="Google Shape;28;p5"/>
-          <p:cNvSpPr txBox="1"/>
+          <p:cNvSpPr txBox="1">
+            <a:spLocks noGrp="1"/>
+          </p:cNvSpPr>
           <p:nvPr>
-            <p:ph idx="12" type="sldNum"/>
+            <p:ph type="sldNum" idx="12"/>
           </p:nvPr>
         </p:nvSpPr>
         <p:spPr>
@@ -3366,7 +3457,7 @@
           </a:prstGeom>
         </p:spPr>
         <p:txBody>
-          <a:bodyPr anchorCtr="0" anchor="ctr" bIns="91425" lIns="91425" spcFirstLastPara="1" rIns="91425" wrap="square" tIns="91425">
+          <a:bodyPr spcFirstLastPara="1" wrap="square" lIns="91425" tIns="91425" rIns="91425" bIns="91425" anchor="ctr" anchorCtr="0">
             <a:normAutofit/>
           </a:bodyPr>
           <a:lstStyle>
@@ -3408,7 +3499,7 @@
             </a:lvl9pPr>
           </a:lstStyle>
           <a:p>
-            <a:pPr indent="0" lvl="0" marL="0" rtl="0" algn="r">
+            <a:pPr marL="0" lvl="0" indent="0" algn="r" rtl="0">
               <a:spcBef>
                 <a:spcPts val="0"/>
               </a:spcBef>
@@ -3434,11 +3525,11 @@
 </file>
 
 <file path=ppt/slideLayouts/slideLayout5.xml><?xml version="1.0" encoding="utf-8"?>
-<p:sldLayout xmlns:a="http://schemas.openxmlformats.org/drawingml/2006/main" xmlns:r="http://schemas.openxmlformats.org/officeDocument/2006/relationships" xmlns:mc="http://schemas.openxmlformats.org/markup-compatibility/2006" xmlns:mv="urn:schemas-microsoft-com:mac:vml" xmlns:p="http://schemas.openxmlformats.org/presentationml/2006/main" xmlns:c="http://schemas.openxmlformats.org/drawingml/2006/chart" xmlns:dgm="http://schemas.openxmlformats.org/drawingml/2006/diagram" xmlns:o="urn:schemas-microsoft-com:office:office" xmlns:v="urn:schemas-microsoft-com:vml" xmlns:pvml="urn:schemas-microsoft-com:office:powerpoint" xmlns:com="http://schemas.openxmlformats.org/drawingml/2006/compatibility" xmlns:p14="http://schemas.microsoft.com/office/powerpoint/2010/main" xmlns:p15="http://schemas.microsoft.com/office/powerpoint/2012/main" xmlns:ahyp="http://schemas.microsoft.com/office/drawing/2018/hyperlinkcolor" matchingName="Title only" type="titleOnly">
+<p:sldLayout xmlns:a="http://schemas.openxmlformats.org/drawingml/2006/main" xmlns:r="http://schemas.openxmlformats.org/officeDocument/2006/relationships" xmlns:p="http://schemas.openxmlformats.org/presentationml/2006/main" matchingName="Title only" type="titleOnly">
   <p:cSld name="TITLE_ONLY">
     <p:spTree>
       <p:nvGrpSpPr>
-        <p:cNvPr id="29" name="Shape 29"/>
+        <p:cNvPr id="1" name="Shape 29"/>
         <p:cNvGrpSpPr/>
         <p:nvPr/>
       </p:nvGrpSpPr>
@@ -3453,7 +3544,9 @@
       <p:sp>
         <p:nvSpPr>
           <p:cNvPr id="30" name="Google Shape;30;p6"/>
-          <p:cNvSpPr txBox="1"/>
+          <p:cNvSpPr txBox="1">
+            <a:spLocks noGrp="1"/>
+          </p:cNvSpPr>
           <p:nvPr>
             <p:ph type="title"/>
           </p:nvPr>
@@ -3468,7 +3561,7 @@
           </a:prstGeom>
         </p:spPr>
         <p:txBody>
-          <a:bodyPr anchorCtr="0" anchor="t" bIns="91425" lIns="91425" spcFirstLastPara="1" rIns="91425" wrap="square" tIns="91425">
+          <a:bodyPr spcFirstLastPara="1" wrap="square" lIns="91425" tIns="91425" rIns="91425" bIns="91425" anchor="t" anchorCtr="0">
             <a:normAutofit/>
           </a:bodyPr>
           <a:lstStyle>
@@ -3572,15 +3665,19 @@
               <a:defRPr/>
             </a:lvl9pPr>
           </a:lstStyle>
-          <a:p/>
+          <a:p>
+            <a:endParaRPr/>
+          </a:p>
         </p:txBody>
       </p:sp>
       <p:sp>
         <p:nvSpPr>
           <p:cNvPr id="31" name="Google Shape;31;p6"/>
-          <p:cNvSpPr txBox="1"/>
+          <p:cNvSpPr txBox="1">
+            <a:spLocks noGrp="1"/>
+          </p:cNvSpPr>
           <p:nvPr>
-            <p:ph idx="12" type="sldNum"/>
+            <p:ph type="sldNum" idx="12"/>
           </p:nvPr>
         </p:nvSpPr>
         <p:spPr>
@@ -3593,7 +3690,7 @@
           </a:prstGeom>
         </p:spPr>
         <p:txBody>
-          <a:bodyPr anchorCtr="0" anchor="ctr" bIns="91425" lIns="91425" spcFirstLastPara="1" rIns="91425" wrap="square" tIns="91425">
+          <a:bodyPr spcFirstLastPara="1" wrap="square" lIns="91425" tIns="91425" rIns="91425" bIns="91425" anchor="ctr" anchorCtr="0">
             <a:normAutofit/>
           </a:bodyPr>
           <a:lstStyle>
@@ -3635,7 +3732,7 @@
             </a:lvl9pPr>
           </a:lstStyle>
           <a:p>
-            <a:pPr indent="0" lvl="0" marL="0" rtl="0" algn="r">
+            <a:pPr marL="0" lvl="0" indent="0" algn="r" rtl="0">
               <a:spcBef>
                 <a:spcPts val="0"/>
               </a:spcBef>
@@ -3661,11 +3758,11 @@
 </file>
 
 <file path=ppt/slideLayouts/slideLayout6.xml><?xml version="1.0" encoding="utf-8"?>
-<p:sldLayout xmlns:a="http://schemas.openxmlformats.org/drawingml/2006/main" xmlns:r="http://schemas.openxmlformats.org/officeDocument/2006/relationships" xmlns:mc="http://schemas.openxmlformats.org/markup-compatibility/2006" xmlns:mv="urn:schemas-microsoft-com:mac:vml" xmlns:p="http://schemas.openxmlformats.org/presentationml/2006/main" xmlns:c="http://schemas.openxmlformats.org/drawingml/2006/chart" xmlns:dgm="http://schemas.openxmlformats.org/drawingml/2006/diagram" xmlns:o="urn:schemas-microsoft-com:office:office" xmlns:v="urn:schemas-microsoft-com:vml" xmlns:pvml="urn:schemas-microsoft-com:office:powerpoint" xmlns:com="http://schemas.openxmlformats.org/drawingml/2006/compatibility" xmlns:p14="http://schemas.microsoft.com/office/powerpoint/2010/main" xmlns:p15="http://schemas.microsoft.com/office/powerpoint/2012/main" xmlns:ahyp="http://schemas.microsoft.com/office/drawing/2018/hyperlinkcolor" matchingName="One column text">
+<p:sldLayout xmlns:a="http://schemas.openxmlformats.org/drawingml/2006/main" xmlns:r="http://schemas.openxmlformats.org/officeDocument/2006/relationships" xmlns:p="http://schemas.openxmlformats.org/presentationml/2006/main" matchingName="One column text">
   <p:cSld name="ONE_COLUMN_TEXT">
     <p:spTree>
       <p:nvGrpSpPr>
-        <p:cNvPr id="32" name="Shape 32"/>
+        <p:cNvPr id="1" name="Shape 32"/>
         <p:cNvGrpSpPr/>
         <p:nvPr/>
       </p:nvGrpSpPr>
@@ -3680,7 +3777,9 @@
       <p:sp>
         <p:nvSpPr>
           <p:cNvPr id="33" name="Google Shape;33;p7"/>
-          <p:cNvSpPr txBox="1"/>
+          <p:cNvSpPr txBox="1">
+            <a:spLocks noGrp="1"/>
+          </p:cNvSpPr>
           <p:nvPr>
             <p:ph type="title"/>
           </p:nvPr>
@@ -3695,7 +3794,7 @@
           </a:prstGeom>
         </p:spPr>
         <p:txBody>
-          <a:bodyPr anchorCtr="0" anchor="b" bIns="91425" lIns="91425" spcFirstLastPara="1" rIns="91425" wrap="square" tIns="91425">
+          <a:bodyPr spcFirstLastPara="1" wrap="square" lIns="91425" tIns="91425" rIns="91425" bIns="91425" anchor="b" anchorCtr="0">
             <a:normAutofit/>
           </a:bodyPr>
           <a:lstStyle>
@@ -3799,15 +3898,19 @@
               <a:defRPr sz="2400"/>
             </a:lvl9pPr>
           </a:lstStyle>
-          <a:p/>
+          <a:p>
+            <a:endParaRPr/>
+          </a:p>
         </p:txBody>
       </p:sp>
       <p:sp>
         <p:nvSpPr>
           <p:cNvPr id="34" name="Google Shape;34;p7"/>
-          <p:cNvSpPr txBox="1"/>
+          <p:cNvSpPr txBox="1">
+            <a:spLocks noGrp="1"/>
+          </p:cNvSpPr>
           <p:nvPr>
-            <p:ph idx="1" type="body"/>
+            <p:ph type="body" idx="1"/>
           </p:nvPr>
         </p:nvSpPr>
         <p:spPr>
@@ -3820,11 +3923,11 @@
           </a:prstGeom>
         </p:spPr>
         <p:txBody>
-          <a:bodyPr anchorCtr="0" anchor="t" bIns="91425" lIns="91425" spcFirstLastPara="1" rIns="91425" wrap="square" tIns="91425">
+          <a:bodyPr spcFirstLastPara="1" wrap="square" lIns="91425" tIns="91425" rIns="91425" bIns="91425" anchor="t" anchorCtr="0">
             <a:normAutofit/>
           </a:bodyPr>
           <a:lstStyle>
-            <a:lvl1pPr indent="-304800" lvl="0" marL="457200">
+            <a:lvl1pPr marL="457200" lvl="0" indent="-304800">
               <a:spcBef>
                 <a:spcPts val="0"/>
               </a:spcBef>
@@ -3835,7 +3938,7 @@
               <a:buChar char="●"/>
               <a:defRPr sz="1200"/>
             </a:lvl1pPr>
-            <a:lvl2pPr indent="-304800" lvl="1" marL="914400">
+            <a:lvl2pPr marL="914400" lvl="1" indent="-304800">
               <a:spcBef>
                 <a:spcPts val="0"/>
               </a:spcBef>
@@ -3846,7 +3949,7 @@
               <a:buChar char="○"/>
               <a:defRPr sz="1200"/>
             </a:lvl2pPr>
-            <a:lvl3pPr indent="-304800" lvl="2" marL="1371600">
+            <a:lvl3pPr marL="1371600" lvl="2" indent="-304800">
               <a:spcBef>
                 <a:spcPts val="0"/>
               </a:spcBef>
@@ -3857,7 +3960,7 @@
               <a:buChar char="■"/>
               <a:defRPr sz="1200"/>
             </a:lvl3pPr>
-            <a:lvl4pPr indent="-304800" lvl="3" marL="1828800">
+            <a:lvl4pPr marL="1828800" lvl="3" indent="-304800">
               <a:spcBef>
                 <a:spcPts val="0"/>
               </a:spcBef>
@@ -3868,7 +3971,7 @@
               <a:buChar char="●"/>
               <a:defRPr sz="1200"/>
             </a:lvl4pPr>
-            <a:lvl5pPr indent="-304800" lvl="4" marL="2286000">
+            <a:lvl5pPr marL="2286000" lvl="4" indent="-304800">
               <a:spcBef>
                 <a:spcPts val="0"/>
               </a:spcBef>
@@ -3879,7 +3982,7 @@
               <a:buChar char="○"/>
               <a:defRPr sz="1200"/>
             </a:lvl5pPr>
-            <a:lvl6pPr indent="-304800" lvl="5" marL="2743200">
+            <a:lvl6pPr marL="2743200" lvl="5" indent="-304800">
               <a:spcBef>
                 <a:spcPts val="0"/>
               </a:spcBef>
@@ -3890,7 +3993,7 @@
               <a:buChar char="■"/>
               <a:defRPr sz="1200"/>
             </a:lvl6pPr>
-            <a:lvl7pPr indent="-304800" lvl="6" marL="3200400">
+            <a:lvl7pPr marL="3200400" lvl="6" indent="-304800">
               <a:spcBef>
                 <a:spcPts val="0"/>
               </a:spcBef>
@@ -3901,7 +4004,7 @@
               <a:buChar char="●"/>
               <a:defRPr sz="1200"/>
             </a:lvl7pPr>
-            <a:lvl8pPr indent="-304800" lvl="7" marL="3657600">
+            <a:lvl8pPr marL="3657600" lvl="7" indent="-304800">
               <a:spcBef>
                 <a:spcPts val="0"/>
               </a:spcBef>
@@ -3912,7 +4015,7 @@
               <a:buChar char="○"/>
               <a:defRPr sz="1200"/>
             </a:lvl8pPr>
-            <a:lvl9pPr indent="-304800" lvl="8" marL="4114800">
+            <a:lvl9pPr marL="4114800" lvl="8" indent="-304800">
               <a:spcBef>
                 <a:spcPts val="0"/>
               </a:spcBef>
@@ -3924,15 +4027,19 @@
               <a:defRPr sz="1200"/>
             </a:lvl9pPr>
           </a:lstStyle>
-          <a:p/>
+          <a:p>
+            <a:endParaRPr/>
+          </a:p>
         </p:txBody>
       </p:sp>
       <p:sp>
         <p:nvSpPr>
           <p:cNvPr id="35" name="Google Shape;35;p7"/>
-          <p:cNvSpPr txBox="1"/>
+          <p:cNvSpPr txBox="1">
+            <a:spLocks noGrp="1"/>
+          </p:cNvSpPr>
           <p:nvPr>
-            <p:ph idx="12" type="sldNum"/>
+            <p:ph type="sldNum" idx="12"/>
           </p:nvPr>
         </p:nvSpPr>
         <p:spPr>
@@ -3945,7 +4052,7 @@
           </a:prstGeom>
         </p:spPr>
         <p:txBody>
-          <a:bodyPr anchorCtr="0" anchor="ctr" bIns="91425" lIns="91425" spcFirstLastPara="1" rIns="91425" wrap="square" tIns="91425">
+          <a:bodyPr spcFirstLastPara="1" wrap="square" lIns="91425" tIns="91425" rIns="91425" bIns="91425" anchor="ctr" anchorCtr="0">
             <a:normAutofit/>
           </a:bodyPr>
           <a:lstStyle>
@@ -3987,7 +4094,7 @@
             </a:lvl9pPr>
           </a:lstStyle>
           <a:p>
-            <a:pPr indent="0" lvl="0" marL="0" rtl="0" algn="r">
+            <a:pPr marL="0" lvl="0" indent="0" algn="r" rtl="0">
               <a:spcBef>
                 <a:spcPts val="0"/>
               </a:spcBef>
@@ -4013,18 +4120,19 @@
 </file>
 
 <file path=ppt/slideLayouts/slideLayout7.xml><?xml version="1.0" encoding="utf-8"?>
-<p:sldLayout xmlns:a="http://schemas.openxmlformats.org/drawingml/2006/main" xmlns:r="http://schemas.openxmlformats.org/officeDocument/2006/relationships" xmlns:mc="http://schemas.openxmlformats.org/markup-compatibility/2006" xmlns:mv="urn:schemas-microsoft-com:mac:vml" xmlns:p="http://schemas.openxmlformats.org/presentationml/2006/main" xmlns:c="http://schemas.openxmlformats.org/drawingml/2006/chart" xmlns:dgm="http://schemas.openxmlformats.org/drawingml/2006/diagram" xmlns:o="urn:schemas-microsoft-com:office:office" xmlns:v="urn:schemas-microsoft-com:vml" xmlns:pvml="urn:schemas-microsoft-com:office:powerpoint" xmlns:com="http://schemas.openxmlformats.org/drawingml/2006/compatibility" xmlns:p14="http://schemas.microsoft.com/office/powerpoint/2010/main" xmlns:p15="http://schemas.microsoft.com/office/powerpoint/2012/main" xmlns:ahyp="http://schemas.microsoft.com/office/drawing/2018/hyperlinkcolor" matchingName="Main point">
+<p:sldLayout xmlns:a="http://schemas.openxmlformats.org/drawingml/2006/main" xmlns:r="http://schemas.openxmlformats.org/officeDocument/2006/relationships" xmlns:p="http://schemas.openxmlformats.org/presentationml/2006/main" matchingName="Main point">
   <p:cSld name="MAIN_POINT">
     <p:bg>
       <p:bgPr>
         <a:solidFill>
           <a:schemeClr val="lt2"/>
         </a:solidFill>
+        <a:effectLst/>
       </p:bgPr>
     </p:bg>
     <p:spTree>
       <p:nvGrpSpPr>
-        <p:cNvPr id="36" name="Shape 36"/>
+        <p:cNvPr id="1" name="Shape 36"/>
         <p:cNvGrpSpPr/>
         <p:nvPr/>
       </p:nvGrpSpPr>
@@ -4039,7 +4147,9 @@
       <p:sp>
         <p:nvSpPr>
           <p:cNvPr id="37" name="Google Shape;37;p8"/>
-          <p:cNvSpPr txBox="1"/>
+          <p:cNvSpPr txBox="1">
+            <a:spLocks noGrp="1"/>
+          </p:cNvSpPr>
           <p:nvPr>
             <p:ph type="title"/>
           </p:nvPr>
@@ -4054,7 +4164,7 @@
           </a:prstGeom>
         </p:spPr>
         <p:txBody>
-          <a:bodyPr anchorCtr="0" anchor="ctr" bIns="91425" lIns="91425" spcFirstLastPara="1" rIns="91425" wrap="square" tIns="91425">
+          <a:bodyPr spcFirstLastPara="1" wrap="square" lIns="91425" tIns="91425" rIns="91425" bIns="91425" anchor="ctr" anchorCtr="0">
             <a:normAutofit/>
           </a:bodyPr>
           <a:lstStyle>
@@ -4221,15 +4331,19 @@
               </a:defRPr>
             </a:lvl9pPr>
           </a:lstStyle>
-          <a:p/>
+          <a:p>
+            <a:endParaRPr/>
+          </a:p>
         </p:txBody>
       </p:sp>
       <p:sp>
         <p:nvSpPr>
           <p:cNvPr id="38" name="Google Shape;38;p8"/>
-          <p:cNvSpPr txBox="1"/>
+          <p:cNvSpPr txBox="1">
+            <a:spLocks noGrp="1"/>
+          </p:cNvSpPr>
           <p:nvPr>
-            <p:ph idx="12" type="sldNum"/>
+            <p:ph type="sldNum" idx="12"/>
           </p:nvPr>
         </p:nvSpPr>
         <p:spPr>
@@ -4242,7 +4356,7 @@
           </a:prstGeom>
         </p:spPr>
         <p:txBody>
-          <a:bodyPr anchorCtr="0" anchor="ctr" bIns="91425" lIns="91425" spcFirstLastPara="1" rIns="91425" wrap="square" tIns="91425">
+          <a:bodyPr spcFirstLastPara="1" wrap="square" lIns="91425" tIns="91425" rIns="91425" bIns="91425" anchor="ctr" anchorCtr="0">
             <a:normAutofit/>
           </a:bodyPr>
           <a:lstStyle>
@@ -4320,7 +4434,7 @@
             </a:lvl9pPr>
           </a:lstStyle>
           <a:p>
-            <a:pPr indent="0" lvl="0" marL="0" rtl="0" algn="r">
+            <a:pPr marL="0" lvl="0" indent="0" algn="r" rtl="0">
               <a:spcBef>
                 <a:spcPts val="0"/>
               </a:spcBef>
@@ -4346,11 +4460,11 @@
 </file>
 
 <file path=ppt/slideLayouts/slideLayout8.xml><?xml version="1.0" encoding="utf-8"?>
-<p:sldLayout xmlns:a="http://schemas.openxmlformats.org/drawingml/2006/main" xmlns:r="http://schemas.openxmlformats.org/officeDocument/2006/relationships" xmlns:mc="http://schemas.openxmlformats.org/markup-compatibility/2006" xmlns:mv="urn:schemas-microsoft-com:mac:vml" xmlns:p="http://schemas.openxmlformats.org/presentationml/2006/main" xmlns:c="http://schemas.openxmlformats.org/drawingml/2006/chart" xmlns:dgm="http://schemas.openxmlformats.org/drawingml/2006/diagram" xmlns:o="urn:schemas-microsoft-com:office:office" xmlns:v="urn:schemas-microsoft-com:vml" xmlns:pvml="urn:schemas-microsoft-com:office:powerpoint" xmlns:com="http://schemas.openxmlformats.org/drawingml/2006/compatibility" xmlns:p14="http://schemas.microsoft.com/office/powerpoint/2010/main" xmlns:p15="http://schemas.microsoft.com/office/powerpoint/2012/main" xmlns:ahyp="http://schemas.microsoft.com/office/drawing/2018/hyperlinkcolor" matchingName="Section title and description">
+<p:sldLayout xmlns:a="http://schemas.openxmlformats.org/drawingml/2006/main" xmlns:r="http://schemas.openxmlformats.org/officeDocument/2006/relationships" xmlns:p="http://schemas.openxmlformats.org/presentationml/2006/main" matchingName="Section title and description">
   <p:cSld name="SECTION_TITLE_AND_DESCRIPTION">
     <p:spTree>
       <p:nvGrpSpPr>
-        <p:cNvPr id="39" name="Shape 39"/>
+        <p:cNvPr id="1" name="Shape 39"/>
         <p:cNvGrpSpPr/>
         <p:nvPr/>
       </p:nvGrpSpPr>
@@ -4384,12 +4498,12 @@
           </a:ln>
         </p:spPr>
         <p:txBody>
-          <a:bodyPr anchorCtr="0" anchor="ctr" bIns="91425" lIns="91425" spcFirstLastPara="1" rIns="91425" wrap="square" tIns="91425">
+          <a:bodyPr spcFirstLastPara="1" wrap="square" lIns="91425" tIns="91425" rIns="91425" bIns="91425" anchor="ctr" anchorCtr="0">
             <a:noAutofit/>
           </a:bodyPr>
           <a:lstStyle/>
           <a:p>
-            <a:pPr indent="0" lvl="0" marL="0" rtl="0" algn="l">
+            <a:pPr marL="0" lvl="0" indent="0" algn="l" rtl="0">
               <a:spcBef>
                 <a:spcPts val="0"/>
               </a:spcBef>
@@ -4398,9 +4512,6 @@
               </a:spcAft>
               <a:buNone/>
             </a:pPr>
-            <a:r>
-              <a:t/>
-            </a:r>
             <a:endParaRPr/>
           </a:p>
         </p:txBody>
@@ -4420,21 +4531,23 @@
             <a:avLst/>
           </a:prstGeom>
           <a:noFill/>
-          <a:ln cap="flat" cmpd="sng" w="19050">
+          <a:ln w="19050" cap="flat" cmpd="sng">
             <a:solidFill>
               <a:schemeClr val="lt1"/>
             </a:solidFill>
             <a:prstDash val="solid"/>
             <a:round/>
-            <a:headEnd len="sm" w="sm" type="none"/>
-            <a:tailEnd len="sm" w="sm" type="none"/>
+            <a:headEnd type="none" w="sm" len="sm"/>
+            <a:tailEnd type="none" w="sm" len="sm"/>
           </a:ln>
         </p:spPr>
       </p:cxnSp>
       <p:sp>
         <p:nvSpPr>
           <p:cNvPr id="42" name="Google Shape;42;p9"/>
-          <p:cNvSpPr txBox="1"/>
+          <p:cNvSpPr txBox="1">
+            <a:spLocks noGrp="1"/>
+          </p:cNvSpPr>
           <p:nvPr>
             <p:ph type="title"/>
           </p:nvPr>
@@ -4449,7 +4562,7 @@
           </a:prstGeom>
         </p:spPr>
         <p:txBody>
-          <a:bodyPr anchorCtr="0" anchor="b" bIns="91425" lIns="91425" spcFirstLastPara="1" rIns="91425" wrap="square" tIns="91425">
+          <a:bodyPr spcFirstLastPara="1" wrap="square" lIns="91425" tIns="91425" rIns="91425" bIns="91425" anchor="b" anchorCtr="0">
             <a:normAutofit/>
           </a:bodyPr>
           <a:lstStyle>
@@ -4553,15 +4666,19 @@
               <a:defRPr sz="4200"/>
             </a:lvl9pPr>
           </a:lstStyle>
-          <a:p/>
+          <a:p>
+            <a:endParaRPr/>
+          </a:p>
         </p:txBody>
       </p:sp>
       <p:sp>
         <p:nvSpPr>
           <p:cNvPr id="43" name="Google Shape;43;p9"/>
-          <p:cNvSpPr txBox="1"/>
+          <p:cNvSpPr txBox="1">
+            <a:spLocks noGrp="1"/>
+          </p:cNvSpPr>
           <p:nvPr>
-            <p:ph idx="1" type="subTitle"/>
+            <p:ph type="subTitle" idx="1"/>
           </p:nvPr>
         </p:nvSpPr>
         <p:spPr>
@@ -4574,7 +4691,7 @@
           </a:prstGeom>
         </p:spPr>
         <p:txBody>
-          <a:bodyPr anchorCtr="0" anchor="t" bIns="91425" lIns="91425" spcFirstLastPara="1" rIns="91425" wrap="square" tIns="91425">
+          <a:bodyPr spcFirstLastPara="1" wrap="square" lIns="91425" tIns="91425" rIns="91425" bIns="91425" anchor="t" anchorCtr="0">
             <a:normAutofit/>
           </a:bodyPr>
           <a:lstStyle>
@@ -4768,15 +4885,19 @@
               </a:defRPr>
             </a:lvl9pPr>
           </a:lstStyle>
-          <a:p/>
+          <a:p>
+            <a:endParaRPr/>
+          </a:p>
         </p:txBody>
       </p:sp>
       <p:sp>
         <p:nvSpPr>
           <p:cNvPr id="44" name="Google Shape;44;p9"/>
-          <p:cNvSpPr txBox="1"/>
+          <p:cNvSpPr txBox="1">
+            <a:spLocks noGrp="1"/>
+          </p:cNvSpPr>
           <p:nvPr>
-            <p:ph idx="2" type="body"/>
+            <p:ph type="body" idx="2"/>
           </p:nvPr>
         </p:nvSpPr>
         <p:spPr>
@@ -4789,11 +4910,11 @@
           </a:prstGeom>
         </p:spPr>
         <p:txBody>
-          <a:bodyPr anchorCtr="0" anchor="ctr" bIns="91425" lIns="91425" spcFirstLastPara="1" rIns="91425" wrap="square" tIns="91425">
+          <a:bodyPr spcFirstLastPara="1" wrap="square" lIns="91425" tIns="91425" rIns="91425" bIns="91425" anchor="ctr" anchorCtr="0">
             <a:normAutofit/>
           </a:bodyPr>
           <a:lstStyle>
-            <a:lvl1pPr indent="-342900" lvl="0" marL="457200">
+            <a:lvl1pPr marL="457200" lvl="0" indent="-342900">
               <a:spcBef>
                 <a:spcPts val="0"/>
               </a:spcBef>
@@ -4811,7 +4932,7 @@
                 </a:solidFill>
               </a:defRPr>
             </a:lvl1pPr>
-            <a:lvl2pPr indent="-317500" lvl="1" marL="914400">
+            <a:lvl2pPr marL="914400" lvl="1" indent="-317500">
               <a:spcBef>
                 <a:spcPts val="0"/>
               </a:spcBef>
@@ -4829,7 +4950,7 @@
                 </a:solidFill>
               </a:defRPr>
             </a:lvl2pPr>
-            <a:lvl3pPr indent="-317500" lvl="2" marL="1371600">
+            <a:lvl3pPr marL="1371600" lvl="2" indent="-317500">
               <a:spcBef>
                 <a:spcPts val="0"/>
               </a:spcBef>
@@ -4847,7 +4968,7 @@
                 </a:solidFill>
               </a:defRPr>
             </a:lvl3pPr>
-            <a:lvl4pPr indent="-317500" lvl="3" marL="1828800">
+            <a:lvl4pPr marL="1828800" lvl="3" indent="-317500">
               <a:spcBef>
                 <a:spcPts val="0"/>
               </a:spcBef>
@@ -4865,7 +4986,7 @@
                 </a:solidFill>
               </a:defRPr>
             </a:lvl4pPr>
-            <a:lvl5pPr indent="-317500" lvl="4" marL="2286000">
+            <a:lvl5pPr marL="2286000" lvl="4" indent="-317500">
               <a:spcBef>
                 <a:spcPts val="0"/>
               </a:spcBef>
@@ -4883,7 +5004,7 @@
                 </a:solidFill>
               </a:defRPr>
             </a:lvl5pPr>
-            <a:lvl6pPr indent="-317500" lvl="5" marL="2743200">
+            <a:lvl6pPr marL="2743200" lvl="5" indent="-317500">
               <a:spcBef>
                 <a:spcPts val="0"/>
               </a:spcBef>
@@ -4901,7 +5022,7 @@
                 </a:solidFill>
               </a:defRPr>
             </a:lvl6pPr>
-            <a:lvl7pPr indent="-317500" lvl="6" marL="3200400">
+            <a:lvl7pPr marL="3200400" lvl="6" indent="-317500">
               <a:spcBef>
                 <a:spcPts val="0"/>
               </a:spcBef>
@@ -4919,7 +5040,7 @@
                 </a:solidFill>
               </a:defRPr>
             </a:lvl7pPr>
-            <a:lvl8pPr indent="-317500" lvl="7" marL="3657600">
+            <a:lvl8pPr marL="3657600" lvl="7" indent="-317500">
               <a:spcBef>
                 <a:spcPts val="0"/>
               </a:spcBef>
@@ -4937,7 +5058,7 @@
                 </a:solidFill>
               </a:defRPr>
             </a:lvl8pPr>
-            <a:lvl9pPr indent="-317500" lvl="8" marL="4114800">
+            <a:lvl9pPr marL="4114800" lvl="8" indent="-317500">
               <a:spcBef>
                 <a:spcPts val="0"/>
               </a:spcBef>
@@ -4956,15 +5077,19 @@
               </a:defRPr>
             </a:lvl9pPr>
           </a:lstStyle>
-          <a:p/>
+          <a:p>
+            <a:endParaRPr/>
+          </a:p>
         </p:txBody>
       </p:sp>
       <p:sp>
         <p:nvSpPr>
           <p:cNvPr id="45" name="Google Shape;45;p9"/>
-          <p:cNvSpPr txBox="1"/>
+          <p:cNvSpPr txBox="1">
+            <a:spLocks noGrp="1"/>
+          </p:cNvSpPr>
           <p:nvPr>
-            <p:ph idx="12" type="sldNum"/>
+            <p:ph type="sldNum" idx="12"/>
           </p:nvPr>
         </p:nvSpPr>
         <p:spPr>
@@ -4977,7 +5102,7 @@
           </a:prstGeom>
         </p:spPr>
         <p:txBody>
-          <a:bodyPr anchorCtr="0" anchor="ctr" bIns="91425" lIns="91425" spcFirstLastPara="1" rIns="91425" wrap="square" tIns="91425">
+          <a:bodyPr spcFirstLastPara="1" wrap="square" lIns="91425" tIns="91425" rIns="91425" bIns="91425" anchor="ctr" anchorCtr="0">
             <a:normAutofit/>
           </a:bodyPr>
           <a:lstStyle>
@@ -5055,7 +5180,7 @@
             </a:lvl9pPr>
           </a:lstStyle>
           <a:p>
-            <a:pPr indent="0" lvl="0" marL="0" rtl="0" algn="r">
+            <a:pPr marL="0" lvl="0" indent="0" algn="r" rtl="0">
               <a:spcBef>
                 <a:spcPts val="0"/>
               </a:spcBef>
@@ -5081,11 +5206,11 @@
 </file>
 
 <file path=ppt/slideLayouts/slideLayout9.xml><?xml version="1.0" encoding="utf-8"?>
-<p:sldLayout xmlns:a="http://schemas.openxmlformats.org/drawingml/2006/main" xmlns:r="http://schemas.openxmlformats.org/officeDocument/2006/relationships" xmlns:mc="http://schemas.openxmlformats.org/markup-compatibility/2006" xmlns:mv="urn:schemas-microsoft-com:mac:vml" xmlns:p="http://schemas.openxmlformats.org/presentationml/2006/main" xmlns:c="http://schemas.openxmlformats.org/drawingml/2006/chart" xmlns:dgm="http://schemas.openxmlformats.org/drawingml/2006/diagram" xmlns:o="urn:schemas-microsoft-com:office:office" xmlns:v="urn:schemas-microsoft-com:vml" xmlns:pvml="urn:schemas-microsoft-com:office:powerpoint" xmlns:com="http://schemas.openxmlformats.org/drawingml/2006/compatibility" xmlns:p14="http://schemas.microsoft.com/office/powerpoint/2010/main" xmlns:p15="http://schemas.microsoft.com/office/powerpoint/2012/main" xmlns:ahyp="http://schemas.microsoft.com/office/drawing/2018/hyperlinkcolor" matchingName="Caption">
+<p:sldLayout xmlns:a="http://schemas.openxmlformats.org/drawingml/2006/main" xmlns:r="http://schemas.openxmlformats.org/officeDocument/2006/relationships" xmlns:p="http://schemas.openxmlformats.org/presentationml/2006/main" matchingName="Caption">
   <p:cSld name="CAPTION_ONLY">
     <p:spTree>
       <p:nvGrpSpPr>
-        <p:cNvPr id="46" name="Shape 46"/>
+        <p:cNvPr id="1" name="Shape 46"/>
         <p:cNvGrpSpPr/>
         <p:nvPr/>
       </p:nvGrpSpPr>
@@ -5100,9 +5225,11 @@
       <p:sp>
         <p:nvSpPr>
           <p:cNvPr id="47" name="Google Shape;47;p10"/>
-          <p:cNvSpPr txBox="1"/>
+          <p:cNvSpPr txBox="1">
+            <a:spLocks noGrp="1"/>
+          </p:cNvSpPr>
           <p:nvPr>
-            <p:ph idx="1" type="body"/>
+            <p:ph type="body" idx="1"/>
           </p:nvPr>
         </p:nvSpPr>
         <p:spPr>
@@ -5115,11 +5242,11 @@
           </a:prstGeom>
         </p:spPr>
         <p:txBody>
-          <a:bodyPr anchorCtr="0" anchor="ctr" bIns="91425" lIns="91425" spcFirstLastPara="1" rIns="91425" wrap="square" tIns="91425">
+          <a:bodyPr spcFirstLastPara="1" wrap="square" lIns="91425" tIns="91425" rIns="91425" bIns="91425" anchor="ctr" anchorCtr="0">
             <a:normAutofit/>
           </a:bodyPr>
           <a:lstStyle>
-            <a:lvl1pPr indent="-228600" lvl="0" marL="457200">
+            <a:lvl1pPr marL="457200" lvl="0" indent="-228600">
               <a:lnSpc>
                 <a:spcPct val="100000"/>
               </a:lnSpc>
@@ -5146,15 +5273,19 @@
               </a:defRPr>
             </a:lvl1pPr>
           </a:lstStyle>
-          <a:p/>
+          <a:p>
+            <a:endParaRPr/>
+          </a:p>
         </p:txBody>
       </p:sp>
       <p:sp>
         <p:nvSpPr>
           <p:cNvPr id="48" name="Google Shape;48;p10"/>
-          <p:cNvSpPr txBox="1"/>
+          <p:cNvSpPr txBox="1">
+            <a:spLocks noGrp="1"/>
+          </p:cNvSpPr>
           <p:nvPr>
-            <p:ph idx="12" type="sldNum"/>
+            <p:ph type="sldNum" idx="12"/>
           </p:nvPr>
         </p:nvSpPr>
         <p:spPr>
@@ -5167,7 +5298,7 @@
           </a:prstGeom>
         </p:spPr>
         <p:txBody>
-          <a:bodyPr anchorCtr="0" anchor="ctr" bIns="91425" lIns="91425" spcFirstLastPara="1" rIns="91425" wrap="square" tIns="91425">
+          <a:bodyPr spcFirstLastPara="1" wrap="square" lIns="91425" tIns="91425" rIns="91425" bIns="91425" anchor="ctr" anchorCtr="0">
             <a:normAutofit/>
           </a:bodyPr>
           <a:lstStyle>
@@ -5209,7 +5340,7 @@
             </a:lvl9pPr>
           </a:lstStyle>
           <a:p>
-            <a:pPr indent="0" lvl="0" marL="0" rtl="0" algn="r">
+            <a:pPr marL="0" lvl="0" indent="0" algn="r" rtl="0">
               <a:spcBef>
                 <a:spcPts val="0"/>
               </a:spcBef>
@@ -5235,18 +5366,19 @@
 </file>
 
 <file path=ppt/slideMasters/slideMaster1.xml><?xml version="1.0" encoding="utf-8"?>
-<p:sldMaster xmlns:a="http://schemas.openxmlformats.org/drawingml/2006/main" xmlns:r="http://schemas.openxmlformats.org/officeDocument/2006/relationships" xmlns:mc="http://schemas.openxmlformats.org/markup-compatibility/2006" xmlns:mv="urn:schemas-microsoft-com:mac:vml" xmlns:p="http://schemas.openxmlformats.org/presentationml/2006/main" xmlns:c="http://schemas.openxmlformats.org/drawingml/2006/chart" xmlns:dgm="http://schemas.openxmlformats.org/drawingml/2006/diagram" xmlns:o="urn:schemas-microsoft-com:office:office" xmlns:v="urn:schemas-microsoft-com:vml" xmlns:pvml="urn:schemas-microsoft-com:office:powerpoint" xmlns:com="http://schemas.openxmlformats.org/drawingml/2006/compatibility" xmlns:p14="http://schemas.microsoft.com/office/powerpoint/2010/main" xmlns:p15="http://schemas.microsoft.com/office/powerpoint/2012/main" xmlns:ahyp="http://schemas.microsoft.com/office/drawing/2018/hyperlinkcolor">
+<p:sldMaster xmlns:a="http://schemas.openxmlformats.org/drawingml/2006/main" xmlns:r="http://schemas.openxmlformats.org/officeDocument/2006/relationships" xmlns:p="http://schemas.openxmlformats.org/presentationml/2006/main">
   <p:cSld name="slate">
     <p:bg>
       <p:bgPr>
         <a:solidFill>
           <a:schemeClr val="lt1"/>
         </a:solidFill>
+        <a:effectLst/>
       </p:bgPr>
     </p:bg>
     <p:spTree>
       <p:nvGrpSpPr>
-        <p:cNvPr id="5" name="Shape 5"/>
+        <p:cNvPr id="1" name="Shape 5"/>
         <p:cNvGrpSpPr/>
         <p:nvPr/>
       </p:nvGrpSpPr>
@@ -5261,7 +5393,9 @@
       <p:sp>
         <p:nvSpPr>
           <p:cNvPr id="6" name="Google Shape;6;p1"/>
-          <p:cNvSpPr txBox="1"/>
+          <p:cNvSpPr txBox="1">
+            <a:spLocks noGrp="1"/>
+          </p:cNvSpPr>
           <p:nvPr>
             <p:ph type="title"/>
           </p:nvPr>
@@ -5280,7 +5414,7 @@
           </a:ln>
         </p:spPr>
         <p:txBody>
-          <a:bodyPr anchorCtr="0" anchor="t" bIns="91425" lIns="91425" spcFirstLastPara="1" rIns="91425" wrap="square" tIns="91425">
+          <a:bodyPr spcFirstLastPara="1" wrap="square" lIns="91425" tIns="91425" rIns="91425" bIns="91425" anchor="t" anchorCtr="0">
             <a:normAutofit/>
           </a:bodyPr>
           <a:lstStyle>
@@ -5492,15 +5626,19 @@
               </a:defRPr>
             </a:lvl9pPr>
           </a:lstStyle>
-          <a:p/>
+          <a:p>
+            <a:endParaRPr/>
+          </a:p>
         </p:txBody>
       </p:sp>
       <p:sp>
         <p:nvSpPr>
           <p:cNvPr id="7" name="Google Shape;7;p1"/>
-          <p:cNvSpPr txBox="1"/>
+          <p:cNvSpPr txBox="1">
+            <a:spLocks noGrp="1"/>
+          </p:cNvSpPr>
           <p:nvPr>
-            <p:ph idx="1" type="body"/>
+            <p:ph type="body" idx="1"/>
           </p:nvPr>
         </p:nvSpPr>
         <p:spPr>
@@ -5517,11 +5655,11 @@
           </a:ln>
         </p:spPr>
         <p:txBody>
-          <a:bodyPr anchorCtr="0" anchor="t" bIns="91425" lIns="91425" spcFirstLastPara="1" rIns="91425" wrap="square" tIns="91425">
+          <a:bodyPr spcFirstLastPara="1" wrap="square" lIns="91425" tIns="91425" rIns="91425" bIns="91425" anchor="t" anchorCtr="0">
             <a:normAutofit/>
           </a:bodyPr>
           <a:lstStyle>
-            <a:lvl1pPr indent="-342900" lvl="0" marL="457200">
+            <a:lvl1pPr marL="457200" lvl="0" indent="-342900">
               <a:lnSpc>
                 <a:spcPct val="115000"/>
               </a:lnSpc>
@@ -5547,7 +5685,7 @@
                 <a:sym typeface="Average"/>
               </a:defRPr>
             </a:lvl1pPr>
-            <a:lvl2pPr indent="-317500" lvl="1" marL="914400">
+            <a:lvl2pPr marL="914400" lvl="1" indent="-317500">
               <a:lnSpc>
                 <a:spcPct val="115000"/>
               </a:lnSpc>
@@ -5573,7 +5711,7 @@
                 <a:sym typeface="Average"/>
               </a:defRPr>
             </a:lvl2pPr>
-            <a:lvl3pPr indent="-317500" lvl="2" marL="1371600">
+            <a:lvl3pPr marL="1371600" lvl="2" indent="-317500">
               <a:lnSpc>
                 <a:spcPct val="115000"/>
               </a:lnSpc>
@@ -5599,7 +5737,7 @@
                 <a:sym typeface="Average"/>
               </a:defRPr>
             </a:lvl3pPr>
-            <a:lvl4pPr indent="-317500" lvl="3" marL="1828800">
+            <a:lvl4pPr marL="1828800" lvl="3" indent="-317500">
               <a:lnSpc>
                 <a:spcPct val="115000"/>
               </a:lnSpc>
@@ -5625,7 +5763,7 @@
                 <a:sym typeface="Average"/>
               </a:defRPr>
             </a:lvl4pPr>
-            <a:lvl5pPr indent="-317500" lvl="4" marL="2286000">
+            <a:lvl5pPr marL="2286000" lvl="4" indent="-317500">
               <a:lnSpc>
                 <a:spcPct val="115000"/>
               </a:lnSpc>
@@ -5651,7 +5789,7 @@
                 <a:sym typeface="Average"/>
               </a:defRPr>
             </a:lvl5pPr>
-            <a:lvl6pPr indent="-317500" lvl="5" marL="2743200">
+            <a:lvl6pPr marL="2743200" lvl="5" indent="-317500">
               <a:lnSpc>
                 <a:spcPct val="115000"/>
               </a:lnSpc>
@@ -5677,7 +5815,7 @@
                 <a:sym typeface="Average"/>
               </a:defRPr>
             </a:lvl6pPr>
-            <a:lvl7pPr indent="-317500" lvl="6" marL="3200400">
+            <a:lvl7pPr marL="3200400" lvl="6" indent="-317500">
               <a:lnSpc>
                 <a:spcPct val="115000"/>
               </a:lnSpc>
@@ -5703,7 +5841,7 @@
                 <a:sym typeface="Average"/>
               </a:defRPr>
             </a:lvl7pPr>
-            <a:lvl8pPr indent="-317500" lvl="7" marL="3657600">
+            <a:lvl8pPr marL="3657600" lvl="7" indent="-317500">
               <a:lnSpc>
                 <a:spcPct val="115000"/>
               </a:lnSpc>
@@ -5729,7 +5867,7 @@
                 <a:sym typeface="Average"/>
               </a:defRPr>
             </a:lvl8pPr>
-            <a:lvl9pPr indent="-317500" lvl="8" marL="4114800">
+            <a:lvl9pPr marL="4114800" lvl="8" indent="-317500">
               <a:lnSpc>
                 <a:spcPct val="115000"/>
               </a:lnSpc>
@@ -5756,15 +5894,19 @@
               </a:defRPr>
             </a:lvl9pPr>
           </a:lstStyle>
-          <a:p/>
+          <a:p>
+            <a:endParaRPr/>
+          </a:p>
         </p:txBody>
       </p:sp>
       <p:sp>
         <p:nvSpPr>
           <p:cNvPr id="8" name="Google Shape;8;p1"/>
-          <p:cNvSpPr txBox="1"/>
+          <p:cNvSpPr txBox="1">
+            <a:spLocks noGrp="1"/>
+          </p:cNvSpPr>
           <p:nvPr>
-            <p:ph idx="12" type="sldNum"/>
+            <p:ph type="sldNum" idx="12"/>
           </p:nvPr>
         </p:nvSpPr>
         <p:spPr>
@@ -5781,7 +5923,7 @@
           </a:ln>
         </p:spPr>
         <p:txBody>
-          <a:bodyPr anchorCtr="0" anchor="ctr" bIns="91425" lIns="91425" spcFirstLastPara="1" rIns="91425" wrap="square" tIns="91425">
+          <a:bodyPr spcFirstLastPara="1" wrap="square" lIns="91425" tIns="91425" rIns="91425" bIns="91425" anchor="ctr" anchorCtr="0">
             <a:normAutofit/>
           </a:bodyPr>
           <a:lstStyle>
@@ -5895,7 +6037,7 @@
             </a:lvl9pPr>
           </a:lstStyle>
           <a:p>
-            <a:pPr indent="0" lvl="0" marL="0" rtl="0" algn="r">
+            <a:pPr marL="0" lvl="0" indent="0" algn="r" rtl="0">
               <a:spcBef>
                 <a:spcPts val="0"/>
               </a:spcBef>
@@ -5914,7 +6056,7 @@
       </p:sp>
     </p:spTree>
   </p:cSld>
-  <p:clrMap accent1="accent1" accent2="accent2" accent3="accent3" accent4="accent4" accent5="accent5" accent6="accent6" bg1="lt1" bg2="dk2" tx1="dk1" tx2="lt2" folHlink="folHlink" hlink="hlink"/>
+  <p:clrMap bg1="lt1" tx1="dk1" bg2="dk2" tx2="lt2" accent1="accent1" accent2="accent2" accent3="accent3" accent4="accent4" accent5="accent5" accent6="accent6" hlink="hlink" folHlink="folHlink"/>
   <p:sldLayoutIdLst>
     <p:sldLayoutId id="2147483648" r:id="rId1"/>
     <p:sldLayoutId id="2147483649" r:id="rId2"/>
@@ -5928,10 +6070,10 @@
     <p:sldLayoutId id="2147483657" r:id="rId10"/>
     <p:sldLayoutId id="2147483658" r:id="rId11"/>
   </p:sldLayoutIdLst>
-  <p:hf dt="0" ftr="0" hdr="0" sldNum="0"/>
+  <p:hf sldNum="0" hdr="0" ftr="0" dt="0"/>
   <p:txStyles>
     <p:titleStyle>
-      <a:defPPr lvl="0" marR="0" rtl="0" algn="l">
+      <a:defPPr marR="0" lvl="0" algn="l" rtl="0">
         <a:lnSpc>
           <a:spcPct val="100000"/>
         </a:lnSpc>
@@ -5942,7 +6084,7 @@
           <a:spcPts val="0"/>
         </a:spcAft>
       </a:defPPr>
-      <a:lvl1pPr lvl="0" marR="0" rtl="0" algn="l">
+      <a:lvl1pPr marR="0" lvl="0" algn="l" rtl="0">
         <a:lnSpc>
           <a:spcPct val="100000"/>
         </a:lnSpc>
@@ -5956,7 +6098,7 @@
           <a:srgbClr val="000000"/>
         </a:buClr>
         <a:buFont typeface="Arial"/>
-        <a:defRPr b="0" i="0" sz="1400" u="none" cap="none" strike="noStrike">
+        <a:defRPr sz="1400" b="0" i="0" u="none" strike="noStrike" cap="none">
           <a:solidFill>
             <a:srgbClr val="000000"/>
           </a:solidFill>
@@ -5966,7 +6108,7 @@
           <a:sym typeface="Arial"/>
         </a:defRPr>
       </a:lvl1pPr>
-      <a:lvl2pPr lvl="1" marR="0" rtl="0" algn="l">
+      <a:lvl2pPr marR="0" lvl="1" algn="l" rtl="0">
         <a:lnSpc>
           <a:spcPct val="100000"/>
         </a:lnSpc>
@@ -5980,7 +6122,7 @@
           <a:srgbClr val="000000"/>
         </a:buClr>
         <a:buFont typeface="Arial"/>
-        <a:defRPr b="0" i="0" sz="1400" u="none" cap="none" strike="noStrike">
+        <a:defRPr sz="1400" b="0" i="0" u="none" strike="noStrike" cap="none">
           <a:solidFill>
             <a:srgbClr val="000000"/>
           </a:solidFill>
@@ -5990,7 +6132,7 @@
           <a:sym typeface="Arial"/>
         </a:defRPr>
       </a:lvl2pPr>
-      <a:lvl3pPr lvl="2" marR="0" rtl="0" algn="l">
+      <a:lvl3pPr marR="0" lvl="2" algn="l" rtl="0">
         <a:lnSpc>
           <a:spcPct val="100000"/>
         </a:lnSpc>
@@ -6004,7 +6146,7 @@
           <a:srgbClr val="000000"/>
         </a:buClr>
         <a:buFont typeface="Arial"/>
-        <a:defRPr b="0" i="0" sz="1400" u="none" cap="none" strike="noStrike">
+        <a:defRPr sz="1400" b="0" i="0" u="none" strike="noStrike" cap="none">
           <a:solidFill>
             <a:srgbClr val="000000"/>
           </a:solidFill>
@@ -6014,7 +6156,7 @@
           <a:sym typeface="Arial"/>
         </a:defRPr>
       </a:lvl3pPr>
-      <a:lvl4pPr lvl="3" marR="0" rtl="0" algn="l">
+      <a:lvl4pPr marR="0" lvl="3" algn="l" rtl="0">
         <a:lnSpc>
           <a:spcPct val="100000"/>
         </a:lnSpc>
@@ -6028,7 +6170,7 @@
           <a:srgbClr val="000000"/>
         </a:buClr>
         <a:buFont typeface="Arial"/>
-        <a:defRPr b="0" i="0" sz="1400" u="none" cap="none" strike="noStrike">
+        <a:defRPr sz="1400" b="0" i="0" u="none" strike="noStrike" cap="none">
           <a:solidFill>
             <a:srgbClr val="000000"/>
           </a:solidFill>
@@ -6038,7 +6180,7 @@
           <a:sym typeface="Arial"/>
         </a:defRPr>
       </a:lvl4pPr>
-      <a:lvl5pPr lvl="4" marR="0" rtl="0" algn="l">
+      <a:lvl5pPr marR="0" lvl="4" algn="l" rtl="0">
         <a:lnSpc>
           <a:spcPct val="100000"/>
         </a:lnSpc>
@@ -6052,7 +6194,7 @@
           <a:srgbClr val="000000"/>
         </a:buClr>
         <a:buFont typeface="Arial"/>
-        <a:defRPr b="0" i="0" sz="1400" u="none" cap="none" strike="noStrike">
+        <a:defRPr sz="1400" b="0" i="0" u="none" strike="noStrike" cap="none">
           <a:solidFill>
             <a:srgbClr val="000000"/>
           </a:solidFill>
@@ -6062,7 +6204,7 @@
           <a:sym typeface="Arial"/>
         </a:defRPr>
       </a:lvl5pPr>
-      <a:lvl6pPr lvl="5" marR="0" rtl="0" algn="l">
+      <a:lvl6pPr marR="0" lvl="5" algn="l" rtl="0">
         <a:lnSpc>
           <a:spcPct val="100000"/>
         </a:lnSpc>
@@ -6076,7 +6218,7 @@
           <a:srgbClr val="000000"/>
         </a:buClr>
         <a:buFont typeface="Arial"/>
-        <a:defRPr b="0" i="0" sz="1400" u="none" cap="none" strike="noStrike">
+        <a:defRPr sz="1400" b="0" i="0" u="none" strike="noStrike" cap="none">
           <a:solidFill>
             <a:srgbClr val="000000"/>
           </a:solidFill>
@@ -6086,7 +6228,7 @@
           <a:sym typeface="Arial"/>
         </a:defRPr>
       </a:lvl6pPr>
-      <a:lvl7pPr lvl="6" marR="0" rtl="0" algn="l">
+      <a:lvl7pPr marR="0" lvl="6" algn="l" rtl="0">
         <a:lnSpc>
           <a:spcPct val="100000"/>
         </a:lnSpc>
@@ -6100,7 +6242,7 @@
           <a:srgbClr val="000000"/>
         </a:buClr>
         <a:buFont typeface="Arial"/>
-        <a:defRPr b="0" i="0" sz="1400" u="none" cap="none" strike="noStrike">
+        <a:defRPr sz="1400" b="0" i="0" u="none" strike="noStrike" cap="none">
           <a:solidFill>
             <a:srgbClr val="000000"/>
           </a:solidFill>
@@ -6110,7 +6252,7 @@
           <a:sym typeface="Arial"/>
         </a:defRPr>
       </a:lvl7pPr>
-      <a:lvl8pPr lvl="7" marR="0" rtl="0" algn="l">
+      <a:lvl8pPr marR="0" lvl="7" algn="l" rtl="0">
         <a:lnSpc>
           <a:spcPct val="100000"/>
         </a:lnSpc>
@@ -6124,7 +6266,7 @@
           <a:srgbClr val="000000"/>
         </a:buClr>
         <a:buFont typeface="Arial"/>
-        <a:defRPr b="0" i="0" sz="1400" u="none" cap="none" strike="noStrike">
+        <a:defRPr sz="1400" b="0" i="0" u="none" strike="noStrike" cap="none">
           <a:solidFill>
             <a:srgbClr val="000000"/>
           </a:solidFill>
@@ -6134,7 +6276,7 @@
           <a:sym typeface="Arial"/>
         </a:defRPr>
       </a:lvl8pPr>
-      <a:lvl9pPr lvl="8" marR="0" rtl="0" algn="l">
+      <a:lvl9pPr marR="0" lvl="8" algn="l" rtl="0">
         <a:lnSpc>
           <a:spcPct val="100000"/>
         </a:lnSpc>
@@ -6148,7 +6290,7 @@
           <a:srgbClr val="000000"/>
         </a:buClr>
         <a:buFont typeface="Arial"/>
-        <a:defRPr b="0" i="0" sz="1400" u="none" cap="none" strike="noStrike">
+        <a:defRPr sz="1400" b="0" i="0" u="none" strike="noStrike" cap="none">
           <a:solidFill>
             <a:srgbClr val="000000"/>
           </a:solidFill>
@@ -6160,7 +6302,7 @@
       </a:lvl9pPr>
     </p:titleStyle>
     <p:bodyStyle>
-      <a:defPPr lvl="0" marR="0" rtl="0" algn="l">
+      <a:defPPr marR="0" lvl="0" algn="l" rtl="0">
         <a:lnSpc>
           <a:spcPct val="100000"/>
         </a:lnSpc>
@@ -6171,7 +6313,7 @@
           <a:spcPts val="0"/>
         </a:spcAft>
       </a:defPPr>
-      <a:lvl1pPr lvl="0" marR="0" rtl="0" algn="l">
+      <a:lvl1pPr marR="0" lvl="0" algn="l" rtl="0">
         <a:lnSpc>
           <a:spcPct val="100000"/>
         </a:lnSpc>
@@ -6185,7 +6327,7 @@
           <a:srgbClr val="000000"/>
         </a:buClr>
         <a:buFont typeface="Arial"/>
-        <a:defRPr b="0" i="0" sz="1400" u="none" cap="none" strike="noStrike">
+        <a:defRPr sz="1400" b="0" i="0" u="none" strike="noStrike" cap="none">
           <a:solidFill>
             <a:srgbClr val="000000"/>
           </a:solidFill>
@@ -6195,7 +6337,7 @@
           <a:sym typeface="Arial"/>
         </a:defRPr>
       </a:lvl1pPr>
-      <a:lvl2pPr lvl="1" marR="0" rtl="0" algn="l">
+      <a:lvl2pPr marR="0" lvl="1" algn="l" rtl="0">
         <a:lnSpc>
           <a:spcPct val="100000"/>
         </a:lnSpc>
@@ -6209,7 +6351,7 @@
           <a:srgbClr val="000000"/>
         </a:buClr>
         <a:buFont typeface="Arial"/>
-        <a:defRPr b="0" i="0" sz="1400" u="none" cap="none" strike="noStrike">
+        <a:defRPr sz="1400" b="0" i="0" u="none" strike="noStrike" cap="none">
           <a:solidFill>
             <a:srgbClr val="000000"/>
           </a:solidFill>
@@ -6219,7 +6361,7 @@
           <a:sym typeface="Arial"/>
         </a:defRPr>
       </a:lvl2pPr>
-      <a:lvl3pPr lvl="2" marR="0" rtl="0" algn="l">
+      <a:lvl3pPr marR="0" lvl="2" algn="l" rtl="0">
         <a:lnSpc>
           <a:spcPct val="100000"/>
         </a:lnSpc>
@@ -6233,7 +6375,7 @@
           <a:srgbClr val="000000"/>
         </a:buClr>
         <a:buFont typeface="Arial"/>
-        <a:defRPr b="0" i="0" sz="1400" u="none" cap="none" strike="noStrike">
+        <a:defRPr sz="1400" b="0" i="0" u="none" strike="noStrike" cap="none">
           <a:solidFill>
             <a:srgbClr val="000000"/>
           </a:solidFill>
@@ -6243,7 +6385,7 @@
           <a:sym typeface="Arial"/>
         </a:defRPr>
       </a:lvl3pPr>
-      <a:lvl4pPr lvl="3" marR="0" rtl="0" algn="l">
+      <a:lvl4pPr marR="0" lvl="3" algn="l" rtl="0">
         <a:lnSpc>
           <a:spcPct val="100000"/>
         </a:lnSpc>
@@ -6257,7 +6399,7 @@
           <a:srgbClr val="000000"/>
         </a:buClr>
         <a:buFont typeface="Arial"/>
-        <a:defRPr b="0" i="0" sz="1400" u="none" cap="none" strike="noStrike">
+        <a:defRPr sz="1400" b="0" i="0" u="none" strike="noStrike" cap="none">
           <a:solidFill>
             <a:srgbClr val="000000"/>
           </a:solidFill>
@@ -6267,7 +6409,7 @@
           <a:sym typeface="Arial"/>
         </a:defRPr>
       </a:lvl4pPr>
-      <a:lvl5pPr lvl="4" marR="0" rtl="0" algn="l">
+      <a:lvl5pPr marR="0" lvl="4" algn="l" rtl="0">
         <a:lnSpc>
           <a:spcPct val="100000"/>
         </a:lnSpc>
@@ -6281,7 +6423,7 @@
           <a:srgbClr val="000000"/>
         </a:buClr>
         <a:buFont typeface="Arial"/>
-        <a:defRPr b="0" i="0" sz="1400" u="none" cap="none" strike="noStrike">
+        <a:defRPr sz="1400" b="0" i="0" u="none" strike="noStrike" cap="none">
           <a:solidFill>
             <a:srgbClr val="000000"/>
           </a:solidFill>
@@ -6291,7 +6433,7 @@
           <a:sym typeface="Arial"/>
         </a:defRPr>
       </a:lvl5pPr>
-      <a:lvl6pPr lvl="5" marR="0" rtl="0" algn="l">
+      <a:lvl6pPr marR="0" lvl="5" algn="l" rtl="0">
         <a:lnSpc>
           <a:spcPct val="100000"/>
         </a:lnSpc>
@@ -6305,7 +6447,7 @@
           <a:srgbClr val="000000"/>
         </a:buClr>
         <a:buFont typeface="Arial"/>
-        <a:defRPr b="0" i="0" sz="1400" u="none" cap="none" strike="noStrike">
+        <a:defRPr sz="1400" b="0" i="0" u="none" strike="noStrike" cap="none">
           <a:solidFill>
             <a:srgbClr val="000000"/>
           </a:solidFill>
@@ -6315,7 +6457,7 @@
           <a:sym typeface="Arial"/>
         </a:defRPr>
       </a:lvl6pPr>
-      <a:lvl7pPr lvl="6" marR="0" rtl="0" algn="l">
+      <a:lvl7pPr marR="0" lvl="6" algn="l" rtl="0">
         <a:lnSpc>
           <a:spcPct val="100000"/>
         </a:lnSpc>
@@ -6329,7 +6471,7 @@
           <a:srgbClr val="000000"/>
         </a:buClr>
         <a:buFont typeface="Arial"/>
-        <a:defRPr b="0" i="0" sz="1400" u="none" cap="none" strike="noStrike">
+        <a:defRPr sz="1400" b="0" i="0" u="none" strike="noStrike" cap="none">
           <a:solidFill>
             <a:srgbClr val="000000"/>
           </a:solidFill>
@@ -6339,7 +6481,7 @@
           <a:sym typeface="Arial"/>
         </a:defRPr>
       </a:lvl7pPr>
-      <a:lvl8pPr lvl="7" marR="0" rtl="0" algn="l">
+      <a:lvl8pPr marR="0" lvl="7" algn="l" rtl="0">
         <a:lnSpc>
           <a:spcPct val="100000"/>
         </a:lnSpc>
@@ -6353,7 +6495,7 @@
           <a:srgbClr val="000000"/>
         </a:buClr>
         <a:buFont typeface="Arial"/>
-        <a:defRPr b="0" i="0" sz="1400" u="none" cap="none" strike="noStrike">
+        <a:defRPr sz="1400" b="0" i="0" u="none" strike="noStrike" cap="none">
           <a:solidFill>
             <a:srgbClr val="000000"/>
           </a:solidFill>
@@ -6363,7 +6505,7 @@
           <a:sym typeface="Arial"/>
         </a:defRPr>
       </a:lvl8pPr>
-      <a:lvl9pPr lvl="8" marR="0" rtl="0" algn="l">
+      <a:lvl9pPr marR="0" lvl="8" algn="l" rtl="0">
         <a:lnSpc>
           <a:spcPct val="100000"/>
         </a:lnSpc>
@@ -6377,7 +6519,7 @@
           <a:srgbClr val="000000"/>
         </a:buClr>
         <a:buFont typeface="Arial"/>
-        <a:defRPr b="0" i="0" sz="1400" u="none" cap="none" strike="noStrike">
+        <a:defRPr sz="1400" b="0" i="0" u="none" strike="noStrike" cap="none">
           <a:solidFill>
             <a:srgbClr val="000000"/>
           </a:solidFill>
@@ -6389,7 +6531,7 @@
       </a:lvl9pPr>
     </p:bodyStyle>
     <p:otherStyle>
-      <a:defPPr lvl="0" marR="0" rtl="0" algn="l">
+      <a:defPPr marR="0" lvl="0" algn="l" rtl="0">
         <a:lnSpc>
           <a:spcPct val="100000"/>
         </a:lnSpc>
@@ -6400,7 +6542,7 @@
           <a:spcPts val="0"/>
         </a:spcAft>
       </a:defPPr>
-      <a:lvl1pPr lvl="0" marR="0" rtl="0" algn="l">
+      <a:lvl1pPr marR="0" lvl="0" algn="l" rtl="0">
         <a:lnSpc>
           <a:spcPct val="100000"/>
         </a:lnSpc>
@@ -6414,7 +6556,7 @@
           <a:srgbClr val="000000"/>
         </a:buClr>
         <a:buFont typeface="Arial"/>
-        <a:defRPr b="0" i="0" sz="1400" u="none" cap="none" strike="noStrike">
+        <a:defRPr sz="1400" b="0" i="0" u="none" strike="noStrike" cap="none">
           <a:solidFill>
             <a:srgbClr val="000000"/>
           </a:solidFill>
@@ -6424,7 +6566,7 @@
           <a:sym typeface="Arial"/>
         </a:defRPr>
       </a:lvl1pPr>
-      <a:lvl2pPr lvl="1" marR="0" rtl="0" algn="l">
+      <a:lvl2pPr marR="0" lvl="1" algn="l" rtl="0">
         <a:lnSpc>
           <a:spcPct val="100000"/>
         </a:lnSpc>
@@ -6438,7 +6580,7 @@
           <a:srgbClr val="000000"/>
         </a:buClr>
         <a:buFont typeface="Arial"/>
-        <a:defRPr b="0" i="0" sz="1400" u="none" cap="none" strike="noStrike">
+        <a:defRPr sz="1400" b="0" i="0" u="none" strike="noStrike" cap="none">
           <a:solidFill>
             <a:srgbClr val="000000"/>
           </a:solidFill>
@@ -6448,7 +6590,7 @@
           <a:sym typeface="Arial"/>
         </a:defRPr>
       </a:lvl2pPr>
-      <a:lvl3pPr lvl="2" marR="0" rtl="0" algn="l">
+      <a:lvl3pPr marR="0" lvl="2" algn="l" rtl="0">
         <a:lnSpc>
           <a:spcPct val="100000"/>
         </a:lnSpc>
@@ -6462,7 +6604,7 @@
           <a:srgbClr val="000000"/>
         </a:buClr>
         <a:buFont typeface="Arial"/>
-        <a:defRPr b="0" i="0" sz="1400" u="none" cap="none" strike="noStrike">
+        <a:defRPr sz="1400" b="0" i="0" u="none" strike="noStrike" cap="none">
           <a:solidFill>
             <a:srgbClr val="000000"/>
           </a:solidFill>
@@ -6472,7 +6614,7 @@
           <a:sym typeface="Arial"/>
         </a:defRPr>
       </a:lvl3pPr>
-      <a:lvl4pPr lvl="3" marR="0" rtl="0" algn="l">
+      <a:lvl4pPr marR="0" lvl="3" algn="l" rtl="0">
         <a:lnSpc>
           <a:spcPct val="100000"/>
         </a:lnSpc>
@@ -6486,7 +6628,7 @@
           <a:srgbClr val="000000"/>
         </a:buClr>
         <a:buFont typeface="Arial"/>
-        <a:defRPr b="0" i="0" sz="1400" u="none" cap="none" strike="noStrike">
+        <a:defRPr sz="1400" b="0" i="0" u="none" strike="noStrike" cap="none">
           <a:solidFill>
             <a:srgbClr val="000000"/>
           </a:solidFill>
@@ -6496,7 +6638,7 @@
           <a:sym typeface="Arial"/>
         </a:defRPr>
       </a:lvl4pPr>
-      <a:lvl5pPr lvl="4" marR="0" rtl="0" algn="l">
+      <a:lvl5pPr marR="0" lvl="4" algn="l" rtl="0">
         <a:lnSpc>
           <a:spcPct val="100000"/>
         </a:lnSpc>
@@ -6510,7 +6652,7 @@
           <a:srgbClr val="000000"/>
         </a:buClr>
         <a:buFont typeface="Arial"/>
-        <a:defRPr b="0" i="0" sz="1400" u="none" cap="none" strike="noStrike">
+        <a:defRPr sz="1400" b="0" i="0" u="none" strike="noStrike" cap="none">
           <a:solidFill>
             <a:srgbClr val="000000"/>
           </a:solidFill>
@@ -6520,7 +6662,7 @@
           <a:sym typeface="Arial"/>
         </a:defRPr>
       </a:lvl5pPr>
-      <a:lvl6pPr lvl="5" marR="0" rtl="0" algn="l">
+      <a:lvl6pPr marR="0" lvl="5" algn="l" rtl="0">
         <a:lnSpc>
           <a:spcPct val="100000"/>
         </a:lnSpc>
@@ -6534,7 +6676,7 @@
           <a:srgbClr val="000000"/>
         </a:buClr>
         <a:buFont typeface="Arial"/>
-        <a:defRPr b="0" i="0" sz="1400" u="none" cap="none" strike="noStrike">
+        <a:defRPr sz="1400" b="0" i="0" u="none" strike="noStrike" cap="none">
           <a:solidFill>
             <a:srgbClr val="000000"/>
           </a:solidFill>
@@ -6544,7 +6686,7 @@
           <a:sym typeface="Arial"/>
         </a:defRPr>
       </a:lvl6pPr>
-      <a:lvl7pPr lvl="6" marR="0" rtl="0" algn="l">
+      <a:lvl7pPr marR="0" lvl="6" algn="l" rtl="0">
         <a:lnSpc>
           <a:spcPct val="100000"/>
         </a:lnSpc>
@@ -6558,7 +6700,7 @@
           <a:srgbClr val="000000"/>
         </a:buClr>
         <a:buFont typeface="Arial"/>
-        <a:defRPr b="0" i="0" sz="1400" u="none" cap="none" strike="noStrike">
+        <a:defRPr sz="1400" b="0" i="0" u="none" strike="noStrike" cap="none">
           <a:solidFill>
             <a:srgbClr val="000000"/>
           </a:solidFill>
@@ -6568,7 +6710,7 @@
           <a:sym typeface="Arial"/>
         </a:defRPr>
       </a:lvl7pPr>
-      <a:lvl8pPr lvl="7" marR="0" rtl="0" algn="l">
+      <a:lvl8pPr marR="0" lvl="7" algn="l" rtl="0">
         <a:lnSpc>
           <a:spcPct val="100000"/>
         </a:lnSpc>
@@ -6582,7 +6724,7 @@
           <a:srgbClr val="000000"/>
         </a:buClr>
         <a:buFont typeface="Arial"/>
-        <a:defRPr b="0" i="0" sz="1400" u="none" cap="none" strike="noStrike">
+        <a:defRPr sz="1400" b="0" i="0" u="none" strike="noStrike" cap="none">
           <a:solidFill>
             <a:srgbClr val="000000"/>
           </a:solidFill>
@@ -6592,7 +6734,7 @@
           <a:sym typeface="Arial"/>
         </a:defRPr>
       </a:lvl8pPr>
-      <a:lvl9pPr lvl="8" marR="0" rtl="0" algn="l">
+      <a:lvl9pPr marR="0" lvl="8" algn="l" rtl="0">
         <a:lnSpc>
           <a:spcPct val="100000"/>
         </a:lnSpc>
@@ -6606,7 +6748,7 @@
           <a:srgbClr val="000000"/>
         </a:buClr>
         <a:buFont typeface="Arial"/>
-        <a:defRPr b="0" i="0" sz="1400" u="none" cap="none" strike="noStrike">
+        <a:defRPr sz="1400" b="0" i="0" u="none" strike="noStrike" cap="none">
           <a:solidFill>
             <a:srgbClr val="000000"/>
           </a:solidFill>
@@ -6622,11 +6764,11 @@
 </file>
 
 <file path=ppt/slides/slide1.xml><?xml version="1.0" encoding="utf-8"?>
-<p:sld xmlns:a="http://schemas.openxmlformats.org/drawingml/2006/main" xmlns:r="http://schemas.openxmlformats.org/officeDocument/2006/relationships" xmlns:mc="http://schemas.openxmlformats.org/markup-compatibility/2006" xmlns:mv="urn:schemas-microsoft-com:mac:vml" xmlns:p="http://schemas.openxmlformats.org/presentationml/2006/main" xmlns:c="http://schemas.openxmlformats.org/drawingml/2006/chart" xmlns:dgm="http://schemas.openxmlformats.org/drawingml/2006/diagram" xmlns:o="urn:schemas-microsoft-com:office:office" xmlns:v="urn:schemas-microsoft-com:vml" xmlns:pvml="urn:schemas-microsoft-com:office:powerpoint" xmlns:com="http://schemas.openxmlformats.org/drawingml/2006/compatibility" xmlns:p14="http://schemas.microsoft.com/office/powerpoint/2010/main" xmlns:p15="http://schemas.microsoft.com/office/powerpoint/2012/main" xmlns:ahyp="http://schemas.microsoft.com/office/drawing/2018/hyperlinkcolor">
+<p:sld xmlns:a="http://schemas.openxmlformats.org/drawingml/2006/main" xmlns:r="http://schemas.openxmlformats.org/officeDocument/2006/relationships" xmlns:p="http://schemas.openxmlformats.org/presentationml/2006/main">
   <p:cSld>
     <p:spTree>
       <p:nvGrpSpPr>
-        <p:cNvPr id="58" name="Shape 58"/>
+        <p:cNvPr id="1" name="Shape 58"/>
         <p:cNvGrpSpPr/>
         <p:nvPr/>
       </p:nvGrpSpPr>
@@ -6641,7 +6783,9 @@
       <p:sp>
         <p:nvSpPr>
           <p:cNvPr id="59" name="Google Shape;59;p13"/>
-          <p:cNvSpPr txBox="1"/>
+          <p:cNvSpPr txBox="1">
+            <a:spLocks noGrp="1"/>
+          </p:cNvSpPr>
           <p:nvPr>
             <p:ph type="ctrTitle"/>
           </p:nvPr>
@@ -6656,12 +6800,12 @@
           </a:prstGeom>
         </p:spPr>
         <p:txBody>
-          <a:bodyPr anchorCtr="0" anchor="ctr" bIns="91425" lIns="91425" spcFirstLastPara="1" rIns="91425" wrap="square" tIns="91425">
+          <a:bodyPr spcFirstLastPara="1" wrap="square" lIns="91425" tIns="91425" rIns="91425" bIns="91425" anchor="ctr" anchorCtr="0">
             <a:normAutofit/>
           </a:bodyPr>
           <a:lstStyle/>
           <a:p>
-            <a:pPr indent="0" lvl="0" marL="0" rtl="0" algn="ctr">
+            <a:pPr marL="0" lvl="0" indent="0" algn="ctr" rtl="0">
               <a:spcBef>
                 <a:spcPts val="0"/>
               </a:spcBef>
@@ -6681,9 +6825,11 @@
       <p:sp>
         <p:nvSpPr>
           <p:cNvPr id="60" name="Google Shape;60;p13"/>
-          <p:cNvSpPr txBox="1"/>
+          <p:cNvSpPr txBox="1">
+            <a:spLocks noGrp="1"/>
+          </p:cNvSpPr>
           <p:nvPr>
-            <p:ph idx="1" type="subTitle"/>
+            <p:ph type="subTitle" idx="1"/>
           </p:nvPr>
         </p:nvSpPr>
         <p:spPr>
@@ -6696,12 +6842,12 @@
           </a:prstGeom>
         </p:spPr>
         <p:txBody>
-          <a:bodyPr anchorCtr="0" anchor="t" bIns="91425" lIns="91425" spcFirstLastPara="1" rIns="91425" wrap="square" tIns="91425">
-            <a:normAutofit lnSpcReduction="20000"/>
+          <a:bodyPr spcFirstLastPara="1" wrap="square" lIns="91425" tIns="91425" rIns="91425" bIns="91425" anchor="t" anchorCtr="0">
+            <a:normAutofit fontScale="92500" lnSpcReduction="10000"/>
           </a:bodyPr>
           <a:lstStyle/>
           <a:p>
-            <a:pPr indent="0" lvl="0" marL="0" rtl="0" algn="ctr">
+            <a:pPr marL="0" lvl="0" indent="0" algn="ctr" rtl="0">
               <a:spcBef>
                 <a:spcPts val="0"/>
               </a:spcBef>
@@ -6711,14 +6857,10 @@
               <a:buNone/>
             </a:pPr>
             <a:r>
-              <a:rPr lang="en"/>
-              <a:t>An Introduction to the Nashville City </a:t>
+              <a:rPr lang="en" dirty="0"/>
+              <a:t>A Data-Driven Primer for the Nashville City Cemetery</a:t>
             </a:r>
-            <a:r>
-              <a:rPr lang="en"/>
-              <a:t>Cemetery</a:t>
-            </a:r>
-            <a:endParaRPr/>
+            <a:endParaRPr dirty="0"/>
           </a:p>
         </p:txBody>
       </p:sp>
@@ -6753,9 +6895,11 @@
       <p:sp>
         <p:nvSpPr>
           <p:cNvPr id="62" name="Google Shape;62;p13"/>
-          <p:cNvSpPr txBox="1"/>
+          <p:cNvSpPr txBox="1">
+            <a:spLocks noGrp="1"/>
+          </p:cNvSpPr>
           <p:nvPr>
-            <p:ph idx="1" type="subTitle"/>
+            <p:ph type="subTitle" idx="1"/>
           </p:nvPr>
         </p:nvSpPr>
         <p:spPr>
@@ -6768,12 +6912,12 @@
           </a:prstGeom>
         </p:spPr>
         <p:txBody>
-          <a:bodyPr anchorCtr="0" anchor="ctr" bIns="91425" lIns="91425" spcFirstLastPara="1" rIns="91425" wrap="square" tIns="91425">
+          <a:bodyPr spcFirstLastPara="1" wrap="square" lIns="91425" tIns="91425" rIns="91425" bIns="91425" anchor="ctr" anchorCtr="0">
             <a:normAutofit/>
           </a:bodyPr>
           <a:lstStyle/>
           <a:p>
-            <a:pPr indent="0" lvl="0" marL="0" rtl="0" algn="ctr">
+            <a:pPr marL="0" lvl="0" indent="0" algn="ctr" rtl="0">
               <a:lnSpc>
                 <a:spcPct val="80000"/>
               </a:lnSpc>
@@ -6810,11 +6954,11 @@
 </file>
 
 <file path=ppt/slides/slide2.xml><?xml version="1.0" encoding="utf-8"?>
-<p:sld xmlns:a="http://schemas.openxmlformats.org/drawingml/2006/main" xmlns:r="http://schemas.openxmlformats.org/officeDocument/2006/relationships" xmlns:mc="http://schemas.openxmlformats.org/markup-compatibility/2006" xmlns:mv="urn:schemas-microsoft-com:mac:vml" xmlns:p="http://schemas.openxmlformats.org/presentationml/2006/main" xmlns:c="http://schemas.openxmlformats.org/drawingml/2006/chart" xmlns:dgm="http://schemas.openxmlformats.org/drawingml/2006/diagram" xmlns:o="urn:schemas-microsoft-com:office:office" xmlns:v="urn:schemas-microsoft-com:vml" xmlns:pvml="urn:schemas-microsoft-com:office:powerpoint" xmlns:com="http://schemas.openxmlformats.org/drawingml/2006/compatibility" xmlns:p14="http://schemas.microsoft.com/office/powerpoint/2010/main" xmlns:p15="http://schemas.microsoft.com/office/powerpoint/2012/main" xmlns:ahyp="http://schemas.microsoft.com/office/drawing/2018/hyperlinkcolor">
+<p:sld xmlns:a="http://schemas.openxmlformats.org/drawingml/2006/main" xmlns:r="http://schemas.openxmlformats.org/officeDocument/2006/relationships" xmlns:p="http://schemas.openxmlformats.org/presentationml/2006/main">
   <p:cSld>
     <p:spTree>
       <p:nvGrpSpPr>
-        <p:cNvPr id="66" name="Shape 66"/>
+        <p:cNvPr id="1" name="Shape 66"/>
         <p:cNvGrpSpPr/>
         <p:nvPr/>
       </p:nvGrpSpPr>
@@ -6829,7 +6973,9 @@
       <p:sp>
         <p:nvSpPr>
           <p:cNvPr id="67" name="Google Shape;67;p14"/>
-          <p:cNvSpPr txBox="1"/>
+          <p:cNvSpPr txBox="1">
+            <a:spLocks noGrp="1"/>
+          </p:cNvSpPr>
           <p:nvPr>
             <p:ph type="title"/>
           </p:nvPr>
@@ -6844,12 +6990,12 @@
           </a:prstGeom>
         </p:spPr>
         <p:txBody>
-          <a:bodyPr anchorCtr="0" anchor="ctr" bIns="91425" lIns="91425" spcFirstLastPara="1" rIns="91425" wrap="square" tIns="91425">
+          <a:bodyPr spcFirstLastPara="1" wrap="square" lIns="91425" tIns="91425" rIns="91425" bIns="91425" anchor="ctr" anchorCtr="0">
             <a:normAutofit fontScale="90000"/>
           </a:bodyPr>
           <a:lstStyle/>
           <a:p>
-            <a:pPr indent="0" lvl="0" marL="0" rtl="0" algn="l">
+            <a:pPr marL="0" lvl="0" indent="0" algn="l" rtl="0">
               <a:spcBef>
                 <a:spcPts val="0"/>
               </a:spcBef>
@@ -6869,9 +7015,11 @@
       <p:sp>
         <p:nvSpPr>
           <p:cNvPr id="68" name="Google Shape;68;p14"/>
-          <p:cNvSpPr txBox="1"/>
+          <p:cNvSpPr txBox="1">
+            <a:spLocks noGrp="1"/>
+          </p:cNvSpPr>
           <p:nvPr>
-            <p:ph idx="1" type="body"/>
+            <p:ph type="body" idx="1"/>
           </p:nvPr>
         </p:nvSpPr>
         <p:spPr>
@@ -6884,12 +7032,12 @@
           </a:prstGeom>
         </p:spPr>
         <p:txBody>
-          <a:bodyPr anchorCtr="0" anchor="t" bIns="91425" lIns="91425" spcFirstLastPara="1" rIns="91425" wrap="square" tIns="91425">
+          <a:bodyPr spcFirstLastPara="1" wrap="square" lIns="91425" tIns="91425" rIns="91425" bIns="91425" anchor="t" anchorCtr="0">
             <a:normAutofit/>
           </a:bodyPr>
           <a:lstStyle/>
           <a:p>
-            <a:pPr indent="-342900" lvl="0" marL="457200" rtl="0" algn="l">
+            <a:pPr marL="457200" lvl="0" indent="-342900" algn="l" rtl="0">
               <a:lnSpc>
                 <a:spcPct val="100000"/>
               </a:lnSpc>
@@ -6906,21 +7054,21 @@
               <a:buChar char="●"/>
             </a:pPr>
             <a:r>
-              <a:rPr lang="en" sz="1900" u="sng">
+              <a:rPr lang="en" sz="1900" u="sng" dirty="0">
                 <a:solidFill>
                   <a:schemeClr val="dk1"/>
                 </a:solidFill>
               </a:rPr>
               <a:t>Basic Facts:</a:t>
             </a:r>
-            <a:endParaRPr sz="1900" u="sng">
+            <a:endParaRPr sz="1900" u="sng" dirty="0">
               <a:solidFill>
                 <a:schemeClr val="dk1"/>
               </a:solidFill>
             </a:endParaRPr>
           </a:p>
           <a:p>
-            <a:pPr indent="-349250" lvl="1" marL="914400" rtl="0" algn="l">
+            <a:pPr marL="914400" lvl="1" indent="-349250" algn="l" rtl="0">
               <a:lnSpc>
                 <a:spcPct val="100000"/>
               </a:lnSpc>
@@ -6937,21 +7085,21 @@
               <a:buChar char="○"/>
             </a:pPr>
             <a:r>
-              <a:rPr lang="en" sz="1900">
+              <a:rPr lang="en" sz="1900" dirty="0">
                 <a:solidFill>
                   <a:schemeClr val="dk1"/>
                 </a:solidFill>
               </a:rPr>
               <a:t>Located at 1001 4th Ave. S.</a:t>
             </a:r>
-            <a:endParaRPr sz="1900">
+            <a:endParaRPr sz="1900" dirty="0">
               <a:solidFill>
                 <a:schemeClr val="dk1"/>
               </a:solidFill>
             </a:endParaRPr>
           </a:p>
           <a:p>
-            <a:pPr indent="-349250" lvl="1" marL="914400" rtl="0" algn="l">
+            <a:pPr marL="914400" lvl="1" indent="-349250" algn="l" rtl="0">
               <a:lnSpc>
                 <a:spcPct val="100000"/>
               </a:lnSpc>
@@ -6968,21 +7116,21 @@
               <a:buChar char="○"/>
             </a:pPr>
             <a:r>
-              <a:rPr lang="en" sz="1900">
+              <a:rPr lang="en" sz="1900" dirty="0">
                 <a:solidFill>
                   <a:schemeClr val="dk1"/>
                 </a:solidFill>
               </a:rPr>
               <a:t>Opened in 1822</a:t>
             </a:r>
-            <a:endParaRPr sz="1900">
+            <a:endParaRPr sz="1900" dirty="0">
               <a:solidFill>
                 <a:schemeClr val="dk1"/>
               </a:solidFill>
             </a:endParaRPr>
           </a:p>
           <a:p>
-            <a:pPr indent="-349250" lvl="1" marL="914400" rtl="0" algn="l">
+            <a:pPr marL="914400" lvl="1" indent="-349250" algn="l" rtl="0">
               <a:lnSpc>
                 <a:spcPct val="100000"/>
               </a:lnSpc>
@@ -6999,37 +7147,21 @@
               <a:buChar char="○"/>
             </a:pPr>
             <a:r>
-              <a:rPr lang="en" sz="1900">
+              <a:rPr lang="en" sz="1900" dirty="0">
                 <a:solidFill>
                   <a:schemeClr val="dk1"/>
                 </a:solidFill>
               </a:rPr>
-              <a:t>Designed by William Stickland, who also designed the </a:t>
+              <a:t>Designed by William Stickland, who also designed the Tennessee State Capitol </a:t>
             </a:r>
-            <a:r>
-              <a:rPr lang="en" sz="1900">
-                <a:solidFill>
-                  <a:schemeClr val="dk1"/>
-                </a:solidFill>
-              </a:rPr>
-              <a:t>Tennessee</a:t>
-            </a:r>
-            <a:r>
-              <a:rPr lang="en" sz="1900">
-                <a:solidFill>
-                  <a:schemeClr val="dk1"/>
-                </a:solidFill>
-              </a:rPr>
-              <a:t> State Capitol </a:t>
-            </a:r>
-            <a:endParaRPr sz="1900">
+            <a:endParaRPr sz="1900" dirty="0">
               <a:solidFill>
                 <a:schemeClr val="dk1"/>
               </a:solidFill>
             </a:endParaRPr>
           </a:p>
           <a:p>
-            <a:pPr indent="-349250" lvl="1" marL="914400" rtl="0" algn="l">
+            <a:pPr marL="914400" lvl="1" indent="-349250" algn="l" rtl="0">
               <a:lnSpc>
                 <a:spcPct val="100000"/>
               </a:lnSpc>
@@ -7046,21 +7178,21 @@
               <a:buChar char="○"/>
             </a:pPr>
             <a:r>
-              <a:rPr lang="en" sz="1900">
+              <a:rPr lang="en" sz="1900" dirty="0">
                 <a:solidFill>
                   <a:schemeClr val="dk1"/>
                 </a:solidFill>
               </a:rPr>
               <a:t>Added to the National Register of Historic Places on October 18, 1972</a:t>
             </a:r>
-            <a:endParaRPr sz="1900">
+            <a:endParaRPr sz="1900" dirty="0">
               <a:solidFill>
                 <a:schemeClr val="dk1"/>
               </a:solidFill>
             </a:endParaRPr>
           </a:p>
           <a:p>
-            <a:pPr indent="-342900" lvl="0" marL="457200" rtl="0" algn="l">
+            <a:pPr marL="457200" lvl="0" indent="-342900" algn="l" rtl="0">
               <a:lnSpc>
                 <a:spcPct val="100000"/>
               </a:lnSpc>
@@ -7082,7 +7214,7 @@
                   <a:schemeClr val="dk1"/>
                 </a:solidFill>
               </a:rPr>
-              <a:t>From 1842 - 1979: </a:t>
+              <a:t>From 1846 - 1979: </a:t>
             </a:r>
             <a:r>
               <a:rPr lang="en" sz="1900">
@@ -7100,14 +7232,14 @@
               </a:rPr>
               <a:t>.</a:t>
             </a:r>
-            <a:endParaRPr sz="1900">
+            <a:endParaRPr sz="1900" dirty="0">
               <a:solidFill>
                 <a:schemeClr val="dk1"/>
               </a:solidFill>
             </a:endParaRPr>
           </a:p>
           <a:p>
-            <a:pPr indent="-349250" lvl="0" marL="457200" rtl="0" algn="l">
+            <a:pPr marL="457200" lvl="0" indent="-349250" algn="l" rtl="0">
               <a:lnSpc>
                 <a:spcPct val="100000"/>
               </a:lnSpc>
@@ -7124,21 +7256,21 @@
               <a:buChar char="●"/>
             </a:pPr>
             <a:r>
-              <a:rPr lang="en" sz="1900">
+              <a:rPr lang="en" sz="1900" dirty="0">
                 <a:solidFill>
                   <a:schemeClr val="dk1"/>
                 </a:solidFill>
               </a:rPr>
               <a:t>Of those with known causes, the most common causes of death were:</a:t>
             </a:r>
-            <a:endParaRPr sz="1900">
+            <a:endParaRPr sz="1900" dirty="0">
               <a:solidFill>
                 <a:schemeClr val="dk1"/>
               </a:solidFill>
             </a:endParaRPr>
           </a:p>
           <a:p>
-            <a:pPr indent="-349250" lvl="1" marL="914400" rtl="0" algn="l">
+            <a:pPr marL="914400" lvl="1" indent="-349250" algn="l" rtl="0">
               <a:lnSpc>
                 <a:spcPct val="100000"/>
               </a:lnSpc>
@@ -7155,21 +7287,21 @@
               <a:buChar char="○"/>
             </a:pPr>
             <a:r>
-              <a:rPr lang="en" sz="1900">
+              <a:rPr lang="en" sz="1900" dirty="0">
                 <a:solidFill>
                   <a:schemeClr val="dk1"/>
                 </a:solidFill>
               </a:rPr>
               <a:t>Consumption, aka Tuberculosis (1,769)</a:t>
             </a:r>
-            <a:endParaRPr sz="1900">
+            <a:endParaRPr sz="1900" dirty="0">
               <a:solidFill>
                 <a:schemeClr val="dk1"/>
               </a:solidFill>
             </a:endParaRPr>
           </a:p>
           <a:p>
-            <a:pPr indent="-349250" lvl="1" marL="914400" rtl="0" algn="l">
+            <a:pPr marL="914400" lvl="1" indent="-349250" algn="l" rtl="0">
               <a:lnSpc>
                 <a:spcPct val="100000"/>
               </a:lnSpc>
@@ -7186,21 +7318,21 @@
               <a:buChar char="○"/>
             </a:pPr>
             <a:r>
-              <a:rPr lang="en" sz="1900">
+              <a:rPr lang="en" sz="1900" dirty="0">
                 <a:solidFill>
                   <a:schemeClr val="dk1"/>
                 </a:solidFill>
               </a:rPr>
               <a:t>Stillbirth (1,301)</a:t>
             </a:r>
-            <a:endParaRPr sz="1900">
+            <a:endParaRPr sz="1900" dirty="0">
               <a:solidFill>
                 <a:schemeClr val="dk1"/>
               </a:solidFill>
             </a:endParaRPr>
           </a:p>
           <a:p>
-            <a:pPr indent="-349250" lvl="1" marL="914400" rtl="0" algn="l">
+            <a:pPr marL="914400" lvl="1" indent="-349250" algn="l" rtl="0">
               <a:lnSpc>
                 <a:spcPct val="100000"/>
               </a:lnSpc>
@@ -7217,21 +7349,21 @@
               <a:buChar char="○"/>
             </a:pPr>
             <a:r>
-              <a:rPr lang="en" sz="1900">
+              <a:rPr lang="en" sz="1900" dirty="0">
                 <a:solidFill>
                   <a:srgbClr val="FF0000"/>
                 </a:solidFill>
               </a:rPr>
               <a:t>Cholera (1,244)</a:t>
             </a:r>
-            <a:endParaRPr sz="1900">
+            <a:endParaRPr sz="1900" dirty="0">
               <a:solidFill>
                 <a:schemeClr val="dk1"/>
               </a:solidFill>
             </a:endParaRPr>
           </a:p>
           <a:p>
-            <a:pPr indent="-349250" lvl="0" marL="457200" rtl="0" algn="l">
+            <a:pPr marL="457200" lvl="0" indent="-349250" algn="l" rtl="0">
               <a:lnSpc>
                 <a:spcPct val="100000"/>
               </a:lnSpc>
@@ -7248,7 +7380,7 @@
               <a:buChar char="●"/>
             </a:pPr>
             <a:r>
-              <a:rPr lang="en" sz="1900">
+              <a:rPr lang="en" sz="1900" dirty="0">
                 <a:solidFill>
                   <a:schemeClr val="dk1"/>
                 </a:solidFill>
@@ -7256,7 +7388,7 @@
               <a:t>But there are many cases where the cause of death wasn’t clear, or the person died very suddenly - </a:t>
             </a:r>
             <a:r>
-              <a:rPr lang="en" sz="1900">
+              <a:rPr lang="en" sz="1900" dirty="0">
                 <a:solidFill>
                   <a:srgbClr val="FF0000"/>
                 </a:solidFill>
@@ -7264,14 +7396,14 @@
               <a:t>nearly 2,300</a:t>
             </a:r>
             <a:r>
-              <a:rPr lang="en" sz="1900">
+              <a:rPr lang="en" sz="1900" dirty="0">
                 <a:solidFill>
                   <a:schemeClr val="dk1"/>
                 </a:solidFill>
               </a:rPr>
               <a:t>.</a:t>
             </a:r>
-            <a:endParaRPr sz="1900">
+            <a:endParaRPr sz="1900" dirty="0">
               <a:solidFill>
                 <a:schemeClr val="dk1"/>
               </a:solidFill>
@@ -7286,7 +7418,7 @@
           <p:nvPr/>
         </p:nvCxnSpPr>
         <p:spPr>
-          <a:xfrm flipH="1" rot="10800000">
+          <a:xfrm rot="10800000" flipH="1">
             <a:off x="157650" y="777750"/>
             <a:ext cx="8828700" cy="11400"/>
           </a:xfrm>
@@ -7294,14 +7426,14 @@
             <a:avLst/>
           </a:prstGeom>
           <a:noFill/>
-          <a:ln cap="flat" cmpd="sng" w="38100">
+          <a:ln w="38100" cap="flat" cmpd="sng">
             <a:solidFill>
               <a:schemeClr val="dk2"/>
             </a:solidFill>
             <a:prstDash val="solid"/>
             <a:round/>
-            <a:headEnd len="med" w="med" type="none"/>
-            <a:tailEnd len="med" w="med" type="none"/>
+            <a:headEnd type="none" w="med" len="med"/>
+            <a:tailEnd type="none" w="med" len="med"/>
           </a:ln>
         </p:spPr>
       </p:cxnSp>
@@ -7314,11 +7446,11 @@
 </file>
 
 <file path=ppt/slides/slide3.xml><?xml version="1.0" encoding="utf-8"?>
-<p:sld xmlns:a="http://schemas.openxmlformats.org/drawingml/2006/main" xmlns:r="http://schemas.openxmlformats.org/officeDocument/2006/relationships" xmlns:mc="http://schemas.openxmlformats.org/markup-compatibility/2006" xmlns:mv="urn:schemas-microsoft-com:mac:vml" xmlns:p="http://schemas.openxmlformats.org/presentationml/2006/main" xmlns:c="http://schemas.openxmlformats.org/drawingml/2006/chart" xmlns:dgm="http://schemas.openxmlformats.org/drawingml/2006/diagram" xmlns:o="urn:schemas-microsoft-com:office:office" xmlns:v="urn:schemas-microsoft-com:vml" xmlns:pvml="urn:schemas-microsoft-com:office:powerpoint" xmlns:com="http://schemas.openxmlformats.org/drawingml/2006/compatibility" xmlns:p14="http://schemas.microsoft.com/office/powerpoint/2010/main" xmlns:p15="http://schemas.microsoft.com/office/powerpoint/2012/main" xmlns:ahyp="http://schemas.microsoft.com/office/drawing/2018/hyperlinkcolor">
+<p:sld xmlns:a="http://schemas.openxmlformats.org/drawingml/2006/main" xmlns:r="http://schemas.openxmlformats.org/officeDocument/2006/relationships" xmlns:p="http://schemas.openxmlformats.org/presentationml/2006/main">
   <p:cSld>
     <p:spTree>
       <p:nvGrpSpPr>
-        <p:cNvPr id="73" name="Shape 73"/>
+        <p:cNvPr id="1" name="Shape 73"/>
         <p:cNvGrpSpPr/>
         <p:nvPr/>
       </p:nvGrpSpPr>
@@ -7333,7 +7465,9 @@
       <p:sp>
         <p:nvSpPr>
           <p:cNvPr id="74" name="Google Shape;74;p15"/>
-          <p:cNvSpPr txBox="1"/>
+          <p:cNvSpPr txBox="1">
+            <a:spLocks noGrp="1"/>
+          </p:cNvSpPr>
           <p:nvPr>
             <p:ph type="title"/>
           </p:nvPr>
@@ -7348,12 +7482,12 @@
           </a:prstGeom>
         </p:spPr>
         <p:txBody>
-          <a:bodyPr anchorCtr="0" anchor="ctr" bIns="91425" lIns="91425" spcFirstLastPara="1" rIns="91425" wrap="square" tIns="91425">
+          <a:bodyPr spcFirstLastPara="1" wrap="square" lIns="91425" tIns="91425" rIns="91425" bIns="91425" anchor="ctr" anchorCtr="0">
             <a:normAutofit fontScale="90000"/>
           </a:bodyPr>
           <a:lstStyle/>
           <a:p>
-            <a:pPr indent="0" lvl="0" marL="0" rtl="0" algn="l">
+            <a:pPr marL="0" lvl="0" indent="0" algn="l" rtl="0">
               <a:spcBef>
                 <a:spcPts val="0"/>
               </a:spcBef>
@@ -7373,27 +7507,29 @@
       <p:sp>
         <p:nvSpPr>
           <p:cNvPr id="75" name="Google Shape;75;p15"/>
-          <p:cNvSpPr txBox="1"/>
+          <p:cNvSpPr txBox="1">
+            <a:spLocks noGrp="1"/>
+          </p:cNvSpPr>
           <p:nvPr>
-            <p:ph idx="1" type="body"/>
+            <p:ph type="body" idx="1"/>
           </p:nvPr>
         </p:nvSpPr>
         <p:spPr>
           <a:xfrm>
             <a:off x="311700" y="789050"/>
-            <a:ext cx="4244100" cy="4210200"/>
+            <a:ext cx="4244100" cy="4354450"/>
           </a:xfrm>
           <a:prstGeom prst="rect">
             <a:avLst/>
           </a:prstGeom>
         </p:spPr>
         <p:txBody>
-          <a:bodyPr anchorCtr="0" anchor="t" bIns="91425" lIns="91425" spcFirstLastPara="1" rIns="91425" wrap="square" tIns="91425">
-            <a:normAutofit/>
+          <a:bodyPr spcFirstLastPara="1" wrap="square" lIns="91425" tIns="91425" rIns="91425" bIns="91425" anchor="t" anchorCtr="0">
+            <a:normAutofit lnSpcReduction="10000"/>
           </a:bodyPr>
           <a:lstStyle/>
           <a:p>
-            <a:pPr indent="-368300" lvl="0" marL="457200" rtl="0" algn="l">
+            <a:pPr marL="457200" lvl="0" indent="-368300" algn="l" rtl="0">
               <a:lnSpc>
                 <a:spcPct val="90000"/>
               </a:lnSpc>
@@ -7410,29 +7546,21 @@
               <a:buChar char="●"/>
             </a:pPr>
             <a:r>
-              <a:rPr lang="en" sz="2200">
+              <a:rPr lang="en" sz="2400" dirty="0">
                 <a:solidFill>
                   <a:schemeClr val="dk1"/>
                 </a:solidFill>
               </a:rPr>
-              <a:t>T</a:t>
+              <a:t>The Cemetery - and its records - are a priceless resource to explore Nashville’s history.</a:t>
             </a:r>
-            <a:r>
-              <a:rPr lang="en" sz="2200">
-                <a:solidFill>
-                  <a:schemeClr val="dk1"/>
-                </a:solidFill>
-              </a:rPr>
-              <a:t>he Cemetery - and its records - are a priceless resource to explore Nashville’s history.</a:t>
-            </a:r>
-            <a:endParaRPr sz="2200">
+            <a:endParaRPr sz="2400" dirty="0">
               <a:solidFill>
                 <a:schemeClr val="dk1"/>
               </a:solidFill>
             </a:endParaRPr>
           </a:p>
           <a:p>
-            <a:pPr indent="-368300" lvl="0" marL="457200" rtl="0" algn="l">
+            <a:pPr marL="457200" lvl="0" indent="-368300" algn="l" rtl="0">
               <a:lnSpc>
                 <a:spcPct val="90000"/>
               </a:lnSpc>
@@ -7449,21 +7577,21 @@
               <a:buChar char="●"/>
             </a:pPr>
             <a:r>
-              <a:rPr lang="en" sz="2200">
+              <a:rPr lang="en" sz="2400" dirty="0">
                 <a:solidFill>
                   <a:schemeClr val="dk1"/>
                 </a:solidFill>
               </a:rPr>
               <a:t>Through them, we discover:</a:t>
             </a:r>
-            <a:endParaRPr sz="2200">
+            <a:endParaRPr sz="2400" dirty="0">
               <a:solidFill>
                 <a:schemeClr val="dk1"/>
               </a:solidFill>
             </a:endParaRPr>
           </a:p>
           <a:p>
-            <a:pPr indent="-368300" lvl="1" marL="914400" rtl="0" algn="l">
+            <a:pPr marL="914400" lvl="1" indent="-368300" algn="l" rtl="0">
               <a:lnSpc>
                 <a:spcPct val="90000"/>
               </a:lnSpc>
@@ -7480,21 +7608,21 @@
               <a:buChar char="○"/>
             </a:pPr>
             <a:r>
-              <a:rPr lang="en" sz="2200">
+              <a:rPr lang="en" sz="2400" dirty="0">
                 <a:solidFill>
                   <a:schemeClr val="dk1"/>
                 </a:solidFill>
               </a:rPr>
               <a:t>General literacy trends</a:t>
             </a:r>
-            <a:endParaRPr sz="2200">
+            <a:endParaRPr sz="2400" dirty="0">
               <a:solidFill>
                 <a:schemeClr val="dk1"/>
               </a:solidFill>
             </a:endParaRPr>
           </a:p>
           <a:p>
-            <a:pPr indent="-368300" lvl="1" marL="914400" rtl="0" algn="l">
+            <a:pPr marL="914400" lvl="1" indent="-368300" algn="l" rtl="0">
               <a:lnSpc>
                 <a:spcPct val="90000"/>
               </a:lnSpc>
@@ -7511,21 +7639,21 @@
               <a:buChar char="○"/>
             </a:pPr>
             <a:r>
-              <a:rPr lang="en" sz="2200">
+              <a:rPr lang="en" sz="2400" dirty="0">
                 <a:solidFill>
                   <a:schemeClr val="dk1"/>
                 </a:solidFill>
               </a:rPr>
               <a:t>Systems of labeling and record-keeping</a:t>
             </a:r>
-            <a:endParaRPr sz="2200">
+            <a:endParaRPr sz="2400" dirty="0">
               <a:solidFill>
                 <a:schemeClr val="dk1"/>
               </a:solidFill>
             </a:endParaRPr>
           </a:p>
           <a:p>
-            <a:pPr indent="-368300" lvl="1" marL="914400" rtl="0" algn="l">
+            <a:pPr marL="914400" lvl="1" indent="-368300" algn="l" rtl="0">
               <a:lnSpc>
                 <a:spcPct val="90000"/>
               </a:lnSpc>
@@ -7542,21 +7670,21 @@
               <a:buChar char="○"/>
             </a:pPr>
             <a:r>
-              <a:rPr lang="en" sz="2200">
+              <a:rPr lang="en-US" sz="2400" dirty="0">
                 <a:solidFill>
                   <a:schemeClr val="dk1"/>
                 </a:solidFill>
               </a:rPr>
-              <a:t>Advances in Medicine</a:t>
+              <a:t>Signs of medical advancement</a:t>
             </a:r>
-            <a:endParaRPr sz="2200">
+            <a:endParaRPr sz="2400" dirty="0">
               <a:solidFill>
                 <a:schemeClr val="dk1"/>
               </a:solidFill>
             </a:endParaRPr>
           </a:p>
           <a:p>
-            <a:pPr indent="-368300" lvl="1" marL="914400" rtl="0" algn="l">
+            <a:pPr marL="914400" lvl="1" indent="-368300" algn="l" rtl="0">
               <a:lnSpc>
                 <a:spcPct val="90000"/>
               </a:lnSpc>
@@ -7573,21 +7701,21 @@
               <a:buChar char="○"/>
             </a:pPr>
             <a:r>
-              <a:rPr lang="en" sz="2200">
+              <a:rPr lang="en" sz="2400" dirty="0">
                 <a:solidFill>
                   <a:schemeClr val="dk1"/>
                 </a:solidFill>
               </a:rPr>
               <a:t>And more</a:t>
             </a:r>
-            <a:endParaRPr sz="2200">
+            <a:endParaRPr sz="2400" dirty="0">
               <a:solidFill>
                 <a:schemeClr val="dk1"/>
               </a:solidFill>
             </a:endParaRPr>
           </a:p>
           <a:p>
-            <a:pPr indent="-368300" lvl="0" marL="457200" rtl="0" algn="l">
+            <a:pPr marL="457200" lvl="0" indent="-368300" algn="l" rtl="0">
               <a:lnSpc>
                 <a:spcPct val="90000"/>
               </a:lnSpc>
@@ -7604,14 +7732,14 @@
               <a:buChar char="●"/>
             </a:pPr>
             <a:r>
-              <a:rPr lang="en" sz="2200">
+              <a:rPr lang="en" sz="2400" dirty="0">
                 <a:solidFill>
                   <a:schemeClr val="dk1"/>
                 </a:solidFill>
               </a:rPr>
               <a:t>These all give great insights into how Nashvillians lived over the years …</a:t>
             </a:r>
-            <a:endParaRPr sz="2200">
+            <a:endParaRPr sz="2400" dirty="0">
               <a:solidFill>
                 <a:schemeClr val="dk1"/>
               </a:solidFill>
@@ -7626,7 +7754,7 @@
           <p:nvPr/>
         </p:nvCxnSpPr>
         <p:spPr>
-          <a:xfrm flipH="1" rot="10800000">
+          <a:xfrm rot="10800000" flipH="1">
             <a:off x="157650" y="777750"/>
             <a:ext cx="8828700" cy="11400"/>
           </a:xfrm>
@@ -7634,14 +7762,14 @@
             <a:avLst/>
           </a:prstGeom>
           <a:noFill/>
-          <a:ln cap="flat" cmpd="sng" w="38100">
+          <a:ln w="38100" cap="flat" cmpd="sng">
             <a:solidFill>
               <a:schemeClr val="dk2"/>
             </a:solidFill>
             <a:prstDash val="solid"/>
             <a:round/>
-            <a:headEnd len="med" w="med" type="none"/>
-            <a:tailEnd len="med" w="med" type="none"/>
+            <a:headEnd type="none" w="med" len="med"/>
+            <a:tailEnd type="none" w="med" len="med"/>
           </a:ln>
         </p:spPr>
       </p:cxnSp>
@@ -7682,11 +7810,11 @@
 </file>
 
 <file path=ppt/slides/slide4.xml><?xml version="1.0" encoding="utf-8"?>
-<p:sld xmlns:a="http://schemas.openxmlformats.org/drawingml/2006/main" xmlns:r="http://schemas.openxmlformats.org/officeDocument/2006/relationships" xmlns:mc="http://schemas.openxmlformats.org/markup-compatibility/2006" xmlns:mv="urn:schemas-microsoft-com:mac:vml" xmlns:p="http://schemas.openxmlformats.org/presentationml/2006/main" xmlns:c="http://schemas.openxmlformats.org/drawingml/2006/chart" xmlns:dgm="http://schemas.openxmlformats.org/drawingml/2006/diagram" xmlns:o="urn:schemas-microsoft-com:office:office" xmlns:v="urn:schemas-microsoft-com:vml" xmlns:pvml="urn:schemas-microsoft-com:office:powerpoint" xmlns:com="http://schemas.openxmlformats.org/drawingml/2006/compatibility" xmlns:p14="http://schemas.microsoft.com/office/powerpoint/2010/main" xmlns:p15="http://schemas.microsoft.com/office/powerpoint/2012/main" xmlns:ahyp="http://schemas.microsoft.com/office/drawing/2018/hyperlinkcolor">
+<p:sld xmlns:a="http://schemas.openxmlformats.org/drawingml/2006/main" xmlns:r="http://schemas.openxmlformats.org/officeDocument/2006/relationships" xmlns:p="http://schemas.openxmlformats.org/presentationml/2006/main">
   <p:cSld>
     <p:spTree>
       <p:nvGrpSpPr>
-        <p:cNvPr id="81" name="Shape 81"/>
+        <p:cNvPr id="1" name="Shape 81"/>
         <p:cNvGrpSpPr/>
         <p:nvPr/>
       </p:nvGrpSpPr>
@@ -7701,7 +7829,9 @@
       <p:sp>
         <p:nvSpPr>
           <p:cNvPr id="82" name="Google Shape;82;p16"/>
-          <p:cNvSpPr txBox="1"/>
+          <p:cNvSpPr txBox="1">
+            <a:spLocks noGrp="1"/>
+          </p:cNvSpPr>
           <p:nvPr>
             <p:ph type="title"/>
           </p:nvPr>
@@ -7716,12 +7846,12 @@
           </a:prstGeom>
         </p:spPr>
         <p:txBody>
-          <a:bodyPr anchorCtr="0" anchor="ctr" bIns="91425" lIns="91425" spcFirstLastPara="1" rIns="91425" wrap="square" tIns="91425">
+          <a:bodyPr spcFirstLastPara="1" wrap="square" lIns="91425" tIns="91425" rIns="91425" bIns="91425" anchor="ctr" anchorCtr="0">
             <a:normAutofit fontScale="90000"/>
           </a:bodyPr>
           <a:lstStyle/>
           <a:p>
-            <a:pPr indent="0" lvl="0" marL="0" rtl="0" algn="l">
+            <a:pPr marL="0" lvl="0" indent="0" algn="l" rtl="0">
               <a:spcBef>
                 <a:spcPts val="0"/>
               </a:spcBef>
@@ -7741,9 +7871,11 @@
       <p:sp>
         <p:nvSpPr>
           <p:cNvPr id="83" name="Google Shape;83;p16"/>
-          <p:cNvSpPr txBox="1"/>
+          <p:cNvSpPr txBox="1">
+            <a:spLocks noGrp="1"/>
+          </p:cNvSpPr>
           <p:nvPr>
-            <p:ph idx="1" type="body"/>
+            <p:ph type="body" idx="1"/>
           </p:nvPr>
         </p:nvSpPr>
         <p:spPr>
@@ -7756,12 +7888,12 @@
           </a:prstGeom>
         </p:spPr>
         <p:txBody>
-          <a:bodyPr anchorCtr="0" anchor="t" bIns="91425" lIns="91425" spcFirstLastPara="1" rIns="91425" wrap="square" tIns="91425">
+          <a:bodyPr spcFirstLastPara="1" wrap="square" lIns="91425" tIns="91425" rIns="91425" bIns="91425" anchor="t" anchorCtr="0">
             <a:noAutofit/>
           </a:bodyPr>
           <a:lstStyle/>
           <a:p>
-            <a:pPr indent="-374650" lvl="0" marL="457200" rtl="0" algn="l">
+            <a:pPr marL="457200" lvl="0" indent="-374650" algn="l" rtl="0">
               <a:lnSpc>
                 <a:spcPct val="80000"/>
               </a:lnSpc>
@@ -7800,7 +7932,7 @@
           <p:nvPr/>
         </p:nvCxnSpPr>
         <p:spPr>
-          <a:xfrm flipH="1" rot="10800000">
+          <a:xfrm rot="10800000" flipH="1">
             <a:off x="157650" y="777750"/>
             <a:ext cx="8828700" cy="11400"/>
           </a:xfrm>
@@ -7808,14 +7940,14 @@
             <a:avLst/>
           </a:prstGeom>
           <a:noFill/>
-          <a:ln cap="flat" cmpd="sng" w="38100">
+          <a:ln w="38100" cap="flat" cmpd="sng">
             <a:solidFill>
               <a:schemeClr val="dk2"/>
             </a:solidFill>
             <a:prstDash val="solid"/>
             <a:round/>
-            <a:headEnd len="med" w="med" type="none"/>
-            <a:tailEnd len="med" w="med" type="none"/>
+            <a:headEnd type="none" w="med" len="med"/>
+            <a:tailEnd type="none" w="med" len="med"/>
           </a:ln>
         </p:spPr>
       </p:cxnSp>
@@ -7835,7 +7967,7 @@
         </p:blipFill>
         <p:spPr>
           <a:xfrm>
-            <a:off x="1218225" y="1441050"/>
+            <a:off x="1218224" y="1519056"/>
             <a:ext cx="6861752" cy="3558199"/>
           </a:xfrm>
           <a:prstGeom prst="rect">
@@ -7856,11 +7988,11 @@
 </file>
 
 <file path=ppt/slides/slide5.xml><?xml version="1.0" encoding="utf-8"?>
-<p:sld xmlns:a="http://schemas.openxmlformats.org/drawingml/2006/main" xmlns:r="http://schemas.openxmlformats.org/officeDocument/2006/relationships" xmlns:mc="http://schemas.openxmlformats.org/markup-compatibility/2006" xmlns:mv="urn:schemas-microsoft-com:mac:vml" xmlns:p="http://schemas.openxmlformats.org/presentationml/2006/main" xmlns:c="http://schemas.openxmlformats.org/drawingml/2006/chart" xmlns:dgm="http://schemas.openxmlformats.org/drawingml/2006/diagram" xmlns:o="urn:schemas-microsoft-com:office:office" xmlns:v="urn:schemas-microsoft-com:vml" xmlns:pvml="urn:schemas-microsoft-com:office:powerpoint" xmlns:com="http://schemas.openxmlformats.org/drawingml/2006/compatibility" xmlns:p14="http://schemas.microsoft.com/office/powerpoint/2010/main" xmlns:p15="http://schemas.microsoft.com/office/powerpoint/2012/main" xmlns:ahyp="http://schemas.microsoft.com/office/drawing/2018/hyperlinkcolor">
+<p:sld xmlns:a="http://schemas.openxmlformats.org/drawingml/2006/main" xmlns:r="http://schemas.openxmlformats.org/officeDocument/2006/relationships" xmlns:p="http://schemas.openxmlformats.org/presentationml/2006/main">
   <p:cSld>
     <p:spTree>
       <p:nvGrpSpPr>
-        <p:cNvPr id="89" name="Shape 89"/>
+        <p:cNvPr id="1" name="Shape 89"/>
         <p:cNvGrpSpPr/>
         <p:nvPr/>
       </p:nvGrpSpPr>
@@ -7875,7 +8007,9 @@
       <p:sp>
         <p:nvSpPr>
           <p:cNvPr id="90" name="Google Shape;90;p17"/>
-          <p:cNvSpPr txBox="1"/>
+          <p:cNvSpPr txBox="1">
+            <a:spLocks noGrp="1"/>
+          </p:cNvSpPr>
           <p:nvPr>
             <p:ph type="title"/>
           </p:nvPr>
@@ -7890,12 +8024,12 @@
           </a:prstGeom>
         </p:spPr>
         <p:txBody>
-          <a:bodyPr anchorCtr="0" anchor="ctr" bIns="91425" lIns="91425" spcFirstLastPara="1" rIns="91425" wrap="square" tIns="91425">
+          <a:bodyPr spcFirstLastPara="1" wrap="square" lIns="91425" tIns="91425" rIns="91425" bIns="91425" anchor="ctr" anchorCtr="0">
             <a:normAutofit fontScale="90000"/>
           </a:bodyPr>
           <a:lstStyle/>
           <a:p>
-            <a:pPr indent="0" lvl="0" marL="0" rtl="0" algn="l">
+            <a:pPr marL="0" lvl="0" indent="0" algn="l" rtl="0">
               <a:spcBef>
                 <a:spcPts val="0"/>
               </a:spcBef>
@@ -7915,9 +8049,11 @@
       <p:sp>
         <p:nvSpPr>
           <p:cNvPr id="91" name="Google Shape;91;p17"/>
-          <p:cNvSpPr txBox="1"/>
+          <p:cNvSpPr txBox="1">
+            <a:spLocks noGrp="1"/>
+          </p:cNvSpPr>
           <p:nvPr>
-            <p:ph idx="1" type="body"/>
+            <p:ph type="body" idx="1"/>
           </p:nvPr>
         </p:nvSpPr>
         <p:spPr>
@@ -7930,12 +8066,12 @@
           </a:prstGeom>
         </p:spPr>
         <p:txBody>
-          <a:bodyPr anchorCtr="0" anchor="t" bIns="91425" lIns="91425" spcFirstLastPara="1" rIns="91425" wrap="square" tIns="91425">
+          <a:bodyPr spcFirstLastPara="1" wrap="square" lIns="91425" tIns="91425" rIns="91425" bIns="91425" anchor="t" anchorCtr="0">
             <a:noAutofit/>
           </a:bodyPr>
           <a:lstStyle/>
           <a:p>
-            <a:pPr indent="-349250" lvl="0" marL="457200" rtl="0" algn="l">
+            <a:pPr marL="457200" lvl="0" indent="-349250" algn="l" rtl="0">
               <a:lnSpc>
                 <a:spcPct val="80000"/>
               </a:lnSpc>
@@ -7952,21 +8088,21 @@
               <a:buChar char="●"/>
             </a:pPr>
             <a:r>
-              <a:rPr lang="en" sz="1900">
+              <a:rPr lang="en" sz="1900" dirty="0">
                 <a:solidFill>
                   <a:schemeClr val="dk1"/>
                 </a:solidFill>
               </a:rPr>
-              <a:t>Prior to 1880, the vast majority of deaths recorded were between 0 and 40 years old.</a:t>
+              <a:t>Prior to 1880, the vast majority of deaths recorded were between 0 and 40 years old … and most were in the 0 – 18 range.</a:t>
             </a:r>
-            <a:endParaRPr sz="1900">
+            <a:endParaRPr sz="1900" dirty="0">
               <a:solidFill>
                 <a:schemeClr val="dk1"/>
               </a:solidFill>
             </a:endParaRPr>
           </a:p>
           <a:p>
-            <a:pPr indent="-349250" lvl="0" marL="457200" rtl="0" algn="l">
+            <a:pPr marL="457200" lvl="0" indent="-349250" algn="l" rtl="0">
               <a:lnSpc>
                 <a:spcPct val="80000"/>
               </a:lnSpc>
@@ -7983,30 +8119,14 @@
               <a:buChar char="●"/>
             </a:pPr>
             <a:r>
-              <a:rPr lang="en" sz="1900">
+              <a:rPr lang="en" sz="1900" dirty="0">
                 <a:solidFill>
                   <a:schemeClr val="dk1"/>
                 </a:solidFill>
               </a:rPr>
-              <a:t>From the 1920s onward, burials of 40-and-younger people had declined </a:t>
+              <a:t>From the 1920s onward, burials of 40-and-younger people had declined significantly.</a:t>
             </a:r>
-            <a:r>
-              <a:rPr lang="en" sz="1900">
-                <a:solidFill>
-                  <a:schemeClr val="dk1"/>
-                </a:solidFill>
-              </a:rPr>
-              <a:t>significantly</a:t>
-            </a:r>
-            <a:r>
-              <a:rPr lang="en" sz="1900">
-                <a:solidFill>
-                  <a:schemeClr val="dk1"/>
-                </a:solidFill>
-              </a:rPr>
-              <a:t>.</a:t>
-            </a:r>
-            <a:endParaRPr sz="1900">
+            <a:endParaRPr sz="1900" dirty="0">
               <a:solidFill>
                 <a:schemeClr val="dk1"/>
               </a:solidFill>
@@ -8021,7 +8141,7 @@
           <p:nvPr/>
         </p:nvCxnSpPr>
         <p:spPr>
-          <a:xfrm flipH="1" rot="10800000">
+          <a:xfrm rot="10800000" flipH="1">
             <a:off x="157650" y="777750"/>
             <a:ext cx="8828700" cy="11400"/>
           </a:xfrm>
@@ -8029,14 +8149,14 @@
             <a:avLst/>
           </a:prstGeom>
           <a:noFill/>
-          <a:ln cap="flat" cmpd="sng" w="38100">
+          <a:ln w="38100" cap="flat" cmpd="sng">
             <a:solidFill>
               <a:schemeClr val="dk2"/>
             </a:solidFill>
             <a:prstDash val="solid"/>
             <a:round/>
-            <a:headEnd len="med" w="med" type="none"/>
-            <a:tailEnd len="med" w="med" type="none"/>
+            <a:headEnd type="none" w="med" len="med"/>
+            <a:tailEnd type="none" w="med" len="med"/>
           </a:ln>
         </p:spPr>
       </p:cxnSp>
@@ -8105,11 +8225,11 @@
 </file>
 
 <file path=ppt/slides/slide6.xml><?xml version="1.0" encoding="utf-8"?>
-<p:sld xmlns:a="http://schemas.openxmlformats.org/drawingml/2006/main" xmlns:r="http://schemas.openxmlformats.org/officeDocument/2006/relationships" xmlns:mc="http://schemas.openxmlformats.org/markup-compatibility/2006" xmlns:mv="urn:schemas-microsoft-com:mac:vml" xmlns:p="http://schemas.openxmlformats.org/presentationml/2006/main" xmlns:c="http://schemas.openxmlformats.org/drawingml/2006/chart" xmlns:dgm="http://schemas.openxmlformats.org/drawingml/2006/diagram" xmlns:o="urn:schemas-microsoft-com:office:office" xmlns:v="urn:schemas-microsoft-com:vml" xmlns:pvml="urn:schemas-microsoft-com:office:powerpoint" xmlns:com="http://schemas.openxmlformats.org/drawingml/2006/compatibility" xmlns:p14="http://schemas.microsoft.com/office/powerpoint/2010/main" xmlns:p15="http://schemas.microsoft.com/office/powerpoint/2012/main" xmlns:ahyp="http://schemas.microsoft.com/office/drawing/2018/hyperlinkcolor">
+<p:sld xmlns:a="http://schemas.openxmlformats.org/drawingml/2006/main" xmlns:r="http://schemas.openxmlformats.org/officeDocument/2006/relationships" xmlns:p="http://schemas.openxmlformats.org/presentationml/2006/main">
   <p:cSld>
     <p:spTree>
       <p:nvGrpSpPr>
-        <p:cNvPr id="98" name="Shape 98"/>
+        <p:cNvPr id="1" name="Shape 98"/>
         <p:cNvGrpSpPr/>
         <p:nvPr/>
       </p:nvGrpSpPr>
@@ -8124,7 +8244,9 @@
       <p:sp>
         <p:nvSpPr>
           <p:cNvPr id="99" name="Google Shape;99;p18"/>
-          <p:cNvSpPr txBox="1"/>
+          <p:cNvSpPr txBox="1">
+            <a:spLocks noGrp="1"/>
+          </p:cNvSpPr>
           <p:nvPr>
             <p:ph type="title"/>
           </p:nvPr>
@@ -8139,12 +8261,12 @@
           </a:prstGeom>
         </p:spPr>
         <p:txBody>
-          <a:bodyPr anchorCtr="0" anchor="ctr" bIns="91425" lIns="91425" spcFirstLastPara="1" rIns="91425" wrap="square" tIns="91425">
+          <a:bodyPr spcFirstLastPara="1" wrap="square" lIns="91425" tIns="91425" rIns="91425" bIns="91425" anchor="ctr" anchorCtr="0">
             <a:normAutofit fontScale="90000"/>
           </a:bodyPr>
           <a:lstStyle/>
           <a:p>
-            <a:pPr indent="0" lvl="0" marL="0" rtl="0" algn="l">
+            <a:pPr marL="0" lvl="0" indent="0" algn="l" rtl="0">
               <a:spcBef>
                 <a:spcPts val="0"/>
               </a:spcBef>
@@ -8164,9 +8286,11 @@
       <p:sp>
         <p:nvSpPr>
           <p:cNvPr id="100" name="Google Shape;100;p18"/>
-          <p:cNvSpPr txBox="1"/>
+          <p:cNvSpPr txBox="1">
+            <a:spLocks noGrp="1"/>
+          </p:cNvSpPr>
           <p:nvPr>
-            <p:ph idx="1" type="body"/>
+            <p:ph type="body" idx="1"/>
           </p:nvPr>
         </p:nvSpPr>
         <p:spPr>
@@ -8179,12 +8303,12 @@
           </a:prstGeom>
         </p:spPr>
         <p:txBody>
-          <a:bodyPr anchorCtr="0" anchor="t" bIns="91425" lIns="91425" spcFirstLastPara="1" rIns="91425" wrap="square" tIns="91425">
+          <a:bodyPr spcFirstLastPara="1" wrap="square" lIns="91425" tIns="91425" rIns="91425" bIns="91425" anchor="t" anchorCtr="0">
             <a:noAutofit/>
           </a:bodyPr>
           <a:lstStyle/>
           <a:p>
-            <a:pPr indent="-349250" lvl="0" marL="457200" rtl="0" algn="l">
+            <a:pPr marL="457200" lvl="0" indent="-349250" algn="l" rtl="0">
               <a:lnSpc>
                 <a:spcPct val="80000"/>
               </a:lnSpc>
@@ -8201,7 +8325,7 @@
               <a:buChar char="●"/>
             </a:pPr>
             <a:r>
-              <a:rPr lang="en" sz="1900">
+              <a:rPr lang="en" sz="1900" dirty="0">
                 <a:solidFill>
                   <a:schemeClr val="dk1"/>
                 </a:solidFill>
@@ -8209,7 +8333,7 @@
               <a:t>While the Civil War period (1860-1865) saw many Nashvillians die - more than 5,000 - the </a:t>
             </a:r>
             <a:r>
-              <a:rPr lang="en" sz="1900">
+              <a:rPr lang="en" sz="1900" dirty="0">
                 <a:solidFill>
                   <a:srgbClr val="FF0000"/>
                 </a:solidFill>
@@ -8217,45 +8341,37 @@
               <a:t>most lethal month</a:t>
             </a:r>
             <a:r>
-              <a:rPr lang="en" sz="1900">
+              <a:rPr lang="en" sz="1900" dirty="0">
                 <a:solidFill>
                   <a:schemeClr val="dk1"/>
                 </a:solidFill>
               </a:rPr>
-              <a:t> in </a:t>
+              <a:t> in the Cemetery’s history </a:t>
             </a:r>
             <a:r>
-              <a:rPr lang="en" sz="1900">
-                <a:solidFill>
-                  <a:schemeClr val="dk1"/>
+              <a:rPr lang="en" sz="1900" dirty="0">
+                <a:solidFill>
+                  <a:schemeClr val="tx1"/>
                 </a:solidFill>
               </a:rPr>
-              <a:t>Cemetery</a:t>
+              <a:t>came</a:t>
             </a:r>
             <a:r>
-              <a:rPr lang="en" sz="1900">
-                <a:solidFill>
-                  <a:schemeClr val="dk1"/>
+              <a:rPr lang="en" sz="1900" dirty="0">
+                <a:solidFill>
+                  <a:srgbClr val="FF0000"/>
                 </a:solidFill>
               </a:rPr>
-              <a:t> history </a:t>
+              <a:t> more than a year after the war ended.</a:t>
             </a:r>
-            <a:r>
-              <a:rPr lang="en" sz="1900">
-                <a:solidFill>
-                  <a:srgbClr val="FF0000"/>
-                </a:solidFill>
-              </a:rPr>
-              <a:t>came more than a year after the war ended.</a:t>
-            </a:r>
-            <a:endParaRPr sz="1900">
+            <a:endParaRPr sz="1900" dirty="0">
               <a:solidFill>
                 <a:srgbClr val="FF0000"/>
               </a:solidFill>
             </a:endParaRPr>
           </a:p>
           <a:p>
-            <a:pPr indent="-349250" lvl="0" marL="457200" rtl="0" algn="l">
+            <a:pPr marL="457200" lvl="0" indent="-349250" algn="l" rtl="0">
               <a:lnSpc>
                 <a:spcPct val="80000"/>
               </a:lnSpc>
@@ -8272,22 +8388,14 @@
               <a:buChar char="●"/>
             </a:pPr>
             <a:r>
-              <a:rPr lang="en" sz="1900">
+              <a:rPr lang="en" sz="1900" dirty="0">
                 <a:solidFill>
                   <a:schemeClr val="dk1"/>
                 </a:solidFill>
               </a:rPr>
-              <a:t>September 1866 saw 441 people buried in the </a:t>
+              <a:t>September 1866 saw 441 people buried in the Cemetery, the most in any single month from 1842 to 1979. </a:t>
             </a:r>
-            <a:r>
-              <a:rPr lang="en" sz="1900">
-                <a:solidFill>
-                  <a:schemeClr val="dk1"/>
-                </a:solidFill>
-              </a:rPr>
-              <a:t>Cemetery, the most in any single month from 1842 to 1979. </a:t>
-            </a:r>
-            <a:endParaRPr sz="1900">
+            <a:endParaRPr sz="1900" dirty="0">
               <a:solidFill>
                 <a:schemeClr val="dk1"/>
               </a:solidFill>
@@ -8302,7 +8410,7 @@
           <p:nvPr/>
         </p:nvCxnSpPr>
         <p:spPr>
-          <a:xfrm flipH="1" rot="10800000">
+          <a:xfrm rot="10800000" flipH="1">
             <a:off x="157650" y="777750"/>
             <a:ext cx="8828700" cy="11400"/>
           </a:xfrm>
@@ -8310,14 +8418,14 @@
             <a:avLst/>
           </a:prstGeom>
           <a:noFill/>
-          <a:ln cap="flat" cmpd="sng" w="38100">
+          <a:ln w="38100" cap="flat" cmpd="sng">
             <a:solidFill>
               <a:schemeClr val="dk2"/>
             </a:solidFill>
             <a:prstDash val="solid"/>
             <a:round/>
-            <a:headEnd len="med" w="med" type="none"/>
-            <a:tailEnd len="med" w="med" type="none"/>
+            <a:headEnd type="none" w="med" len="med"/>
+            <a:tailEnd type="none" w="med" len="med"/>
           </a:ln>
         </p:spPr>
       </p:cxnSp>
@@ -8341,12 +8449,12 @@
           </a:ln>
         </p:spPr>
         <p:txBody>
-          <a:bodyPr anchorCtr="0" anchor="t" bIns="91425" lIns="91425" spcFirstLastPara="1" rIns="91425" wrap="square" tIns="91425">
+          <a:bodyPr spcFirstLastPara="1" wrap="square" lIns="91425" tIns="91425" rIns="91425" bIns="91425" anchor="t" anchorCtr="0">
             <a:spAutoFit/>
           </a:bodyPr>
           <a:lstStyle/>
           <a:p>
-            <a:pPr indent="0" lvl="0" marL="0" rtl="0" algn="l">
+            <a:pPr marL="0" lvl="0" indent="0" algn="l" rtl="0">
               <a:spcBef>
                 <a:spcPts val="0"/>
               </a:spcBef>
@@ -8355,9 +8463,6 @@
               </a:spcAft>
               <a:buNone/>
             </a:pPr>
-            <a:r>
-              <a:t/>
-            </a:r>
             <a:endParaRPr>
               <a:latin typeface="Average"/>
               <a:ea typeface="Average"/>
@@ -8387,12 +8492,12 @@
           </a:ln>
         </p:spPr>
         <p:txBody>
-          <a:bodyPr anchorCtr="0" anchor="t" bIns="91425" lIns="91425" spcFirstLastPara="1" rIns="91425" wrap="square" tIns="91425">
+          <a:bodyPr spcFirstLastPara="1" wrap="square" lIns="91425" tIns="91425" rIns="91425" bIns="91425" anchor="t" anchorCtr="0">
             <a:spAutoFit/>
           </a:bodyPr>
           <a:lstStyle/>
           <a:p>
-            <a:pPr indent="-349250" lvl="0" marL="457200" rtl="0" algn="l">
+            <a:pPr marL="457200" lvl="0" indent="-349250" algn="l" rtl="0">
               <a:spcBef>
                 <a:spcPts val="0"/>
               </a:spcBef>
@@ -8407,7 +8512,7 @@
               <a:buChar char="●"/>
             </a:pPr>
             <a:r>
-              <a:rPr lang="en" sz="1900">
+              <a:rPr lang="en" sz="1900" dirty="0">
                 <a:solidFill>
                   <a:schemeClr val="dk1"/>
                 </a:solidFill>
@@ -8419,7 +8524,7 @@
               <a:t>Of those, 327 - roughly 74% - </a:t>
             </a:r>
             <a:r>
-              <a:rPr lang="en" sz="1900">
+              <a:rPr lang="en" sz="1900" dirty="0">
                 <a:solidFill>
                   <a:srgbClr val="FF0000"/>
                 </a:solidFill>
@@ -8430,7 +8535,7 @@
               </a:rPr>
               <a:t>died from Cholera.</a:t>
             </a:r>
-            <a:endParaRPr sz="1900">
+            <a:endParaRPr sz="1900" dirty="0">
               <a:solidFill>
                 <a:srgbClr val="FF0000"/>
               </a:solidFill>
@@ -8441,7 +8546,7 @@
             </a:endParaRPr>
           </a:p>
           <a:p>
-            <a:pPr indent="-349250" lvl="0" marL="457200" rtl="0" algn="l">
+            <a:pPr marL="457200" lvl="0" indent="-349250" algn="l" rtl="0">
               <a:spcBef>
                 <a:spcPts val="0"/>
               </a:spcBef>
@@ -8456,7 +8561,7 @@
               <a:buChar char="●"/>
             </a:pPr>
             <a:r>
-              <a:rPr lang="en" sz="1900">
+              <a:rPr lang="en" sz="1900" dirty="0">
                 <a:solidFill>
                   <a:schemeClr val="dk1"/>
                 </a:solidFill>
@@ -8465,9 +8570,9 @@
                 <a:cs typeface="Average"/>
                 <a:sym typeface="Average"/>
               </a:rPr>
-              <a:t>By comparison, the next moth lethal month - July 1850, at the height of the Cholera epidemic - saw 370 burials.</a:t>
+              <a:t>By comparison, the next most lethal month - July 1850, at the height of the Cholera epidemic - saw 370 burials.</a:t>
             </a:r>
-            <a:endParaRPr sz="1900">
+            <a:endParaRPr sz="1900" dirty="0">
               <a:solidFill>
                 <a:schemeClr val="dk1"/>
               </a:solidFill>
@@ -8495,7 +8600,7 @@
         </p:blipFill>
         <p:spPr>
           <a:xfrm>
-            <a:off x="3635100" y="1921752"/>
+            <a:off x="3635100" y="1921750"/>
             <a:ext cx="5276324" cy="3011724"/>
           </a:xfrm>
           <a:prstGeom prst="rect">
@@ -8516,11 +8621,11 @@
 </file>
 
 <file path=ppt/slides/slide7.xml><?xml version="1.0" encoding="utf-8"?>
-<p:sld xmlns:a="http://schemas.openxmlformats.org/drawingml/2006/main" xmlns:r="http://schemas.openxmlformats.org/officeDocument/2006/relationships" xmlns:mc="http://schemas.openxmlformats.org/markup-compatibility/2006" xmlns:mv="urn:schemas-microsoft-com:mac:vml" xmlns:p="http://schemas.openxmlformats.org/presentationml/2006/main" xmlns:c="http://schemas.openxmlformats.org/drawingml/2006/chart" xmlns:dgm="http://schemas.openxmlformats.org/drawingml/2006/diagram" xmlns:o="urn:schemas-microsoft-com:office:office" xmlns:v="urn:schemas-microsoft-com:vml" xmlns:pvml="urn:schemas-microsoft-com:office:powerpoint" xmlns:com="http://schemas.openxmlformats.org/drawingml/2006/compatibility" xmlns:p14="http://schemas.microsoft.com/office/powerpoint/2010/main" xmlns:p15="http://schemas.microsoft.com/office/powerpoint/2012/main" xmlns:ahyp="http://schemas.microsoft.com/office/drawing/2018/hyperlinkcolor">
+<p:sld xmlns:a="http://schemas.openxmlformats.org/drawingml/2006/main" xmlns:r="http://schemas.openxmlformats.org/officeDocument/2006/relationships" xmlns:p="http://schemas.openxmlformats.org/presentationml/2006/main">
   <p:cSld>
     <p:spTree>
       <p:nvGrpSpPr>
-        <p:cNvPr id="108" name="Shape 108"/>
+        <p:cNvPr id="1" name="Shape 108"/>
         <p:cNvGrpSpPr/>
         <p:nvPr/>
       </p:nvGrpSpPr>
@@ -8535,7 +8640,9 @@
       <p:sp>
         <p:nvSpPr>
           <p:cNvPr id="109" name="Google Shape;109;p19"/>
-          <p:cNvSpPr txBox="1"/>
+          <p:cNvSpPr txBox="1">
+            <a:spLocks noGrp="1"/>
+          </p:cNvSpPr>
           <p:nvPr>
             <p:ph type="title"/>
           </p:nvPr>
@@ -8550,12 +8657,12 @@
           </a:prstGeom>
         </p:spPr>
         <p:txBody>
-          <a:bodyPr anchorCtr="0" anchor="ctr" bIns="91425" lIns="91425" spcFirstLastPara="1" rIns="91425" wrap="square" tIns="91425">
+          <a:bodyPr spcFirstLastPara="1" wrap="square" lIns="91425" tIns="91425" rIns="91425" bIns="91425" anchor="ctr" anchorCtr="0">
             <a:noAutofit/>
           </a:bodyPr>
           <a:lstStyle/>
           <a:p>
-            <a:pPr indent="0" lvl="0" marL="0" rtl="0" algn="ctr">
+            <a:pPr marL="0" lvl="0" indent="0" algn="ctr" rtl="0">
               <a:spcBef>
                 <a:spcPts val="0"/>
               </a:spcBef>
@@ -8566,11 +8673,7 @@
             </a:pPr>
             <a:r>
               <a:rPr lang="en" sz="7200"/>
-              <a:t>Questions?</a:t>
-            </a:r>
-            <a:r>
-              <a:rPr lang="en" sz="7200"/>
-              <a:t> </a:t>
+              <a:t>Questions? </a:t>
             </a:r>
             <a:endParaRPr sz="7200"/>
           </a:p>
@@ -8596,12 +8699,12 @@
           </a:ln>
         </p:spPr>
         <p:txBody>
-          <a:bodyPr anchorCtr="0" anchor="t" bIns="91425" lIns="91425" spcFirstLastPara="1" rIns="91425" wrap="square" tIns="91425">
+          <a:bodyPr spcFirstLastPara="1" wrap="square" lIns="91425" tIns="91425" rIns="91425" bIns="91425" anchor="t" anchorCtr="0">
             <a:spAutoFit/>
           </a:bodyPr>
           <a:lstStyle/>
           <a:p>
-            <a:pPr indent="0" lvl="0" marL="0" rtl="0" algn="l">
+            <a:pPr marL="0" lvl="0" indent="0" algn="l" rtl="0">
               <a:spcBef>
                 <a:spcPts val="0"/>
               </a:spcBef>
@@ -8610,9 +8713,6 @@
               </a:spcAft>
               <a:buNone/>
             </a:pPr>
-            <a:r>
-              <a:t/>
-            </a:r>
             <a:endParaRPr>
               <a:latin typeface="Average"/>
               <a:ea typeface="Average"/>
@@ -8631,7 +8731,288 @@
 </file>
 
 <file path=ppt/theme/theme1.xml><?xml version="1.0" encoding="utf-8"?>
-<a:theme xmlns:a="http://schemas.openxmlformats.org/drawingml/2006/main" xmlns:r="http://schemas.openxmlformats.org/officeDocument/2006/relationships">
+<a:theme xmlns:a="http://schemas.openxmlformats.org/drawingml/2006/main" name="Slate">
+  <a:themeElements>
+    <a:clrScheme name="Slate">
+      <a:dk1>
+        <a:srgbClr val="FFFFFF"/>
+      </a:dk1>
+      <a:lt1>
+        <a:srgbClr val="37474F"/>
+      </a:lt1>
+      <a:dk2>
+        <a:srgbClr val="9E9E9E"/>
+      </a:dk2>
+      <a:lt2>
+        <a:srgbClr val="E0E0E0"/>
+      </a:lt2>
+      <a:accent1>
+        <a:srgbClr val="616161"/>
+      </a:accent1>
+      <a:accent2>
+        <a:srgbClr val="78909C"/>
+      </a:accent2>
+      <a:accent3>
+        <a:srgbClr val="CACACA"/>
+      </a:accent3>
+      <a:accent4>
+        <a:srgbClr val="64FFDA"/>
+      </a:accent4>
+      <a:accent5>
+        <a:srgbClr val="FFD966"/>
+      </a:accent5>
+      <a:accent6>
+        <a:srgbClr val="F5F5F5"/>
+      </a:accent6>
+      <a:hlink>
+        <a:srgbClr val="FFD966"/>
+      </a:hlink>
+      <a:folHlink>
+        <a:srgbClr val="FFD966"/>
+      </a:folHlink>
+    </a:clrScheme>
+    <a:fontScheme name="Office">
+      <a:majorFont>
+        <a:latin typeface="Arial"/>
+        <a:ea typeface=""/>
+        <a:cs typeface=""/>
+        <a:font script="Jpan" typeface="ＭＳ Ｐゴシック"/>
+        <a:font script="Hang" typeface="맑은 고딕"/>
+        <a:font script="Hans" typeface="宋体"/>
+        <a:font script="Hant" typeface="新細明體"/>
+        <a:font script="Arab" typeface="Times New Roman"/>
+        <a:font script="Hebr" typeface="Times New Roman"/>
+        <a:font script="Thai" typeface="Angsana New"/>
+        <a:font script="Ethi" typeface="Nyala"/>
+        <a:font script="Beng" typeface="Vrinda"/>
+        <a:font script="Gujr" typeface="Shruti"/>
+        <a:font script="Khmr" typeface="MoolBoran"/>
+        <a:font script="Knda" typeface="Tunga"/>
+        <a:font script="Guru" typeface="Raavi"/>
+        <a:font script="Cans" typeface="Euphemia"/>
+        <a:font script="Cher" typeface="Plantagenet Cherokee"/>
+        <a:font script="Yiii" typeface="Microsoft Yi Baiti"/>
+        <a:font script="Tibt" typeface="Microsoft Himalaya"/>
+        <a:font script="Thaa" typeface="MV Boli"/>
+        <a:font script="Deva" typeface="Mangal"/>
+        <a:font script="Telu" typeface="Gautami"/>
+        <a:font script="Taml" typeface="Latha"/>
+        <a:font script="Syrc" typeface="Estrangelo Edessa"/>
+        <a:font script="Orya" typeface="Kalinga"/>
+        <a:font script="Mlym" typeface="Kartika"/>
+        <a:font script="Laoo" typeface="DokChampa"/>
+        <a:font script="Sinh" typeface="Iskoola Pota"/>
+        <a:font script="Mong" typeface="Mongolian Baiti"/>
+        <a:font script="Viet" typeface="Times New Roman"/>
+        <a:font script="Uigh" typeface="Microsoft Uighur"/>
+        <a:font script="Geor" typeface="Sylfaen"/>
+      </a:majorFont>
+      <a:minorFont>
+        <a:latin typeface="Arial"/>
+        <a:ea typeface=""/>
+        <a:cs typeface=""/>
+        <a:font script="Jpan" typeface="ＭＳ Ｐゴシック"/>
+        <a:font script="Hang" typeface="맑은 고딕"/>
+        <a:font script="Hans" typeface="宋体"/>
+        <a:font script="Hant" typeface="新細明體"/>
+        <a:font script="Arab" typeface="Arial"/>
+        <a:font script="Hebr" typeface="Arial"/>
+        <a:font script="Thai" typeface="Cordia New"/>
+        <a:font script="Ethi" typeface="Nyala"/>
+        <a:font script="Beng" typeface="Vrinda"/>
+        <a:font script="Gujr" typeface="Shruti"/>
+        <a:font script="Khmr" typeface="DaunPenh"/>
+        <a:font script="Knda" typeface="Tunga"/>
+        <a:font script="Guru" typeface="Raavi"/>
+        <a:font script="Cans" typeface="Euphemia"/>
+        <a:font script="Cher" typeface="Plantagenet Cherokee"/>
+        <a:font script="Yiii" typeface="Microsoft Yi Baiti"/>
+        <a:font script="Tibt" typeface="Microsoft Himalaya"/>
+        <a:font script="Thaa" typeface="MV Boli"/>
+        <a:font script="Deva" typeface="Mangal"/>
+        <a:font script="Telu" typeface="Gautami"/>
+        <a:font script="Taml" typeface="Latha"/>
+        <a:font script="Syrc" typeface="Estrangelo Edessa"/>
+        <a:font script="Orya" typeface="Kalinga"/>
+        <a:font script="Mlym" typeface="Kartika"/>
+        <a:font script="Laoo" typeface="DokChampa"/>
+        <a:font script="Sinh" typeface="Iskoola Pota"/>
+        <a:font script="Mong" typeface="Mongolian Baiti"/>
+        <a:font script="Viet" typeface="Arial"/>
+        <a:font script="Uigh" typeface="Microsoft Uighur"/>
+        <a:font script="Geor" typeface="Sylfaen"/>
+      </a:minorFont>
+    </a:fontScheme>
+    <a:fmtScheme name="Office">
+      <a:fillStyleLst>
+        <a:solidFill>
+          <a:schemeClr val="phClr"/>
+        </a:solidFill>
+        <a:gradFill rotWithShape="1">
+          <a:gsLst>
+            <a:gs pos="0">
+              <a:schemeClr val="phClr">
+                <a:tint val="50000"/>
+                <a:satMod val="300000"/>
+              </a:schemeClr>
+            </a:gs>
+            <a:gs pos="35000">
+              <a:schemeClr val="phClr">
+                <a:tint val="37000"/>
+                <a:satMod val="300000"/>
+              </a:schemeClr>
+            </a:gs>
+            <a:gs pos="100000">
+              <a:schemeClr val="phClr">
+                <a:tint val="15000"/>
+                <a:satMod val="350000"/>
+              </a:schemeClr>
+            </a:gs>
+          </a:gsLst>
+          <a:lin ang="16200000" scaled="1"/>
+        </a:gradFill>
+        <a:gradFill rotWithShape="1">
+          <a:gsLst>
+            <a:gs pos="0">
+              <a:schemeClr val="phClr">
+                <a:tint val="100000"/>
+                <a:shade val="100000"/>
+                <a:satMod val="130000"/>
+              </a:schemeClr>
+            </a:gs>
+            <a:gs pos="100000">
+              <a:schemeClr val="phClr">
+                <a:tint val="50000"/>
+                <a:shade val="100000"/>
+                <a:satMod val="350000"/>
+              </a:schemeClr>
+            </a:gs>
+          </a:gsLst>
+          <a:lin ang="16200000" scaled="0"/>
+        </a:gradFill>
+      </a:fillStyleLst>
+      <a:lnStyleLst>
+        <a:ln w="9525" cap="flat" cmpd="sng" algn="ctr">
+          <a:solidFill>
+            <a:schemeClr val="phClr">
+              <a:shade val="95000"/>
+              <a:satMod val="105000"/>
+            </a:schemeClr>
+          </a:solidFill>
+          <a:prstDash val="solid"/>
+        </a:ln>
+        <a:ln w="25400" cap="flat" cmpd="sng" algn="ctr">
+          <a:solidFill>
+            <a:schemeClr val="phClr"/>
+          </a:solidFill>
+          <a:prstDash val="solid"/>
+        </a:ln>
+        <a:ln w="38100" cap="flat" cmpd="sng" algn="ctr">
+          <a:solidFill>
+            <a:schemeClr val="phClr"/>
+          </a:solidFill>
+          <a:prstDash val="solid"/>
+        </a:ln>
+      </a:lnStyleLst>
+      <a:effectStyleLst>
+        <a:effectStyle>
+          <a:effectLst>
+            <a:outerShdw blurRad="40000" dist="20000" dir="5400000" rotWithShape="0">
+              <a:srgbClr val="000000">
+                <a:alpha val="38000"/>
+              </a:srgbClr>
+            </a:outerShdw>
+          </a:effectLst>
+        </a:effectStyle>
+        <a:effectStyle>
+          <a:effectLst>
+            <a:outerShdw blurRad="40000" dist="23000" dir="5400000" rotWithShape="0">
+              <a:srgbClr val="000000">
+                <a:alpha val="35000"/>
+              </a:srgbClr>
+            </a:outerShdw>
+          </a:effectLst>
+        </a:effectStyle>
+        <a:effectStyle>
+          <a:effectLst>
+            <a:outerShdw blurRad="40000" dist="23000" dir="5400000" rotWithShape="0">
+              <a:srgbClr val="000000">
+                <a:alpha val="35000"/>
+              </a:srgbClr>
+            </a:outerShdw>
+          </a:effectLst>
+          <a:scene3d>
+            <a:camera prst="orthographicFront">
+              <a:rot lat="0" lon="0" rev="0"/>
+            </a:camera>
+            <a:lightRig rig="threePt" dir="t">
+              <a:rot lat="0" lon="0" rev="1200000"/>
+            </a:lightRig>
+          </a:scene3d>
+          <a:sp3d>
+            <a:bevelT w="63500" h="25400"/>
+          </a:sp3d>
+        </a:effectStyle>
+      </a:effectStyleLst>
+      <a:bgFillStyleLst>
+        <a:solidFill>
+          <a:schemeClr val="phClr"/>
+        </a:solidFill>
+        <a:gradFill rotWithShape="1">
+          <a:gsLst>
+            <a:gs pos="0">
+              <a:schemeClr val="phClr">
+                <a:tint val="40000"/>
+                <a:satMod val="350000"/>
+              </a:schemeClr>
+            </a:gs>
+            <a:gs pos="40000">
+              <a:schemeClr val="phClr">
+                <a:tint val="45000"/>
+                <a:shade val="99000"/>
+                <a:satMod val="350000"/>
+              </a:schemeClr>
+            </a:gs>
+            <a:gs pos="100000">
+              <a:schemeClr val="phClr">
+                <a:shade val="20000"/>
+                <a:satMod val="255000"/>
+              </a:schemeClr>
+            </a:gs>
+          </a:gsLst>
+          <a:path path="circle">
+            <a:fillToRect l="50000" t="-80000" r="50000" b="180000"/>
+          </a:path>
+        </a:gradFill>
+        <a:gradFill rotWithShape="1">
+          <a:gsLst>
+            <a:gs pos="0">
+              <a:schemeClr val="phClr">
+                <a:tint val="80000"/>
+                <a:satMod val="300000"/>
+              </a:schemeClr>
+            </a:gs>
+            <a:gs pos="100000">
+              <a:schemeClr val="phClr">
+                <a:shade val="30000"/>
+                <a:satMod val="200000"/>
+              </a:schemeClr>
+            </a:gs>
+          </a:gsLst>
+          <a:path path="circle">
+            <a:fillToRect l="50000" t="50000" r="50000" b="50000"/>
+          </a:path>
+        </a:gradFill>
+      </a:bgFillStyleLst>
+    </a:fmtScheme>
+  </a:themeElements>
+  <a:objectDefaults/>
+  <a:extraClrSchemeLst/>
+</a:theme>
+</file>
+
+<file path=ppt/theme/theme2.xml><?xml version="1.0" encoding="utf-8"?>
+<a:theme xmlns:a="http://schemas.openxmlformats.org/drawingml/2006/main">
   <a:themeElements>
     <a:clrScheme name="Default">
       <a:dk1>
@@ -8906,284 +9287,7 @@
       </a:bgFillStyleLst>
     </a:fmtScheme>
   </a:themeElements>
-</a:theme>
-</file>
-
-<file path=ppt/theme/theme2.xml><?xml version="1.0" encoding="utf-8"?>
-<a:theme xmlns:a="http://schemas.openxmlformats.org/drawingml/2006/main" xmlns:r="http://schemas.openxmlformats.org/officeDocument/2006/relationships" name="Slate">
-  <a:themeElements>
-    <a:clrScheme name="Slate">
-      <a:dk1>
-        <a:srgbClr val="FFFFFF"/>
-      </a:dk1>
-      <a:lt1>
-        <a:srgbClr val="37474F"/>
-      </a:lt1>
-      <a:dk2>
-        <a:srgbClr val="9E9E9E"/>
-      </a:dk2>
-      <a:lt2>
-        <a:srgbClr val="E0E0E0"/>
-      </a:lt2>
-      <a:accent1>
-        <a:srgbClr val="616161"/>
-      </a:accent1>
-      <a:accent2>
-        <a:srgbClr val="78909C"/>
-      </a:accent2>
-      <a:accent3>
-        <a:srgbClr val="CACACA"/>
-      </a:accent3>
-      <a:accent4>
-        <a:srgbClr val="64FFDA"/>
-      </a:accent4>
-      <a:accent5>
-        <a:srgbClr val="FFD966"/>
-      </a:accent5>
-      <a:accent6>
-        <a:srgbClr val="F5F5F5"/>
-      </a:accent6>
-      <a:hlink>
-        <a:srgbClr val="FFD966"/>
-      </a:hlink>
-      <a:folHlink>
-        <a:srgbClr val="FFD966"/>
-      </a:folHlink>
-    </a:clrScheme>
-    <a:fontScheme name="Office">
-      <a:majorFont>
-        <a:latin typeface="Arial"/>
-        <a:ea typeface=""/>
-        <a:cs typeface=""/>
-        <a:font script="Jpan" typeface="ＭＳ Ｐゴシック"/>
-        <a:font script="Hang" typeface="맑은 고딕"/>
-        <a:font script="Hans" typeface="宋体"/>
-        <a:font script="Hant" typeface="新細明體"/>
-        <a:font script="Arab" typeface="Times New Roman"/>
-        <a:font script="Hebr" typeface="Times New Roman"/>
-        <a:font script="Thai" typeface="Angsana New"/>
-        <a:font script="Ethi" typeface="Nyala"/>
-        <a:font script="Beng" typeface="Vrinda"/>
-        <a:font script="Gujr" typeface="Shruti"/>
-        <a:font script="Khmr" typeface="MoolBoran"/>
-        <a:font script="Knda" typeface="Tunga"/>
-        <a:font script="Guru" typeface="Raavi"/>
-        <a:font script="Cans" typeface="Euphemia"/>
-        <a:font script="Cher" typeface="Plantagenet Cherokee"/>
-        <a:font script="Yiii" typeface="Microsoft Yi Baiti"/>
-        <a:font script="Tibt" typeface="Microsoft Himalaya"/>
-        <a:font script="Thaa" typeface="MV Boli"/>
-        <a:font script="Deva" typeface="Mangal"/>
-        <a:font script="Telu" typeface="Gautami"/>
-        <a:font script="Taml" typeface="Latha"/>
-        <a:font script="Syrc" typeface="Estrangelo Edessa"/>
-        <a:font script="Orya" typeface="Kalinga"/>
-        <a:font script="Mlym" typeface="Kartika"/>
-        <a:font script="Laoo" typeface="DokChampa"/>
-        <a:font script="Sinh" typeface="Iskoola Pota"/>
-        <a:font script="Mong" typeface="Mongolian Baiti"/>
-        <a:font script="Viet" typeface="Times New Roman"/>
-        <a:font script="Uigh" typeface="Microsoft Uighur"/>
-        <a:font script="Geor" typeface="Sylfaen"/>
-      </a:majorFont>
-      <a:minorFont>
-        <a:latin typeface="Arial"/>
-        <a:ea typeface=""/>
-        <a:cs typeface=""/>
-        <a:font script="Jpan" typeface="ＭＳ Ｐゴシック"/>
-        <a:font script="Hang" typeface="맑은 고딕"/>
-        <a:font script="Hans" typeface="宋体"/>
-        <a:font script="Hant" typeface="新細明體"/>
-        <a:font script="Arab" typeface="Arial"/>
-        <a:font script="Hebr" typeface="Arial"/>
-        <a:font script="Thai" typeface="Cordia New"/>
-        <a:font script="Ethi" typeface="Nyala"/>
-        <a:font script="Beng" typeface="Vrinda"/>
-        <a:font script="Gujr" typeface="Shruti"/>
-        <a:font script="Khmr" typeface="DaunPenh"/>
-        <a:font script="Knda" typeface="Tunga"/>
-        <a:font script="Guru" typeface="Raavi"/>
-        <a:font script="Cans" typeface="Euphemia"/>
-        <a:font script="Cher" typeface="Plantagenet Cherokee"/>
-        <a:font script="Yiii" typeface="Microsoft Yi Baiti"/>
-        <a:font script="Tibt" typeface="Microsoft Himalaya"/>
-        <a:font script="Thaa" typeface="MV Boli"/>
-        <a:font script="Deva" typeface="Mangal"/>
-        <a:font script="Telu" typeface="Gautami"/>
-        <a:font script="Taml" typeface="Latha"/>
-        <a:font script="Syrc" typeface="Estrangelo Edessa"/>
-        <a:font script="Orya" typeface="Kalinga"/>
-        <a:font script="Mlym" typeface="Kartika"/>
-        <a:font script="Laoo" typeface="DokChampa"/>
-        <a:font script="Sinh" typeface="Iskoola Pota"/>
-        <a:font script="Mong" typeface="Mongolian Baiti"/>
-        <a:font script="Viet" typeface="Arial"/>
-        <a:font script="Uigh" typeface="Microsoft Uighur"/>
-        <a:font script="Geor" typeface="Sylfaen"/>
-      </a:minorFont>
-    </a:fontScheme>
-    <a:fmtScheme name="Office">
-      <a:fillStyleLst>
-        <a:solidFill>
-          <a:schemeClr val="phClr"/>
-        </a:solidFill>
-        <a:gradFill rotWithShape="1">
-          <a:gsLst>
-            <a:gs pos="0">
-              <a:schemeClr val="phClr">
-                <a:tint val="50000"/>
-                <a:satMod val="300000"/>
-              </a:schemeClr>
-            </a:gs>
-            <a:gs pos="35000">
-              <a:schemeClr val="phClr">
-                <a:tint val="37000"/>
-                <a:satMod val="300000"/>
-              </a:schemeClr>
-            </a:gs>
-            <a:gs pos="100000">
-              <a:schemeClr val="phClr">
-                <a:tint val="15000"/>
-                <a:satMod val="350000"/>
-              </a:schemeClr>
-            </a:gs>
-          </a:gsLst>
-          <a:lin ang="16200000" scaled="1"/>
-        </a:gradFill>
-        <a:gradFill rotWithShape="1">
-          <a:gsLst>
-            <a:gs pos="0">
-              <a:schemeClr val="phClr">
-                <a:tint val="100000"/>
-                <a:shade val="100000"/>
-                <a:satMod val="130000"/>
-              </a:schemeClr>
-            </a:gs>
-            <a:gs pos="100000">
-              <a:schemeClr val="phClr">
-                <a:tint val="50000"/>
-                <a:shade val="100000"/>
-                <a:satMod val="350000"/>
-              </a:schemeClr>
-            </a:gs>
-          </a:gsLst>
-          <a:lin ang="16200000" scaled="0"/>
-        </a:gradFill>
-      </a:fillStyleLst>
-      <a:lnStyleLst>
-        <a:ln w="9525" cap="flat" cmpd="sng" algn="ctr">
-          <a:solidFill>
-            <a:schemeClr val="phClr">
-              <a:shade val="95000"/>
-              <a:satMod val="105000"/>
-            </a:schemeClr>
-          </a:solidFill>
-          <a:prstDash val="solid"/>
-        </a:ln>
-        <a:ln w="25400" cap="flat" cmpd="sng" algn="ctr">
-          <a:solidFill>
-            <a:schemeClr val="phClr"/>
-          </a:solidFill>
-          <a:prstDash val="solid"/>
-        </a:ln>
-        <a:ln w="38100" cap="flat" cmpd="sng" algn="ctr">
-          <a:solidFill>
-            <a:schemeClr val="phClr"/>
-          </a:solidFill>
-          <a:prstDash val="solid"/>
-        </a:ln>
-      </a:lnStyleLst>
-      <a:effectStyleLst>
-        <a:effectStyle>
-          <a:effectLst>
-            <a:outerShdw blurRad="40000" dist="20000" dir="5400000" rotWithShape="0">
-              <a:srgbClr val="000000">
-                <a:alpha val="38000"/>
-              </a:srgbClr>
-            </a:outerShdw>
-          </a:effectLst>
-        </a:effectStyle>
-        <a:effectStyle>
-          <a:effectLst>
-            <a:outerShdw blurRad="40000" dist="23000" dir="5400000" rotWithShape="0">
-              <a:srgbClr val="000000">
-                <a:alpha val="35000"/>
-              </a:srgbClr>
-            </a:outerShdw>
-          </a:effectLst>
-        </a:effectStyle>
-        <a:effectStyle>
-          <a:effectLst>
-            <a:outerShdw blurRad="40000" dist="23000" dir="5400000" rotWithShape="0">
-              <a:srgbClr val="000000">
-                <a:alpha val="35000"/>
-              </a:srgbClr>
-            </a:outerShdw>
-          </a:effectLst>
-          <a:scene3d>
-            <a:camera prst="orthographicFront">
-              <a:rot lat="0" lon="0" rev="0"/>
-            </a:camera>
-            <a:lightRig rig="threePt" dir="t">
-              <a:rot lat="0" lon="0" rev="1200000"/>
-            </a:lightRig>
-          </a:scene3d>
-          <a:sp3d>
-            <a:bevelT w="63500" h="25400"/>
-          </a:sp3d>
-        </a:effectStyle>
-      </a:effectStyleLst>
-      <a:bgFillStyleLst>
-        <a:solidFill>
-          <a:schemeClr val="phClr"/>
-        </a:solidFill>
-        <a:gradFill rotWithShape="1">
-          <a:gsLst>
-            <a:gs pos="0">
-              <a:schemeClr val="phClr">
-                <a:tint val="40000"/>
-                <a:satMod val="350000"/>
-              </a:schemeClr>
-            </a:gs>
-            <a:gs pos="40000">
-              <a:schemeClr val="phClr">
-                <a:tint val="45000"/>
-                <a:shade val="99000"/>
-                <a:satMod val="350000"/>
-              </a:schemeClr>
-            </a:gs>
-            <a:gs pos="100000">
-              <a:schemeClr val="phClr">
-                <a:shade val="20000"/>
-                <a:satMod val="255000"/>
-              </a:schemeClr>
-            </a:gs>
-          </a:gsLst>
-          <a:path path="circle">
-            <a:fillToRect l="50000" t="-80000" r="50000" b="180000"/>
-          </a:path>
-        </a:gradFill>
-        <a:gradFill rotWithShape="1">
-          <a:gsLst>
-            <a:gs pos="0">
-              <a:schemeClr val="phClr">
-                <a:tint val="80000"/>
-                <a:satMod val="300000"/>
-              </a:schemeClr>
-            </a:gs>
-            <a:gs pos="100000">
-              <a:schemeClr val="phClr">
-                <a:shade val="30000"/>
-                <a:satMod val="200000"/>
-              </a:schemeClr>
-            </a:gs>
-          </a:gsLst>
-          <a:path path="circle">
-            <a:fillToRect l="50000" t="50000" r="50000" b="50000"/>
-          </a:path>
-        </a:gradFill>
-      </a:bgFillStyleLst>
-    </a:fmtScheme>
-  </a:themeElements>
+  <a:objectDefaults/>
+  <a:extraClrSchemeLst/>
 </a:theme>
 </file>